--- a/ВКР Снегур.pptx
+++ b/ВКР Снегур.pptx
@@ -5,28 +5,30 @@
     <p:sldMasterId id="2147483774" r:id="rId1"/>
   </p:sldMasterIdLst>
   <p:notesMasterIdLst>
-    <p:notesMasterId r:id="rId18"/>
+    <p:notesMasterId r:id="rId20"/>
   </p:notesMasterIdLst>
   <p:handoutMasterIdLst>
-    <p:handoutMasterId r:id="rId19"/>
+    <p:handoutMasterId r:id="rId21"/>
   </p:handoutMasterIdLst>
   <p:sldIdLst>
     <p:sldId id="256" r:id="rId2"/>
     <p:sldId id="257" r:id="rId3"/>
-    <p:sldId id="258" r:id="rId4"/>
-    <p:sldId id="259" r:id="rId5"/>
-    <p:sldId id="270" r:id="rId6"/>
-    <p:sldId id="260" r:id="rId7"/>
-    <p:sldId id="261" r:id="rId8"/>
-    <p:sldId id="262" r:id="rId9"/>
-    <p:sldId id="265" r:id="rId10"/>
-    <p:sldId id="269" r:id="rId11"/>
-    <p:sldId id="266" r:id="rId12"/>
-    <p:sldId id="263" r:id="rId13"/>
-    <p:sldId id="264" r:id="rId14"/>
-    <p:sldId id="267" r:id="rId15"/>
-    <p:sldId id="271" r:id="rId16"/>
-    <p:sldId id="268" r:id="rId17"/>
+    <p:sldId id="275" r:id="rId4"/>
+    <p:sldId id="258" r:id="rId5"/>
+    <p:sldId id="259" r:id="rId6"/>
+    <p:sldId id="270" r:id="rId7"/>
+    <p:sldId id="272" r:id="rId8"/>
+    <p:sldId id="260" r:id="rId9"/>
+    <p:sldId id="261" r:id="rId10"/>
+    <p:sldId id="262" r:id="rId11"/>
+    <p:sldId id="273" r:id="rId12"/>
+    <p:sldId id="274" r:id="rId13"/>
+    <p:sldId id="263" r:id="rId14"/>
+    <p:sldId id="264" r:id="rId15"/>
+    <p:sldId id="276" r:id="rId16"/>
+    <p:sldId id="267" r:id="rId17"/>
+    <p:sldId id="271" r:id="rId18"/>
+    <p:sldId id="268" r:id="rId19"/>
   </p:sldIdLst>
   <p:sldSz cx="12192000" cy="6858000"/>
   <p:notesSz cx="6858000" cy="9144000"/>
@@ -242,7 +244,7 @@
           <a:p>
             <a:fld id="{53B57B2F-3A20-484C-8A5C-0911748DA550}" type="datetimeFigureOut">
               <a:rPr lang="ru-RU" smtClean="0"/>
-              <a:t>22.06.2020</a:t>
+              <a:t>23.06.2020</a:t>
             </a:fld>
             <a:endParaRPr lang="ru-RU"/>
           </a:p>
@@ -419,7 +421,7 @@
           <a:p>
             <a:fld id="{096B6CCE-8CD7-4E43-A5BC-51D9D21802C9}" type="datetimeFigureOut">
               <a:rPr lang="ru-RU" smtClean="0"/>
-              <a:t>22.06.2020</a:t>
+              <a:t>23.06.2020</a:t>
             </a:fld>
             <a:endParaRPr lang="ru-RU"/>
           </a:p>
@@ -833,7 +835,7 @@
           <a:p>
             <a:fld id="{66F61803-34A0-4A8C-BCBD-AE9112B1F880}" type="datetime1">
               <a:rPr lang="ru-RU" smtClean="0"/>
-              <a:t>22.06.2020</a:t>
+              <a:t>23.06.2020</a:t>
             </a:fld>
             <a:endParaRPr lang="ru-RU"/>
           </a:p>
@@ -1031,7 +1033,7 @@
           <a:p>
             <a:fld id="{85D83EC5-8702-48BF-8E15-45D28D4BE70F}" type="datetime1">
               <a:rPr lang="ru-RU" smtClean="0"/>
-              <a:t>22.06.2020</a:t>
+              <a:t>23.06.2020</a:t>
             </a:fld>
             <a:endParaRPr lang="ru-RU"/>
           </a:p>
@@ -1239,7 +1241,7 @@
           <a:p>
             <a:fld id="{77479667-F8D4-4F81-90B3-5B55050BB940}" type="datetime1">
               <a:rPr lang="ru-RU" smtClean="0"/>
-              <a:t>22.06.2020</a:t>
+              <a:t>23.06.2020</a:t>
             </a:fld>
             <a:endParaRPr lang="ru-RU"/>
           </a:p>
@@ -1437,7 +1439,7 @@
           <a:p>
             <a:fld id="{7A2BB122-ACC2-4F2B-9457-CE1D186B7F95}" type="datetime1">
               <a:rPr lang="ru-RU" smtClean="0"/>
-              <a:t>22.06.2020</a:t>
+              <a:t>23.06.2020</a:t>
             </a:fld>
             <a:endParaRPr lang="ru-RU"/>
           </a:p>
@@ -1712,7 +1714,7 @@
           <a:p>
             <a:fld id="{FADBF003-3D11-44AC-9AAF-194F0CAE0DCB}" type="datetime1">
               <a:rPr lang="ru-RU" smtClean="0"/>
-              <a:t>22.06.2020</a:t>
+              <a:t>23.06.2020</a:t>
             </a:fld>
             <a:endParaRPr lang="ru-RU"/>
           </a:p>
@@ -1977,7 +1979,7 @@
           <a:p>
             <a:fld id="{2D3B46B1-D4FA-4BDA-8F51-B218C69DC6D0}" type="datetime1">
               <a:rPr lang="ru-RU" smtClean="0"/>
-              <a:t>22.06.2020</a:t>
+              <a:t>23.06.2020</a:t>
             </a:fld>
             <a:endParaRPr lang="ru-RU"/>
           </a:p>
@@ -2389,7 +2391,7 @@
           <a:p>
             <a:fld id="{FCF59039-5375-466A-B50F-ADB29AE09C6B}" type="datetime1">
               <a:rPr lang="ru-RU" smtClean="0"/>
-              <a:t>22.06.2020</a:t>
+              <a:t>23.06.2020</a:t>
             </a:fld>
             <a:endParaRPr lang="ru-RU"/>
           </a:p>
@@ -2530,7 +2532,7 @@
           <a:p>
             <a:fld id="{87B00E85-F622-481E-B621-0E68A12F82AC}" type="datetime1">
               <a:rPr lang="ru-RU" smtClean="0"/>
-              <a:t>22.06.2020</a:t>
+              <a:t>23.06.2020</a:t>
             </a:fld>
             <a:endParaRPr lang="ru-RU"/>
           </a:p>
@@ -2643,7 +2645,7 @@
           <a:p>
             <a:fld id="{358D4146-A030-4DD8-8B4C-BC399FBACFA9}" type="datetime1">
               <a:rPr lang="ru-RU" smtClean="0"/>
-              <a:t>22.06.2020</a:t>
+              <a:t>23.06.2020</a:t>
             </a:fld>
             <a:endParaRPr lang="ru-RU"/>
           </a:p>
@@ -2954,7 +2956,7 @@
           <a:p>
             <a:fld id="{845093BB-BDA7-4F5D-82A6-80F8781E6CE0}" type="datetime1">
               <a:rPr lang="ru-RU" smtClean="0"/>
-              <a:t>22.06.2020</a:t>
+              <a:t>23.06.2020</a:t>
             </a:fld>
             <a:endParaRPr lang="ru-RU"/>
           </a:p>
@@ -3242,7 +3244,7 @@
           <a:p>
             <a:fld id="{FB146B87-E30D-4172-B161-0281A1B8B786}" type="datetime1">
               <a:rPr lang="ru-RU" smtClean="0"/>
-              <a:t>22.06.2020</a:t>
+              <a:t>23.06.2020</a:t>
             </a:fld>
             <a:endParaRPr lang="ru-RU"/>
           </a:p>
@@ -3483,7 +3485,7 @@
           <a:p>
             <a:fld id="{F1722A57-F52D-4300-A32B-CAF82515A8BF}" type="datetime1">
               <a:rPr lang="ru-RU" smtClean="0"/>
-              <a:t>22.06.2020</a:t>
+              <a:t>23.06.2020</a:t>
             </a:fld>
             <a:endParaRPr lang="ru-RU"/>
           </a:p>
@@ -4397,7 +4399,7 @@
                   </a:outerShdw>
                 </a:effectLst>
               </a:rPr>
-              <a:t>Автор: Снегур А.Т.</a:t>
+              <a:t>Студент 4-го курса: Снегур А.Т.</a:t>
             </a:r>
           </a:p>
           <a:p>
@@ -4464,7 +4466,7 @@
           <p:cNvPr id="4" name="Номер слайда 3">
             <a:extLst>
               <a:ext uri="{FF2B5EF4-FFF2-40B4-BE49-F238E27FC236}">
-                <a16:creationId xmlns:a16="http://schemas.microsoft.com/office/drawing/2014/main" id="{BA2D91A9-8105-48DB-9C56-C5BCFF58ED04}"/>
+                <a16:creationId xmlns:a16="http://schemas.microsoft.com/office/drawing/2014/main" id="{9A0DC7CF-15D6-41EB-BE91-FB9C8F9DE10E}"/>
               </a:ext>
             </a:extLst>
           </p:cNvPr>
@@ -4540,10 +4542,10 @@
       </p:sp>
       <p:sp>
         <p:nvSpPr>
-          <p:cNvPr id="7" name="Прямоугольник 6">
-            <a:extLst>
-              <a:ext uri="{FF2B5EF4-FFF2-40B4-BE49-F238E27FC236}">
-                <a16:creationId xmlns:a16="http://schemas.microsoft.com/office/drawing/2014/main" id="{764F0216-5175-43EF-B44F-8655CF49B335}"/>
+          <p:cNvPr id="9" name="Прямоугольник 8">
+            <a:extLst>
+              <a:ext uri="{FF2B5EF4-FFF2-40B4-BE49-F238E27FC236}">
+                <a16:creationId xmlns:a16="http://schemas.microsoft.com/office/drawing/2014/main" id="{7921ACF2-D316-4DBC-B39C-4444CE34892D}"/>
               </a:ext>
             </a:extLst>
           </p:cNvPr>
@@ -4552,28 +4554,25 @@
         </p:nvSpPr>
         <p:spPr>
           <a:xfrm>
-            <a:off x="0" y="0"/>
-            <a:ext cx="10128094" cy="1015663"/>
+            <a:off x="-1" y="0"/>
+            <a:ext cx="10487025" cy="923330"/>
           </a:xfrm>
           <a:prstGeom prst="rect">
             <a:avLst/>
           </a:prstGeom>
           <a:noFill/>
           <a:ln>
-            <a:solidFill>
-              <a:schemeClr val="bg1"/>
-            </a:solidFill>
+            <a:noFill/>
           </a:ln>
         </p:spPr>
         <p:txBody>
-          <a:bodyPr wrap="none" lIns="91440" tIns="45720" rIns="91440" bIns="45720">
+          <a:bodyPr wrap="square" lIns="91440" tIns="45720" rIns="91440" bIns="45720">
             <a:spAutoFit/>
           </a:bodyPr>
           <a:lstStyle/>
           <a:p>
-            <a:pPr algn="ctr"/>
-            <a:r>
-              <a:rPr lang="ru-RU" sz="6000" dirty="0">
+            <a:r>
+              <a:rPr lang="ru-RU" sz="5400" dirty="0">
                 <a:ln w="0"/>
                 <a:effectLst>
                   <a:outerShdw blurRad="38100" dist="19050" dir="2700000" algn="tl" rotWithShape="0">
@@ -4583,10 +4582,10 @@
                   </a:outerShdw>
                 </a:effectLst>
               </a:rPr>
-              <a:t>Формирование </a:t>
-            </a:r>
-            <a:r>
-              <a:rPr lang="en-US" sz="6000" dirty="0">
+              <a:t>Работа с</a:t>
+            </a:r>
+            <a:r>
+              <a:rPr lang="en-US" sz="5400" dirty="0">
                 <a:ln w="0"/>
                 <a:effectLst>
                   <a:outerShdw blurRad="38100" dist="19050" dir="2700000" algn="tl" rotWithShape="0">
@@ -4596,10 +4595,10 @@
                   </a:outerShdw>
                 </a:effectLst>
               </a:rPr>
-              <a:t>JSON </a:t>
-            </a:r>
-            <a:r>
-              <a:rPr lang="ru-RU" sz="6000" dirty="0">
+              <a:t> Google Cloud Console</a:t>
+            </a:r>
+            <a:r>
+              <a:rPr lang="ru-RU" sz="5400" dirty="0">
                 <a:ln w="0"/>
                 <a:effectLst>
                   <a:outerShdw blurRad="38100" dist="19050" dir="2700000" algn="tl" rotWithShape="0">
@@ -4609,9 +4608,9 @@
                   </a:outerShdw>
                 </a:effectLst>
               </a:rPr>
-              <a:t>запроса  </a:t>
-            </a:r>
-            <a:endParaRPr lang="ru-RU" sz="6000" b="1" cap="none" spc="0" dirty="0">
+              <a:t>  </a:t>
+            </a:r>
+            <a:endParaRPr lang="ru-RU" sz="5400" b="1" cap="none" spc="0" dirty="0">
               <a:ln w="22225">
                 <a:solidFill>
                   <a:srgbClr val="E24036"/>
@@ -4626,147 +4625,12 @@
           </a:p>
         </p:txBody>
       </p:sp>
-      <p:sp>
-        <p:nvSpPr>
-          <p:cNvPr id="10" name="AutoShape 3">
-            <a:extLst>
-              <a:ext uri="{FF2B5EF4-FFF2-40B4-BE49-F238E27FC236}">
-                <a16:creationId xmlns:a16="http://schemas.microsoft.com/office/drawing/2014/main" id="{60695E3E-BAEC-45B8-8BAC-824ECF7E2F6E}"/>
-              </a:ext>
-            </a:extLst>
-          </p:cNvPr>
-          <p:cNvSpPr>
-            <a:spLocks noChangeAspect="1" noChangeArrowheads="1"/>
-          </p:cNvSpPr>
-          <p:nvPr/>
-        </p:nvSpPr>
-        <p:spPr bwMode="auto">
-          <a:xfrm>
-            <a:off x="5943600" y="3276600"/>
-            <a:ext cx="304800" cy="304800"/>
-          </a:xfrm>
-          <a:prstGeom prst="rect">
-            <a:avLst/>
-          </a:prstGeom>
-          <a:noFill/>
-          <a:extLst>
-            <a:ext uri="{909E8E84-426E-40DD-AFC4-6F175D3DCCD1}">
-              <a14:hiddenFill xmlns:a14="http://schemas.microsoft.com/office/drawing/2010/main">
-                <a:solidFill>
-                  <a:srgbClr val="FFFFFF"/>
-                </a:solidFill>
-              </a14:hiddenFill>
-            </a:ext>
-          </a:extLst>
-        </p:spPr>
-        <p:txBody>
-          <a:bodyPr vert="horz" wrap="square" lIns="91440" tIns="45720" rIns="91440" bIns="45720" numCol="1" anchor="t" anchorCtr="0" compatLnSpc="1">
-            <a:prstTxWarp prst="textNoShape">
-              <a:avLst/>
-            </a:prstTxWarp>
-          </a:bodyPr>
-          <a:lstStyle/>
-          <a:p>
-            <a:endParaRPr lang="ru-RU"/>
-          </a:p>
-        </p:txBody>
-      </p:sp>
-      <p:sp>
-        <p:nvSpPr>
-          <p:cNvPr id="11" name="AutoShape 5">
-            <a:extLst>
-              <a:ext uri="{FF2B5EF4-FFF2-40B4-BE49-F238E27FC236}">
-                <a16:creationId xmlns:a16="http://schemas.microsoft.com/office/drawing/2014/main" id="{9C35D81F-9F32-4D81-9117-39A360B314BB}"/>
-              </a:ext>
-            </a:extLst>
-          </p:cNvPr>
-          <p:cNvSpPr>
-            <a:spLocks noChangeAspect="1" noChangeArrowheads="1"/>
-          </p:cNvSpPr>
-          <p:nvPr/>
-        </p:nvSpPr>
-        <p:spPr bwMode="auto">
-          <a:xfrm>
-            <a:off x="6096000" y="3429000"/>
-            <a:ext cx="304800" cy="304800"/>
-          </a:xfrm>
-          <a:prstGeom prst="rect">
-            <a:avLst/>
-          </a:prstGeom>
-          <a:noFill/>
-          <a:extLst>
-            <a:ext uri="{909E8E84-426E-40DD-AFC4-6F175D3DCCD1}">
-              <a14:hiddenFill xmlns:a14="http://schemas.microsoft.com/office/drawing/2010/main">
-                <a:solidFill>
-                  <a:srgbClr val="FFFFFF"/>
-                </a:solidFill>
-              </a14:hiddenFill>
-            </a:ext>
-          </a:extLst>
-        </p:spPr>
-        <p:txBody>
-          <a:bodyPr vert="horz" wrap="square" lIns="91440" tIns="45720" rIns="91440" bIns="45720" numCol="1" anchor="t" anchorCtr="0" compatLnSpc="1">
-            <a:prstTxWarp prst="textNoShape">
-              <a:avLst/>
-            </a:prstTxWarp>
-          </a:bodyPr>
-          <a:lstStyle/>
-          <a:p>
-            <a:endParaRPr lang="ru-RU"/>
-          </a:p>
-        </p:txBody>
-      </p:sp>
-      <p:sp>
-        <p:nvSpPr>
-          <p:cNvPr id="12" name="AutoShape 7">
-            <a:extLst>
-              <a:ext uri="{FF2B5EF4-FFF2-40B4-BE49-F238E27FC236}">
-                <a16:creationId xmlns:a16="http://schemas.microsoft.com/office/drawing/2014/main" id="{135AD104-D06A-4479-862C-90CD15188F9F}"/>
-              </a:ext>
-            </a:extLst>
-          </p:cNvPr>
-          <p:cNvSpPr>
-            <a:spLocks noChangeAspect="1" noChangeArrowheads="1"/>
-          </p:cNvSpPr>
-          <p:nvPr/>
-        </p:nvSpPr>
-        <p:spPr bwMode="auto">
-          <a:xfrm>
-            <a:off x="6248400" y="3581400"/>
-            <a:ext cx="304800" cy="304800"/>
-          </a:xfrm>
-          <a:prstGeom prst="rect">
-            <a:avLst/>
-          </a:prstGeom>
-          <a:noFill/>
-          <a:extLst>
-            <a:ext uri="{909E8E84-426E-40DD-AFC4-6F175D3DCCD1}">
-              <a14:hiddenFill xmlns:a14="http://schemas.microsoft.com/office/drawing/2010/main">
-                <a:solidFill>
-                  <a:srgbClr val="FFFFFF"/>
-                </a:solidFill>
-              </a14:hiddenFill>
-            </a:ext>
-          </a:extLst>
-        </p:spPr>
-        <p:txBody>
-          <a:bodyPr vert="horz" wrap="square" lIns="91440" tIns="45720" rIns="91440" bIns="45720" numCol="1" anchor="t" anchorCtr="0" compatLnSpc="1">
-            <a:prstTxWarp prst="textNoShape">
-              <a:avLst/>
-            </a:prstTxWarp>
-          </a:bodyPr>
-          <a:lstStyle/>
-          <a:p>
-            <a:endParaRPr lang="ru-RU"/>
-          </a:p>
-        </p:txBody>
-      </p:sp>
       <p:pic>
         <p:nvPicPr>
-          <p:cNvPr id="14" name="Рисунок 13">
-            <a:extLst>
-              <a:ext uri="{FF2B5EF4-FFF2-40B4-BE49-F238E27FC236}">
-                <a16:creationId xmlns:a16="http://schemas.microsoft.com/office/drawing/2014/main" id="{8EFCE498-B71B-44B8-92C7-2C5783E223A1}"/>
+          <p:cNvPr id="7" name="Рисунок 6" descr="Изображение выглядит как снимок экрана&#10;&#10;Автоматически созданное описание">
+            <a:extLst>
+              <a:ext uri="{FF2B5EF4-FFF2-40B4-BE49-F238E27FC236}">
+                <a16:creationId xmlns:a16="http://schemas.microsoft.com/office/drawing/2014/main" id="{F79A6008-CE44-45C5-B449-95B678D8824A}"/>
               </a:ext>
             </a:extLst>
           </p:cNvPr>
@@ -4776,172 +4640,84 @@
           <p:nvPr/>
         </p:nvPicPr>
         <p:blipFill rotWithShape="1">
-          <a:blip r:embed="rId2"/>
-          <a:srcRect l="18592" r="12838"/>
+          <a:blip r:embed="rId2">
+            <a:extLst>
+              <a:ext uri="{28A0092B-C50C-407E-A947-70E740481C1C}">
+                <a14:useLocalDpi xmlns:a14="http://schemas.microsoft.com/office/drawing/2010/main" val="0"/>
+              </a:ext>
+            </a:extLst>
+          </a:blip>
+          <a:srcRect r="22423"/>
           <a:stretch/>
         </p:blipFill>
         <p:spPr>
           <a:xfrm>
-            <a:off x="526473" y="1702920"/>
-            <a:ext cx="6714836" cy="3452159"/>
+            <a:off x="1466653" y="994899"/>
+            <a:ext cx="9258694" cy="5361451"/>
           </a:xfrm>
           <a:prstGeom prst="rect">
             <a:avLst/>
           </a:prstGeom>
         </p:spPr>
       </p:pic>
-      <p:cxnSp>
-        <p:nvCxnSpPr>
-          <p:cNvPr id="3" name="Прямая со стрелкой 2">
-            <a:extLst>
-              <a:ext uri="{FF2B5EF4-FFF2-40B4-BE49-F238E27FC236}">
-                <a16:creationId xmlns:a16="http://schemas.microsoft.com/office/drawing/2014/main" id="{5195D2DA-238F-4547-BF03-AEAA57F5F350}"/>
-              </a:ext>
-            </a:extLst>
-          </p:cNvPr>
-          <p:cNvCxnSpPr/>
+      <p:sp>
+        <p:nvSpPr>
+          <p:cNvPr id="12" name="Прямоугольник 11">
+            <a:extLst>
+              <a:ext uri="{FF2B5EF4-FFF2-40B4-BE49-F238E27FC236}">
+                <a16:creationId xmlns:a16="http://schemas.microsoft.com/office/drawing/2014/main" id="{DC8662C6-50B9-4670-AFB0-4126C8F1E983}"/>
+              </a:ext>
+            </a:extLst>
+          </p:cNvPr>
+          <p:cNvSpPr/>
           <p:nvPr/>
-        </p:nvCxnSpPr>
+        </p:nvSpPr>
         <p:spPr>
           <a:xfrm>
-            <a:off x="6342149" y="2827020"/>
-            <a:ext cx="1798320" cy="0"/>
-          </a:xfrm>
-          <a:prstGeom prst="straightConnector1">
-            <a:avLst/>
-          </a:prstGeom>
-          <a:ln>
-            <a:tailEnd type="triangle"/>
-          </a:ln>
-        </p:spPr>
-        <p:style>
-          <a:lnRef idx="3">
-            <a:schemeClr val="dk1"/>
-          </a:lnRef>
-          <a:fillRef idx="0">
-            <a:schemeClr val="dk1"/>
-          </a:fillRef>
-          <a:effectRef idx="2">
-            <a:schemeClr val="dk1"/>
-          </a:effectRef>
-          <a:fontRef idx="minor">
-            <a:schemeClr val="tx1"/>
-          </a:fontRef>
-        </p:style>
-      </p:cxnSp>
-      <p:cxnSp>
-        <p:nvCxnSpPr>
-          <p:cNvPr id="13" name="Прямая со стрелкой 12">
-            <a:extLst>
-              <a:ext uri="{FF2B5EF4-FFF2-40B4-BE49-F238E27FC236}">
-                <a16:creationId xmlns:a16="http://schemas.microsoft.com/office/drawing/2014/main" id="{5647EB0F-7CB3-46DB-A781-0D335F194BDA}"/>
-              </a:ext>
-            </a:extLst>
-          </p:cNvPr>
-          <p:cNvCxnSpPr/>
-          <p:nvPr/>
-        </p:nvCxnSpPr>
-        <p:spPr>
-          <a:xfrm>
-            <a:off x="7231380" y="4084320"/>
-            <a:ext cx="1798320" cy="0"/>
-          </a:xfrm>
-          <a:prstGeom prst="straightConnector1">
-            <a:avLst/>
-          </a:prstGeom>
-          <a:ln>
-            <a:tailEnd type="triangle"/>
-          </a:ln>
-        </p:spPr>
-        <p:style>
-          <a:lnRef idx="3">
-            <a:schemeClr val="dk1"/>
-          </a:lnRef>
-          <a:fillRef idx="0">
-            <a:schemeClr val="dk1"/>
-          </a:fillRef>
-          <a:effectRef idx="2">
-            <a:schemeClr val="dk1"/>
-          </a:effectRef>
-          <a:fontRef idx="minor">
-            <a:schemeClr val="tx1"/>
-          </a:fontRef>
-        </p:style>
-      </p:cxnSp>
-      <p:sp>
-        <p:nvSpPr>
-          <p:cNvPr id="15" name="TextBox 14">
-            <a:extLst>
-              <a:ext uri="{FF2B5EF4-FFF2-40B4-BE49-F238E27FC236}">
-                <a16:creationId xmlns:a16="http://schemas.microsoft.com/office/drawing/2014/main" id="{F4E67642-E9D4-4FE1-AD0A-CF143626AF14}"/>
-              </a:ext>
-            </a:extLst>
-          </p:cNvPr>
-          <p:cNvSpPr txBox="1"/>
-          <p:nvPr/>
-        </p:nvSpPr>
-        <p:spPr>
-          <a:xfrm>
-            <a:off x="8203474" y="2642354"/>
-            <a:ext cx="4981303" cy="369332"/>
+            <a:off x="10410738" y="3305262"/>
+            <a:ext cx="696286" cy="536896"/>
           </a:xfrm>
           <a:prstGeom prst="rect">
             <a:avLst/>
           </a:prstGeom>
-          <a:noFill/>
-        </p:spPr>
-        <p:txBody>
-          <a:bodyPr wrap="square" rtlCol="0">
-            <a:spAutoFit/>
-          </a:bodyPr>
+          <a:solidFill>
+            <a:schemeClr val="bg1"/>
+          </a:solidFill>
+          <a:ln>
+            <a:solidFill>
+              <a:schemeClr val="bg1"/>
+            </a:solidFill>
+          </a:ln>
+        </p:spPr>
+        <p:style>
+          <a:lnRef idx="2">
+            <a:schemeClr val="accent1">
+              <a:shade val="50000"/>
+            </a:schemeClr>
+          </a:lnRef>
+          <a:fillRef idx="1">
+            <a:schemeClr val="accent1"/>
+          </a:fillRef>
+          <a:effectRef idx="0">
+            <a:schemeClr val="accent1"/>
+          </a:effectRef>
+          <a:fontRef idx="minor">
+            <a:schemeClr val="lt1"/>
+          </a:fontRef>
+        </p:style>
+        <p:txBody>
+          <a:bodyPr rtlCol="0" anchor="ctr"/>
           <a:lstStyle/>
           <a:p>
-            <a:r>
-              <a:rPr lang="ru-RU" dirty="0"/>
-              <a:t>Закодированное ранее изображение</a:t>
-            </a:r>
-          </a:p>
-        </p:txBody>
-      </p:sp>
-      <p:sp>
-        <p:nvSpPr>
-          <p:cNvPr id="16" name="TextBox 15">
-            <a:extLst>
-              <a:ext uri="{FF2B5EF4-FFF2-40B4-BE49-F238E27FC236}">
-                <a16:creationId xmlns:a16="http://schemas.microsoft.com/office/drawing/2014/main" id="{0C960A34-E847-4BEE-B595-FCE00A510A54}"/>
-              </a:ext>
-            </a:extLst>
-          </p:cNvPr>
-          <p:cNvSpPr txBox="1"/>
-          <p:nvPr/>
-        </p:nvSpPr>
-        <p:spPr>
-          <a:xfrm>
-            <a:off x="9016076" y="3892709"/>
-            <a:ext cx="4981303" cy="369332"/>
-          </a:xfrm>
-          <a:prstGeom prst="rect">
-            <a:avLst/>
-          </a:prstGeom>
-          <a:noFill/>
-        </p:spPr>
-        <p:txBody>
-          <a:bodyPr wrap="square" rtlCol="0">
-            <a:spAutoFit/>
-          </a:bodyPr>
-          <a:lstStyle/>
-          <a:p>
-            <a:r>
-              <a:rPr lang="ru-RU" dirty="0"/>
-              <a:t>Тип распознавания</a:t>
-            </a:r>
+            <a:pPr algn="ctr"/>
+            <a:endParaRPr lang="ru-RU"/>
           </a:p>
         </p:txBody>
       </p:sp>
     </p:spTree>
     <p:extLst>
       <p:ext uri="{BB962C8B-B14F-4D97-AF65-F5344CB8AC3E}">
-        <p14:creationId xmlns:p14="http://schemas.microsoft.com/office/powerpoint/2010/main" val="698617697"/>
+        <p14:creationId xmlns:p14="http://schemas.microsoft.com/office/powerpoint/2010/main" val="2004220053"/>
       </p:ext>
     </p:extLst>
   </p:cSld>
@@ -4970,10 +4746,10 @@
       </p:grpSpPr>
       <p:sp>
         <p:nvSpPr>
-          <p:cNvPr id="4" name="Номер слайда 3">
-            <a:extLst>
-              <a:ext uri="{FF2B5EF4-FFF2-40B4-BE49-F238E27FC236}">
-                <a16:creationId xmlns:a16="http://schemas.microsoft.com/office/drawing/2014/main" id="{7FCEA01A-9809-408E-8F2B-2D7C228EDA1C}"/>
+          <p:cNvPr id="2" name="Номер слайда 1">
+            <a:extLst>
+              <a:ext uri="{FF2B5EF4-FFF2-40B4-BE49-F238E27FC236}">
+                <a16:creationId xmlns:a16="http://schemas.microsoft.com/office/drawing/2014/main" id="{169CD877-AB0A-4618-96ED-F13890D1E9DB}"/>
               </a:ext>
             </a:extLst>
           </p:cNvPr>
@@ -5007,7 +4783,7 @@
               <a:defRPr/>
             </a:pPr>
             <a:fld id="{079AA04F-7A8B-46BC-B900-7D092EA1812F}" type="slidenum">
-              <a:rPr lang="ru-RU" sz="1800" b="1" smtClean="0">
+              <a:rPr lang="ru-RU" sz="1800" b="1">
                 <a:solidFill>
                   <a:prstClr val="black">
                     <a:tint val="75000"/>
@@ -5047,12 +4823,48 @@
           </a:p>
         </p:txBody>
       </p:sp>
-      <p:sp>
-        <p:nvSpPr>
-          <p:cNvPr id="5" name="Прямоугольник 4">
-            <a:extLst>
-              <a:ext uri="{FF2B5EF4-FFF2-40B4-BE49-F238E27FC236}">
-                <a16:creationId xmlns:a16="http://schemas.microsoft.com/office/drawing/2014/main" id="{54F91E93-F07A-42C3-98FC-AAFE8B6DE972}"/>
+      <p:pic>
+        <p:nvPicPr>
+          <p:cNvPr id="6" name="Рисунок 5" descr="Изображение выглядит как снимок экрана&#10;&#10;Автоматически созданное описание">
+            <a:extLst>
+              <a:ext uri="{FF2B5EF4-FFF2-40B4-BE49-F238E27FC236}">
+                <a16:creationId xmlns:a16="http://schemas.microsoft.com/office/drawing/2014/main" id="{2A72CE77-185E-4B14-A5F4-66A0BFE17437}"/>
+              </a:ext>
+            </a:extLst>
+          </p:cNvPr>
+          <p:cNvPicPr>
+            <a:picLocks noChangeAspect="1"/>
+          </p:cNvPicPr>
+          <p:nvPr/>
+        </p:nvPicPr>
+        <p:blipFill>
+          <a:blip r:embed="rId2">
+            <a:extLst>
+              <a:ext uri="{28A0092B-C50C-407E-A947-70E740481C1C}">
+                <a14:useLocalDpi xmlns:a14="http://schemas.microsoft.com/office/drawing/2010/main" val="0"/>
+              </a:ext>
+            </a:extLst>
+          </a:blip>
+          <a:stretch>
+            <a:fillRect/>
+          </a:stretch>
+        </p:blipFill>
+        <p:spPr>
+          <a:xfrm>
+            <a:off x="329748" y="1068090"/>
+            <a:ext cx="11532503" cy="5143500"/>
+          </a:xfrm>
+          <a:prstGeom prst="rect">
+            <a:avLst/>
+          </a:prstGeom>
+        </p:spPr>
+      </p:pic>
+      <p:sp>
+        <p:nvSpPr>
+          <p:cNvPr id="7" name="Прямоугольник 6">
+            <a:extLst>
+              <a:ext uri="{FF2B5EF4-FFF2-40B4-BE49-F238E27FC236}">
+                <a16:creationId xmlns:a16="http://schemas.microsoft.com/office/drawing/2014/main" id="{25ECE584-F723-4CE6-8766-2DF305577D29}"/>
               </a:ext>
             </a:extLst>
           </p:cNvPr>
@@ -5061,28 +4873,25 @@
         </p:nvSpPr>
         <p:spPr>
           <a:xfrm>
-            <a:off x="0" y="-6183"/>
-            <a:ext cx="7835030" cy="1015663"/>
+            <a:off x="-1" y="0"/>
+            <a:ext cx="10487025" cy="923330"/>
           </a:xfrm>
           <a:prstGeom prst="rect">
             <a:avLst/>
           </a:prstGeom>
           <a:noFill/>
           <a:ln>
-            <a:solidFill>
-              <a:schemeClr val="bg1"/>
-            </a:solidFill>
+            <a:noFill/>
           </a:ln>
         </p:spPr>
         <p:txBody>
-          <a:bodyPr wrap="none" lIns="91440" tIns="45720" rIns="91440" bIns="45720">
+          <a:bodyPr wrap="square" lIns="91440" tIns="45720" rIns="91440" bIns="45720">
             <a:spAutoFit/>
           </a:bodyPr>
           <a:lstStyle/>
           <a:p>
-            <a:pPr algn="ctr"/>
-            <a:r>
-              <a:rPr lang="ru-RU" sz="6000" dirty="0">
+            <a:r>
+              <a:rPr lang="ru-RU" sz="5400" dirty="0">
                 <a:ln w="0"/>
                 <a:effectLst>
                   <a:outerShdw blurRad="38100" dist="19050" dir="2700000" algn="tl" rotWithShape="0">
@@ -5092,35 +4901,9 @@
                   </a:outerShdw>
                 </a:effectLst>
               </a:rPr>
-              <a:t>Отправка </a:t>
-            </a:r>
-            <a:r>
-              <a:rPr lang="en-US" sz="6000" dirty="0">
-                <a:ln w="0"/>
-                <a:effectLst>
-                  <a:outerShdw blurRad="38100" dist="19050" dir="2700000" algn="tl" rotWithShape="0">
-                    <a:schemeClr val="dk1">
-                      <a:alpha val="40000"/>
-                    </a:schemeClr>
-                  </a:outerShdw>
-                </a:effectLst>
-              </a:rPr>
-              <a:t>HTTP </a:t>
-            </a:r>
-            <a:r>
-              <a:rPr lang="ru-RU" sz="6000" dirty="0">
-                <a:ln w="0"/>
-                <a:effectLst>
-                  <a:outerShdw blurRad="38100" dist="19050" dir="2700000" algn="tl" rotWithShape="0">
-                    <a:schemeClr val="dk1">
-                      <a:alpha val="40000"/>
-                    </a:schemeClr>
-                  </a:outerShdw>
-                </a:effectLst>
-              </a:rPr>
-              <a:t>запроса</a:t>
-            </a:r>
-            <a:endParaRPr lang="ru-RU" sz="6000" b="1" cap="none" spc="0" dirty="0">
+              <a:t>Работа с изображением</a:t>
+            </a:r>
+            <a:endParaRPr lang="ru-RU" sz="5400" b="1" cap="none" spc="0" dirty="0">
               <a:ln w="22225">
                 <a:solidFill>
                   <a:srgbClr val="E24036"/>
@@ -5135,140 +4918,10 @@
           </a:p>
         </p:txBody>
       </p:sp>
-      <p:pic>
-        <p:nvPicPr>
-          <p:cNvPr id="7" name="Рисунок 6" descr="Изображение выглядит как часы, объект&#10;&#10;Автоматически созданное описание">
-            <a:extLst>
-              <a:ext uri="{FF2B5EF4-FFF2-40B4-BE49-F238E27FC236}">
-                <a16:creationId xmlns:a16="http://schemas.microsoft.com/office/drawing/2014/main" id="{0573D04D-90A6-46FE-9F24-994783F5D5D6}"/>
-              </a:ext>
-            </a:extLst>
-          </p:cNvPr>
-          <p:cNvPicPr>
-            <a:picLocks noChangeAspect="1"/>
-          </p:cNvPicPr>
-          <p:nvPr/>
-        </p:nvPicPr>
-        <p:blipFill>
-          <a:blip r:embed="rId2">
-            <a:extLst>
-              <a:ext uri="{28A0092B-C50C-407E-A947-70E740481C1C}">
-                <a14:useLocalDpi xmlns:a14="http://schemas.microsoft.com/office/drawing/2010/main" val="0"/>
-              </a:ext>
-            </a:extLst>
-          </a:blip>
-          <a:stretch>
-            <a:fillRect/>
-          </a:stretch>
-        </p:blipFill>
-        <p:spPr>
-          <a:xfrm>
-            <a:off x="0" y="1449070"/>
-            <a:ext cx="12192000" cy="4907280"/>
-          </a:xfrm>
-          <a:prstGeom prst="rect">
-            <a:avLst/>
-          </a:prstGeom>
-        </p:spPr>
-      </p:pic>
-      <p:pic>
-        <p:nvPicPr>
-          <p:cNvPr id="9218" name="Picture 2" descr="Вебинар 26 июля 2017 года: Реализация ITSM решений на платформе ...">
-            <a:extLst>
-              <a:ext uri="{FF2B5EF4-FFF2-40B4-BE49-F238E27FC236}">
-                <a16:creationId xmlns:a16="http://schemas.microsoft.com/office/drawing/2014/main" id="{C831EC7D-2462-42B1-AB10-60390D5F4C5E}"/>
-              </a:ext>
-            </a:extLst>
-          </p:cNvPr>
-          <p:cNvPicPr>
-            <a:picLocks noChangeAspect="1" noChangeArrowheads="1"/>
-          </p:cNvPicPr>
-          <p:nvPr/>
-        </p:nvPicPr>
-        <p:blipFill>
-          <a:blip r:embed="rId3">
-            <a:extLst>
-              <a:ext uri="{28A0092B-C50C-407E-A947-70E740481C1C}">
-                <a14:useLocalDpi xmlns:a14="http://schemas.microsoft.com/office/drawing/2010/main" val="0"/>
-              </a:ext>
-            </a:extLst>
-          </a:blip>
-          <a:srcRect/>
-          <a:stretch>
-            <a:fillRect/>
-          </a:stretch>
-        </p:blipFill>
-        <p:spPr bwMode="auto">
-          <a:xfrm>
-            <a:off x="649288" y="2178843"/>
-            <a:ext cx="2500313" cy="2500313"/>
-          </a:xfrm>
-          <a:prstGeom prst="rect">
-            <a:avLst/>
-          </a:prstGeom>
-          <a:noFill/>
-          <a:extLst>
-            <a:ext uri="{909E8E84-426E-40DD-AFC4-6F175D3DCCD1}">
-              <a14:hiddenFill xmlns:a14="http://schemas.microsoft.com/office/drawing/2010/main">
-                <a:solidFill>
-                  <a:srgbClr val="FFFFFF"/>
-                </a:solidFill>
-              </a14:hiddenFill>
-            </a:ext>
-          </a:extLst>
-        </p:spPr>
-      </p:pic>
-      <p:pic>
-        <p:nvPicPr>
-          <p:cNvPr id="9222" name="Picture 6">
-            <a:extLst>
-              <a:ext uri="{FF2B5EF4-FFF2-40B4-BE49-F238E27FC236}">
-                <a16:creationId xmlns:a16="http://schemas.microsoft.com/office/drawing/2014/main" id="{F5FCB600-1B00-441E-BA95-368F898304C8}"/>
-              </a:ext>
-            </a:extLst>
-          </p:cNvPr>
-          <p:cNvPicPr>
-            <a:picLocks noChangeAspect="1" noChangeArrowheads="1"/>
-          </p:cNvPicPr>
-          <p:nvPr/>
-        </p:nvPicPr>
-        <p:blipFill>
-          <a:blip r:embed="rId4">
-            <a:extLst>
-              <a:ext uri="{28A0092B-C50C-407E-A947-70E740481C1C}">
-                <a14:useLocalDpi xmlns:a14="http://schemas.microsoft.com/office/drawing/2010/main" val="0"/>
-              </a:ext>
-            </a:extLst>
-          </a:blip>
-          <a:srcRect/>
-          <a:stretch>
-            <a:fillRect/>
-          </a:stretch>
-        </p:blipFill>
-        <p:spPr bwMode="auto">
-          <a:xfrm>
-            <a:off x="10181460" y="4954361"/>
-            <a:ext cx="1172340" cy="424875"/>
-          </a:xfrm>
-          <a:prstGeom prst="rect">
-            <a:avLst/>
-          </a:prstGeom>
-          <a:noFill/>
-          <a:extLst>
-            <a:ext uri="{909E8E84-426E-40DD-AFC4-6F175D3DCCD1}">
-              <a14:hiddenFill xmlns:a14="http://schemas.microsoft.com/office/drawing/2010/main">
-                <a:solidFill>
-                  <a:srgbClr val="FFFFFF"/>
-                </a:solidFill>
-              </a14:hiddenFill>
-            </a:ext>
-          </a:extLst>
-        </p:spPr>
-      </p:pic>
     </p:spTree>
     <p:extLst>
       <p:ext uri="{BB962C8B-B14F-4D97-AF65-F5344CB8AC3E}">
-        <p14:creationId xmlns:p14="http://schemas.microsoft.com/office/powerpoint/2010/main" val="1178251552"/>
+        <p14:creationId xmlns:p14="http://schemas.microsoft.com/office/powerpoint/2010/main" val="1893978529"/>
       </p:ext>
     </p:extLst>
   </p:cSld>
@@ -5297,10 +4950,10 @@
       </p:grpSpPr>
       <p:sp>
         <p:nvSpPr>
-          <p:cNvPr id="4" name="Номер слайда 3">
-            <a:extLst>
-              <a:ext uri="{FF2B5EF4-FFF2-40B4-BE49-F238E27FC236}">
-                <a16:creationId xmlns:a16="http://schemas.microsoft.com/office/drawing/2014/main" id="{A0C2CE10-FA0E-4CD6-9ED9-0836FBF1D87A}"/>
+          <p:cNvPr id="2" name="Номер слайда 1">
+            <a:extLst>
+              <a:ext uri="{FF2B5EF4-FFF2-40B4-BE49-F238E27FC236}">
+                <a16:creationId xmlns:a16="http://schemas.microsoft.com/office/drawing/2014/main" id="{7A1AE8D1-CAB5-4212-9926-95D3F47AAA26}"/>
               </a:ext>
             </a:extLst>
           </p:cNvPr>
@@ -5334,7 +4987,7 @@
               <a:defRPr/>
             </a:pPr>
             <a:fld id="{079AA04F-7A8B-46BC-B900-7D092EA1812F}" type="slidenum">
-              <a:rPr lang="ru-RU" sz="1800" b="1" smtClean="0">
+              <a:rPr lang="ru-RU" sz="1800" b="1">
                 <a:solidFill>
                   <a:prstClr val="black">
                     <a:tint val="75000"/>
@@ -5374,12 +5027,48 @@
           </a:p>
         </p:txBody>
       </p:sp>
-      <p:sp>
-        <p:nvSpPr>
-          <p:cNvPr id="7" name="Прямоугольник 6">
-            <a:extLst>
-              <a:ext uri="{FF2B5EF4-FFF2-40B4-BE49-F238E27FC236}">
-                <a16:creationId xmlns:a16="http://schemas.microsoft.com/office/drawing/2014/main" id="{C1C4DD7F-B4FD-4B9E-9222-71E345D35122}"/>
+      <p:pic>
+        <p:nvPicPr>
+          <p:cNvPr id="4" name="Рисунок 3" descr="Изображение выглядит как часы&#10;&#10;Автоматически созданное описание">
+            <a:extLst>
+              <a:ext uri="{FF2B5EF4-FFF2-40B4-BE49-F238E27FC236}">
+                <a16:creationId xmlns:a16="http://schemas.microsoft.com/office/drawing/2014/main" id="{A9AB3637-D66E-4227-AEC1-BD5992CED9AE}"/>
+              </a:ext>
+            </a:extLst>
+          </p:cNvPr>
+          <p:cNvPicPr>
+            <a:picLocks noChangeAspect="1"/>
+          </p:cNvPicPr>
+          <p:nvPr/>
+        </p:nvPicPr>
+        <p:blipFill>
+          <a:blip r:embed="rId2">
+            <a:extLst>
+              <a:ext uri="{28A0092B-C50C-407E-A947-70E740481C1C}">
+                <a14:useLocalDpi xmlns:a14="http://schemas.microsoft.com/office/drawing/2010/main" val="0"/>
+              </a:ext>
+            </a:extLst>
+          </a:blip>
+          <a:stretch>
+            <a:fillRect/>
+          </a:stretch>
+        </p:blipFill>
+        <p:spPr>
+          <a:xfrm>
+            <a:off x="204787" y="2131957"/>
+            <a:ext cx="11782425" cy="3722451"/>
+          </a:xfrm>
+          <a:prstGeom prst="rect">
+            <a:avLst/>
+          </a:prstGeom>
+        </p:spPr>
+      </p:pic>
+      <p:sp>
+        <p:nvSpPr>
+          <p:cNvPr id="5" name="Прямоугольник 4">
+            <a:extLst>
+              <a:ext uri="{FF2B5EF4-FFF2-40B4-BE49-F238E27FC236}">
+                <a16:creationId xmlns:a16="http://schemas.microsoft.com/office/drawing/2014/main" id="{45908F9D-35F7-49BA-821C-19D0F8279827}"/>
               </a:ext>
             </a:extLst>
           </p:cNvPr>
@@ -5388,8 +5077,8 @@
         </p:nvSpPr>
         <p:spPr>
           <a:xfrm>
-            <a:off x="-249496" y="0"/>
-            <a:ext cx="11604844" cy="1015663"/>
+            <a:off x="-1" y="0"/>
+            <a:ext cx="11887201" cy="923330"/>
           </a:xfrm>
           <a:prstGeom prst="rect">
             <a:avLst/>
@@ -5400,14 +5089,13 @@
           </a:ln>
         </p:spPr>
         <p:txBody>
-          <a:bodyPr wrap="none" lIns="91440" tIns="45720" rIns="91440" bIns="45720">
+          <a:bodyPr wrap="square" lIns="91440" tIns="45720" rIns="91440" bIns="45720">
             <a:spAutoFit/>
           </a:bodyPr>
           <a:lstStyle/>
           <a:p>
-            <a:pPr algn="ctr"/>
-            <a:r>
-              <a:rPr lang="ru-RU" sz="6000" dirty="0">
+            <a:r>
+              <a:rPr lang="ru-RU" sz="5400" dirty="0">
                 <a:ln w="0"/>
                 <a:effectLst>
                   <a:outerShdw blurRad="38100" dist="19050" dir="2700000" algn="tl" rotWithShape="0">
@@ -5417,581 +5105,27 @@
                   </a:outerShdw>
                 </a:effectLst>
               </a:rPr>
-              <a:t> Дополнительная обработка текста</a:t>
-            </a:r>
-          </a:p>
-        </p:txBody>
-      </p:sp>
-      <p:pic>
-        <p:nvPicPr>
-          <p:cNvPr id="9" name="Рисунок 8" descr="Изображение выглядит как снимок экрана&#10;&#10;Автоматически созданное описание">
-            <a:extLst>
-              <a:ext uri="{FF2B5EF4-FFF2-40B4-BE49-F238E27FC236}">
-                <a16:creationId xmlns:a16="http://schemas.microsoft.com/office/drawing/2014/main" id="{750B9573-9579-4209-BBA9-247A5889AB0C}"/>
-              </a:ext>
-            </a:extLst>
-          </p:cNvPr>
-          <p:cNvPicPr>
-            <a:picLocks noChangeAspect="1"/>
-          </p:cNvPicPr>
-          <p:nvPr/>
-        </p:nvPicPr>
-        <p:blipFill>
-          <a:blip r:embed="rId2">
-            <a:extLst>
-              <a:ext uri="{28A0092B-C50C-407E-A947-70E740481C1C}">
-                <a14:useLocalDpi xmlns:a14="http://schemas.microsoft.com/office/drawing/2010/main" val="0"/>
-              </a:ext>
-            </a:extLst>
-          </a:blip>
-          <a:stretch>
-            <a:fillRect/>
-          </a:stretch>
-        </p:blipFill>
-        <p:spPr>
-          <a:xfrm>
-            <a:off x="318022" y="1098858"/>
-            <a:ext cx="7219950" cy="3724275"/>
-          </a:xfrm>
-          <a:prstGeom prst="rect">
-            <a:avLst/>
-          </a:prstGeom>
-        </p:spPr>
-      </p:pic>
-      <p:cxnSp>
-        <p:nvCxnSpPr>
-          <p:cNvPr id="11" name="Прямая со стрелкой 10">
-            <a:extLst>
-              <a:ext uri="{FF2B5EF4-FFF2-40B4-BE49-F238E27FC236}">
-                <a16:creationId xmlns:a16="http://schemas.microsoft.com/office/drawing/2014/main" id="{ADDFE588-0615-4F72-B75E-482C30E1AE23}"/>
-              </a:ext>
-            </a:extLst>
-          </p:cNvPr>
-          <p:cNvCxnSpPr/>
-          <p:nvPr/>
-        </p:nvCxnSpPr>
-        <p:spPr>
-          <a:xfrm>
-            <a:off x="5224220" y="2349087"/>
-            <a:ext cx="3703782" cy="0"/>
-          </a:xfrm>
-          <a:prstGeom prst="straightConnector1">
-            <a:avLst/>
-          </a:prstGeom>
-          <a:ln>
-            <a:tailEnd type="triangle"/>
-          </a:ln>
-        </p:spPr>
-        <p:style>
-          <a:lnRef idx="3">
-            <a:schemeClr val="dk1"/>
-          </a:lnRef>
-          <a:fillRef idx="0">
-            <a:schemeClr val="dk1"/>
-          </a:fillRef>
-          <a:effectRef idx="2">
-            <a:schemeClr val="dk1"/>
-          </a:effectRef>
-          <a:fontRef idx="minor">
-            <a:schemeClr val="tx1"/>
-          </a:fontRef>
-        </p:style>
-      </p:cxnSp>
-      <p:cxnSp>
-        <p:nvCxnSpPr>
-          <p:cNvPr id="12" name="Прямая со стрелкой 11">
-            <a:extLst>
-              <a:ext uri="{FF2B5EF4-FFF2-40B4-BE49-F238E27FC236}">
-                <a16:creationId xmlns:a16="http://schemas.microsoft.com/office/drawing/2014/main" id="{717A7873-4E1A-4F0A-8E7E-102776D0B257}"/>
-              </a:ext>
-            </a:extLst>
-          </p:cNvPr>
-          <p:cNvCxnSpPr/>
-          <p:nvPr/>
-        </p:nvCxnSpPr>
-        <p:spPr>
-          <a:xfrm>
-            <a:off x="4012946" y="3021285"/>
-            <a:ext cx="3703782" cy="0"/>
-          </a:xfrm>
-          <a:prstGeom prst="straightConnector1">
-            <a:avLst/>
-          </a:prstGeom>
-          <a:ln>
-            <a:tailEnd type="triangle"/>
-          </a:ln>
-        </p:spPr>
-        <p:style>
-          <a:lnRef idx="3">
-            <a:schemeClr val="dk1"/>
-          </a:lnRef>
-          <a:fillRef idx="0">
-            <a:schemeClr val="dk1"/>
-          </a:fillRef>
-          <a:effectRef idx="2">
-            <a:schemeClr val="dk1"/>
-          </a:effectRef>
-          <a:fontRef idx="minor">
-            <a:schemeClr val="tx1"/>
-          </a:fontRef>
-        </p:style>
-      </p:cxnSp>
-      <p:cxnSp>
-        <p:nvCxnSpPr>
-          <p:cNvPr id="13" name="Прямая со стрелкой 12">
-            <a:extLst>
-              <a:ext uri="{FF2B5EF4-FFF2-40B4-BE49-F238E27FC236}">
-                <a16:creationId xmlns:a16="http://schemas.microsoft.com/office/drawing/2014/main" id="{D3EFA744-1730-47B0-9583-050F07CCEC0B}"/>
-              </a:ext>
-            </a:extLst>
-          </p:cNvPr>
-          <p:cNvCxnSpPr/>
-          <p:nvPr/>
-        </p:nvCxnSpPr>
-        <p:spPr>
-          <a:xfrm>
-            <a:off x="4012946" y="3917828"/>
-            <a:ext cx="3703782" cy="0"/>
-          </a:xfrm>
-          <a:prstGeom prst="straightConnector1">
-            <a:avLst/>
-          </a:prstGeom>
-          <a:ln>
-            <a:tailEnd type="triangle"/>
-          </a:ln>
-        </p:spPr>
-        <p:style>
-          <a:lnRef idx="3">
-            <a:schemeClr val="dk1"/>
-          </a:lnRef>
-          <a:fillRef idx="0">
-            <a:schemeClr val="dk1"/>
-          </a:fillRef>
-          <a:effectRef idx="2">
-            <a:schemeClr val="dk1"/>
-          </a:effectRef>
-          <a:fontRef idx="minor">
-            <a:schemeClr val="tx1"/>
-          </a:fontRef>
-        </p:style>
-      </p:cxnSp>
-      <p:cxnSp>
-        <p:nvCxnSpPr>
-          <p:cNvPr id="15" name="Прямая со стрелкой 14">
-            <a:extLst>
-              <a:ext uri="{FF2B5EF4-FFF2-40B4-BE49-F238E27FC236}">
-                <a16:creationId xmlns:a16="http://schemas.microsoft.com/office/drawing/2014/main" id="{A8E403FD-51D1-4E05-B66F-7D32242B07DE}"/>
-              </a:ext>
-            </a:extLst>
-          </p:cNvPr>
-          <p:cNvCxnSpPr>
-            <a:cxnSpLocks/>
-          </p:cNvCxnSpPr>
-          <p:nvPr/>
-        </p:nvCxnSpPr>
-        <p:spPr>
-          <a:xfrm flipH="1">
-            <a:off x="4302748" y="4223164"/>
-            <a:ext cx="1187254" cy="796494"/>
-          </a:xfrm>
-          <a:prstGeom prst="straightConnector1">
-            <a:avLst/>
-          </a:prstGeom>
-          <a:ln>
-            <a:tailEnd type="triangle"/>
-          </a:ln>
-        </p:spPr>
-        <p:style>
-          <a:lnRef idx="3">
-            <a:schemeClr val="dk1"/>
-          </a:lnRef>
-          <a:fillRef idx="0">
-            <a:schemeClr val="dk1"/>
-          </a:fillRef>
-          <a:effectRef idx="2">
-            <a:schemeClr val="dk1"/>
-          </a:effectRef>
-          <a:fontRef idx="minor">
-            <a:schemeClr val="tx1"/>
-          </a:fontRef>
-        </p:style>
-      </p:cxnSp>
-      <p:cxnSp>
-        <p:nvCxnSpPr>
-          <p:cNvPr id="16" name="Прямая со стрелкой 15">
-            <a:extLst>
-              <a:ext uri="{FF2B5EF4-FFF2-40B4-BE49-F238E27FC236}">
-                <a16:creationId xmlns:a16="http://schemas.microsoft.com/office/drawing/2014/main" id="{60CB8176-7C4F-4D30-A3D3-C689A82C13F7}"/>
-              </a:ext>
-            </a:extLst>
-          </p:cNvPr>
-          <p:cNvCxnSpPr/>
-          <p:nvPr/>
-        </p:nvCxnSpPr>
-        <p:spPr>
-          <a:xfrm>
-            <a:off x="4012946" y="3460629"/>
-            <a:ext cx="3703782" cy="0"/>
-          </a:xfrm>
-          <a:prstGeom prst="straightConnector1">
-            <a:avLst/>
-          </a:prstGeom>
-          <a:ln>
-            <a:tailEnd type="triangle"/>
-          </a:ln>
-        </p:spPr>
-        <p:style>
-          <a:lnRef idx="3">
-            <a:schemeClr val="dk1"/>
-          </a:lnRef>
-          <a:fillRef idx="0">
-            <a:schemeClr val="dk1"/>
-          </a:fillRef>
-          <a:effectRef idx="2">
-            <a:schemeClr val="dk1"/>
-          </a:effectRef>
-          <a:fontRef idx="minor">
-            <a:schemeClr val="tx1"/>
-          </a:fontRef>
-        </p:style>
-      </p:cxnSp>
-      <p:cxnSp>
-        <p:nvCxnSpPr>
-          <p:cNvPr id="18" name="Прямая со стрелкой 17">
-            <a:extLst>
-              <a:ext uri="{FF2B5EF4-FFF2-40B4-BE49-F238E27FC236}">
-                <a16:creationId xmlns:a16="http://schemas.microsoft.com/office/drawing/2014/main" id="{21876EAF-17BB-4A7E-84DF-E18445665532}"/>
-              </a:ext>
-            </a:extLst>
-          </p:cNvPr>
-          <p:cNvCxnSpPr>
-            <a:cxnSpLocks/>
-          </p:cNvCxnSpPr>
-          <p:nvPr/>
-        </p:nvCxnSpPr>
-        <p:spPr>
-          <a:xfrm>
-            <a:off x="6347881" y="4375188"/>
-            <a:ext cx="0" cy="1288939"/>
-          </a:xfrm>
-          <a:prstGeom prst="straightConnector1">
-            <a:avLst/>
-          </a:prstGeom>
-          <a:ln>
-            <a:tailEnd type="triangle"/>
-          </a:ln>
-        </p:spPr>
-        <p:style>
-          <a:lnRef idx="3">
-            <a:schemeClr val="dk1"/>
-          </a:lnRef>
-          <a:fillRef idx="0">
-            <a:schemeClr val="dk1"/>
-          </a:fillRef>
-          <a:effectRef idx="2">
-            <a:schemeClr val="dk1"/>
-          </a:effectRef>
-          <a:fontRef idx="minor">
-            <a:schemeClr val="tx1"/>
-          </a:fontRef>
-        </p:style>
-      </p:cxnSp>
-      <p:cxnSp>
-        <p:nvCxnSpPr>
-          <p:cNvPr id="22" name="Прямая со стрелкой 21">
-            <a:extLst>
-              <a:ext uri="{FF2B5EF4-FFF2-40B4-BE49-F238E27FC236}">
-                <a16:creationId xmlns:a16="http://schemas.microsoft.com/office/drawing/2014/main" id="{640080BF-B265-4806-A561-BFB9BC7F6210}"/>
-              </a:ext>
-            </a:extLst>
-          </p:cNvPr>
-          <p:cNvCxnSpPr>
-            <a:cxnSpLocks/>
-          </p:cNvCxnSpPr>
-          <p:nvPr/>
-        </p:nvCxnSpPr>
-        <p:spPr>
-          <a:xfrm>
-            <a:off x="7123101" y="4223164"/>
-            <a:ext cx="1187254" cy="796494"/>
-          </a:xfrm>
-          <a:prstGeom prst="straightConnector1">
-            <a:avLst/>
-          </a:prstGeom>
-          <a:ln>
-            <a:tailEnd type="triangle"/>
-          </a:ln>
-        </p:spPr>
-        <p:style>
-          <a:lnRef idx="3">
-            <a:schemeClr val="dk1"/>
-          </a:lnRef>
-          <a:fillRef idx="0">
-            <a:schemeClr val="dk1"/>
-          </a:fillRef>
-          <a:effectRef idx="2">
-            <a:schemeClr val="dk1"/>
-          </a:effectRef>
-          <a:fontRef idx="minor">
-            <a:schemeClr val="tx1"/>
-          </a:fontRef>
-        </p:style>
-      </p:cxnSp>
-      <p:sp>
-        <p:nvSpPr>
-          <p:cNvPr id="14" name="TextBox 13">
-            <a:extLst>
-              <a:ext uri="{FF2B5EF4-FFF2-40B4-BE49-F238E27FC236}">
-                <a16:creationId xmlns:a16="http://schemas.microsoft.com/office/drawing/2014/main" id="{F9F54BD1-6AEA-43CC-91CD-F1311F044581}"/>
-              </a:ext>
-            </a:extLst>
-          </p:cNvPr>
-          <p:cNvSpPr txBox="1"/>
-          <p:nvPr/>
-        </p:nvSpPr>
-        <p:spPr>
-          <a:xfrm>
-            <a:off x="8928002" y="2164421"/>
-            <a:ext cx="4981303" cy="369332"/>
-          </a:xfrm>
-          <a:prstGeom prst="rect">
-            <a:avLst/>
-          </a:prstGeom>
-          <a:noFill/>
-        </p:spPr>
-        <p:txBody>
-          <a:bodyPr wrap="square" rtlCol="0">
-            <a:spAutoFit/>
-          </a:bodyPr>
-          <a:lstStyle/>
-          <a:p>
-            <a:r>
-              <a:rPr lang="ru-RU" dirty="0"/>
-              <a:t>Содержимое чека</a:t>
-            </a:r>
-          </a:p>
-        </p:txBody>
-      </p:sp>
-      <p:sp>
-        <p:nvSpPr>
-          <p:cNvPr id="17" name="TextBox 16">
-            <a:extLst>
-              <a:ext uri="{FF2B5EF4-FFF2-40B4-BE49-F238E27FC236}">
-                <a16:creationId xmlns:a16="http://schemas.microsoft.com/office/drawing/2014/main" id="{EE5EF796-8FBE-4877-BBC4-659013D07A1A}"/>
-              </a:ext>
-            </a:extLst>
-          </p:cNvPr>
-          <p:cNvSpPr txBox="1"/>
-          <p:nvPr/>
-        </p:nvSpPr>
-        <p:spPr>
-          <a:xfrm>
-            <a:off x="7716728" y="2827858"/>
-            <a:ext cx="4981303" cy="369332"/>
-          </a:xfrm>
-          <a:prstGeom prst="rect">
-            <a:avLst/>
-          </a:prstGeom>
-          <a:noFill/>
-        </p:spPr>
-        <p:txBody>
-          <a:bodyPr wrap="square" rtlCol="0">
-            <a:spAutoFit/>
-          </a:bodyPr>
-          <a:lstStyle/>
-          <a:p>
-            <a:r>
-              <a:rPr lang="ru-RU" dirty="0"/>
-              <a:t>Поле итоговой стоимости</a:t>
-            </a:r>
-          </a:p>
-        </p:txBody>
-      </p:sp>
-      <p:sp>
-        <p:nvSpPr>
-          <p:cNvPr id="19" name="TextBox 18">
-            <a:extLst>
-              <a:ext uri="{FF2B5EF4-FFF2-40B4-BE49-F238E27FC236}">
-                <a16:creationId xmlns:a16="http://schemas.microsoft.com/office/drawing/2014/main" id="{51904566-BC4E-4793-9122-FD6483EC7829}"/>
-              </a:ext>
-            </a:extLst>
-          </p:cNvPr>
-          <p:cNvSpPr txBox="1"/>
-          <p:nvPr/>
-        </p:nvSpPr>
-        <p:spPr>
-          <a:xfrm>
-            <a:off x="7716728" y="3241203"/>
-            <a:ext cx="4981303" cy="369332"/>
-          </a:xfrm>
-          <a:prstGeom prst="rect">
-            <a:avLst/>
-          </a:prstGeom>
-          <a:noFill/>
-        </p:spPr>
-        <p:txBody>
-          <a:bodyPr wrap="square" rtlCol="0">
-            <a:spAutoFit/>
-          </a:bodyPr>
-          <a:lstStyle/>
-          <a:p>
-            <a:r>
-              <a:rPr lang="ru-RU" dirty="0"/>
-              <a:t>Дата</a:t>
-            </a:r>
-          </a:p>
-        </p:txBody>
-      </p:sp>
-      <p:sp>
-        <p:nvSpPr>
-          <p:cNvPr id="20" name="TextBox 19">
-            <a:extLst>
-              <a:ext uri="{FF2B5EF4-FFF2-40B4-BE49-F238E27FC236}">
-                <a16:creationId xmlns:a16="http://schemas.microsoft.com/office/drawing/2014/main" id="{22953E77-5553-4511-BC18-83935AFE4246}"/>
-              </a:ext>
-            </a:extLst>
-          </p:cNvPr>
-          <p:cNvSpPr txBox="1"/>
-          <p:nvPr/>
-        </p:nvSpPr>
-        <p:spPr>
-          <a:xfrm>
-            <a:off x="7716728" y="3680546"/>
-            <a:ext cx="4981303" cy="369332"/>
-          </a:xfrm>
-          <a:prstGeom prst="rect">
-            <a:avLst/>
-          </a:prstGeom>
-          <a:noFill/>
-        </p:spPr>
-        <p:txBody>
-          <a:bodyPr wrap="square" rtlCol="0">
-            <a:spAutoFit/>
-          </a:bodyPr>
-          <a:lstStyle/>
-          <a:p>
-            <a:r>
-              <a:rPr lang="ru-RU" dirty="0"/>
-              <a:t>Поставщик услуг</a:t>
-            </a:r>
-          </a:p>
-        </p:txBody>
-      </p:sp>
-      <p:sp>
-        <p:nvSpPr>
-          <p:cNvPr id="21" name="TextBox 20">
-            <a:extLst>
-              <a:ext uri="{FF2B5EF4-FFF2-40B4-BE49-F238E27FC236}">
-                <a16:creationId xmlns:a16="http://schemas.microsoft.com/office/drawing/2014/main" id="{44EDE92B-0FAE-42FE-BECC-8BC4E1683C53}"/>
-              </a:ext>
-            </a:extLst>
-          </p:cNvPr>
-          <p:cNvSpPr txBox="1"/>
-          <p:nvPr/>
-        </p:nvSpPr>
-        <p:spPr>
-          <a:xfrm>
-            <a:off x="8310355" y="4823133"/>
-            <a:ext cx="4981303" cy="369332"/>
-          </a:xfrm>
-          <a:prstGeom prst="rect">
-            <a:avLst/>
-          </a:prstGeom>
-          <a:noFill/>
-        </p:spPr>
-        <p:txBody>
-          <a:bodyPr wrap="square" rtlCol="0">
-            <a:spAutoFit/>
-          </a:bodyPr>
-          <a:lstStyle/>
-          <a:p>
-            <a:r>
-              <a:rPr lang="ru-RU" dirty="0"/>
-              <a:t>Обработка текста</a:t>
-            </a:r>
-          </a:p>
-        </p:txBody>
-      </p:sp>
-      <p:sp>
-        <p:nvSpPr>
-          <p:cNvPr id="23" name="TextBox 22">
-            <a:extLst>
-              <a:ext uri="{FF2B5EF4-FFF2-40B4-BE49-F238E27FC236}">
-                <a16:creationId xmlns:a16="http://schemas.microsoft.com/office/drawing/2014/main" id="{C0577D4E-2E4F-4947-8875-2356905B314E}"/>
-              </a:ext>
-            </a:extLst>
-          </p:cNvPr>
-          <p:cNvSpPr txBox="1"/>
-          <p:nvPr/>
-        </p:nvSpPr>
-        <p:spPr>
-          <a:xfrm>
-            <a:off x="3405053" y="4823133"/>
-            <a:ext cx="4132919" cy="369332"/>
-          </a:xfrm>
-          <a:prstGeom prst="rect">
-            <a:avLst/>
-          </a:prstGeom>
-          <a:noFill/>
-        </p:spPr>
-        <p:txBody>
-          <a:bodyPr wrap="square" rtlCol="0">
-            <a:spAutoFit/>
-          </a:bodyPr>
-          <a:lstStyle/>
-          <a:p>
-            <a:r>
-              <a:rPr lang="ru-RU" dirty="0"/>
-              <a:t>Отмена</a:t>
-            </a:r>
-          </a:p>
-        </p:txBody>
-      </p:sp>
-      <p:sp>
-        <p:nvSpPr>
-          <p:cNvPr id="24" name="TextBox 23">
-            <a:extLst>
-              <a:ext uri="{FF2B5EF4-FFF2-40B4-BE49-F238E27FC236}">
-                <a16:creationId xmlns:a16="http://schemas.microsoft.com/office/drawing/2014/main" id="{4DF1C1EA-13F3-47CE-9126-C1D01B072EA6}"/>
-              </a:ext>
-            </a:extLst>
-          </p:cNvPr>
-          <p:cNvSpPr txBox="1"/>
-          <p:nvPr/>
-        </p:nvSpPr>
-        <p:spPr>
-          <a:xfrm>
-            <a:off x="5397338" y="5619627"/>
-            <a:ext cx="4981303" cy="646331"/>
-          </a:xfrm>
-          <a:prstGeom prst="rect">
-            <a:avLst/>
-          </a:prstGeom>
-          <a:noFill/>
-        </p:spPr>
-        <p:txBody>
-          <a:bodyPr wrap="square" rtlCol="0">
-            <a:spAutoFit/>
-          </a:bodyPr>
-          <a:lstStyle/>
-          <a:p>
-            <a:r>
-              <a:rPr lang="ru-RU" dirty="0"/>
-              <a:t>Создание записи и </a:t>
-            </a:r>
-          </a:p>
-          <a:p>
-            <a:r>
-              <a:rPr lang="ru-RU" dirty="0"/>
-              <a:t>сохранение данных</a:t>
-            </a:r>
+              <a:t>Получение текста с изображения чека</a:t>
+            </a:r>
+            <a:endParaRPr lang="ru-RU" sz="5400" b="1" cap="none" spc="0" dirty="0">
+              <a:ln w="22225">
+                <a:solidFill>
+                  <a:srgbClr val="E24036"/>
+                </a:solidFill>
+                <a:prstDash val="solid"/>
+              </a:ln>
+              <a:solidFill>
+                <a:srgbClr val="FBE7E4"/>
+              </a:solidFill>
+              <a:effectLst/>
+            </a:endParaRPr>
           </a:p>
         </p:txBody>
       </p:sp>
     </p:spTree>
     <p:extLst>
       <p:ext uri="{BB962C8B-B14F-4D97-AF65-F5344CB8AC3E}">
-        <p14:creationId xmlns:p14="http://schemas.microsoft.com/office/powerpoint/2010/main" val="3163316191"/>
+        <p14:creationId xmlns:p14="http://schemas.microsoft.com/office/powerpoint/2010/main" val="3223907684"/>
       </p:ext>
     </p:extLst>
   </p:cSld>
@@ -6018,48 +5152,12 @@
           <a:chExt cx="0" cy="0"/>
         </a:xfrm>
       </p:grpSpPr>
-      <p:pic>
-        <p:nvPicPr>
-          <p:cNvPr id="9" name="Рисунок 8" descr="Изображение выглядит как текст, карта&#10;&#10;Автоматически созданное описание">
-            <a:extLst>
-              <a:ext uri="{FF2B5EF4-FFF2-40B4-BE49-F238E27FC236}">
-                <a16:creationId xmlns:a16="http://schemas.microsoft.com/office/drawing/2014/main" id="{7C0B62BA-9F23-4920-B0F3-B1982593E5D6}"/>
-              </a:ext>
-            </a:extLst>
-          </p:cNvPr>
-          <p:cNvPicPr>
-            <a:picLocks noChangeAspect="1"/>
-          </p:cNvPicPr>
-          <p:nvPr/>
-        </p:nvPicPr>
-        <p:blipFill>
-          <a:blip r:embed="rId2">
-            <a:extLst>
-              <a:ext uri="{28A0092B-C50C-407E-A947-70E740481C1C}">
-                <a14:useLocalDpi xmlns:a14="http://schemas.microsoft.com/office/drawing/2010/main" val="0"/>
-              </a:ext>
-            </a:extLst>
-          </a:blip>
-          <a:stretch>
-            <a:fillRect/>
-          </a:stretch>
-        </p:blipFill>
-        <p:spPr>
-          <a:xfrm>
-            <a:off x="601085" y="689481"/>
-            <a:ext cx="10989830" cy="5955288"/>
-          </a:xfrm>
-          <a:prstGeom prst="rect">
-            <a:avLst/>
-          </a:prstGeom>
-        </p:spPr>
-      </p:pic>
       <p:sp>
         <p:nvSpPr>
           <p:cNvPr id="4" name="Номер слайда 3">
             <a:extLst>
               <a:ext uri="{FF2B5EF4-FFF2-40B4-BE49-F238E27FC236}">
-                <a16:creationId xmlns:a16="http://schemas.microsoft.com/office/drawing/2014/main" id="{52BBE4C0-BB14-48BF-BF33-A6017355E600}"/>
+                <a16:creationId xmlns:a16="http://schemas.microsoft.com/office/drawing/2014/main" id="{A0C2CE10-FA0E-4CD6-9ED9-0836FBF1D87A}"/>
               </a:ext>
             </a:extLst>
           </p:cNvPr>
@@ -6138,7 +5236,7 @@
           <p:cNvPr id="7" name="Прямоугольник 6">
             <a:extLst>
               <a:ext uri="{FF2B5EF4-FFF2-40B4-BE49-F238E27FC236}">
-                <a16:creationId xmlns:a16="http://schemas.microsoft.com/office/drawing/2014/main" id="{F8F488BF-5222-4BC3-8132-B6F86BB20B38}"/>
+                <a16:creationId xmlns:a16="http://schemas.microsoft.com/office/drawing/2014/main" id="{C1C4DD7F-B4FD-4B9E-9222-71E345D35122}"/>
               </a:ext>
             </a:extLst>
           </p:cNvPr>
@@ -6147,8 +5245,8 @@
         </p:nvSpPr>
         <p:spPr>
           <a:xfrm>
-            <a:off x="120072" y="-113843"/>
-            <a:ext cx="6756978" cy="1015663"/>
+            <a:off x="-249496" y="0"/>
+            <a:ext cx="11604844" cy="1015663"/>
           </a:xfrm>
           <a:prstGeom prst="rect">
             <a:avLst/>
@@ -6176,38 +5274,581 @@
                   </a:outerShdw>
                 </a:effectLst>
               </a:rPr>
-              <a:t>Работа с </a:t>
-            </a:r>
-            <a:r>
-              <a:rPr lang="en-US" sz="6000" dirty="0">
-                <a:ln w="0"/>
-                <a:effectLst>
-                  <a:outerShdw blurRad="38100" dist="19050" dir="2700000" algn="tl" rotWithShape="0">
-                    <a:schemeClr val="dk1">
-                      <a:alpha val="40000"/>
-                    </a:schemeClr>
-                  </a:outerShdw>
-                </a:effectLst>
-              </a:rPr>
-              <a:t>Tesseract JS</a:t>
-            </a:r>
-            <a:endParaRPr lang="ru-RU" sz="6000" dirty="0">
-              <a:ln w="0"/>
-              <a:effectLst>
-                <a:outerShdw blurRad="38100" dist="19050" dir="2700000" algn="tl" rotWithShape="0">
-                  <a:schemeClr val="dk1">
-                    <a:alpha val="40000"/>
-                  </a:schemeClr>
-                </a:outerShdw>
-              </a:effectLst>
-            </a:endParaRPr>
+              <a:t> Дополнительная обработка текста</a:t>
+            </a:r>
+          </a:p>
+        </p:txBody>
+      </p:sp>
+      <p:pic>
+        <p:nvPicPr>
+          <p:cNvPr id="9" name="Рисунок 8" descr="Изображение выглядит как снимок экрана&#10;&#10;Автоматически созданное описание">
+            <a:extLst>
+              <a:ext uri="{FF2B5EF4-FFF2-40B4-BE49-F238E27FC236}">
+                <a16:creationId xmlns:a16="http://schemas.microsoft.com/office/drawing/2014/main" id="{750B9573-9579-4209-BBA9-247A5889AB0C}"/>
+              </a:ext>
+            </a:extLst>
+          </p:cNvPr>
+          <p:cNvPicPr>
+            <a:picLocks noChangeAspect="1"/>
+          </p:cNvPicPr>
+          <p:nvPr/>
+        </p:nvPicPr>
+        <p:blipFill>
+          <a:blip r:embed="rId2">
+            <a:extLst>
+              <a:ext uri="{28A0092B-C50C-407E-A947-70E740481C1C}">
+                <a14:useLocalDpi xmlns:a14="http://schemas.microsoft.com/office/drawing/2010/main" val="0"/>
+              </a:ext>
+            </a:extLst>
+          </a:blip>
+          <a:stretch>
+            <a:fillRect/>
+          </a:stretch>
+        </p:blipFill>
+        <p:spPr>
+          <a:xfrm>
+            <a:off x="318022" y="1098858"/>
+            <a:ext cx="7219950" cy="3724275"/>
+          </a:xfrm>
+          <a:prstGeom prst="rect">
+            <a:avLst/>
+          </a:prstGeom>
+        </p:spPr>
+      </p:pic>
+      <p:cxnSp>
+        <p:nvCxnSpPr>
+          <p:cNvPr id="11" name="Прямая со стрелкой 10">
+            <a:extLst>
+              <a:ext uri="{FF2B5EF4-FFF2-40B4-BE49-F238E27FC236}">
+                <a16:creationId xmlns:a16="http://schemas.microsoft.com/office/drawing/2014/main" id="{ADDFE588-0615-4F72-B75E-482C30E1AE23}"/>
+              </a:ext>
+            </a:extLst>
+          </p:cNvPr>
+          <p:cNvCxnSpPr/>
+          <p:nvPr/>
+        </p:nvCxnSpPr>
+        <p:spPr>
+          <a:xfrm>
+            <a:off x="5224220" y="2349087"/>
+            <a:ext cx="3703782" cy="0"/>
+          </a:xfrm>
+          <a:prstGeom prst="straightConnector1">
+            <a:avLst/>
+          </a:prstGeom>
+          <a:ln>
+            <a:tailEnd type="triangle"/>
+          </a:ln>
+        </p:spPr>
+        <p:style>
+          <a:lnRef idx="3">
+            <a:schemeClr val="dk1"/>
+          </a:lnRef>
+          <a:fillRef idx="0">
+            <a:schemeClr val="dk1"/>
+          </a:fillRef>
+          <a:effectRef idx="2">
+            <a:schemeClr val="dk1"/>
+          </a:effectRef>
+          <a:fontRef idx="minor">
+            <a:schemeClr val="tx1"/>
+          </a:fontRef>
+        </p:style>
+      </p:cxnSp>
+      <p:cxnSp>
+        <p:nvCxnSpPr>
+          <p:cNvPr id="12" name="Прямая со стрелкой 11">
+            <a:extLst>
+              <a:ext uri="{FF2B5EF4-FFF2-40B4-BE49-F238E27FC236}">
+                <a16:creationId xmlns:a16="http://schemas.microsoft.com/office/drawing/2014/main" id="{717A7873-4E1A-4F0A-8E7E-102776D0B257}"/>
+              </a:ext>
+            </a:extLst>
+          </p:cNvPr>
+          <p:cNvCxnSpPr/>
+          <p:nvPr/>
+        </p:nvCxnSpPr>
+        <p:spPr>
+          <a:xfrm>
+            <a:off x="4012946" y="3021285"/>
+            <a:ext cx="3703782" cy="0"/>
+          </a:xfrm>
+          <a:prstGeom prst="straightConnector1">
+            <a:avLst/>
+          </a:prstGeom>
+          <a:ln>
+            <a:tailEnd type="triangle"/>
+          </a:ln>
+        </p:spPr>
+        <p:style>
+          <a:lnRef idx="3">
+            <a:schemeClr val="dk1"/>
+          </a:lnRef>
+          <a:fillRef idx="0">
+            <a:schemeClr val="dk1"/>
+          </a:fillRef>
+          <a:effectRef idx="2">
+            <a:schemeClr val="dk1"/>
+          </a:effectRef>
+          <a:fontRef idx="minor">
+            <a:schemeClr val="tx1"/>
+          </a:fontRef>
+        </p:style>
+      </p:cxnSp>
+      <p:cxnSp>
+        <p:nvCxnSpPr>
+          <p:cNvPr id="13" name="Прямая со стрелкой 12">
+            <a:extLst>
+              <a:ext uri="{FF2B5EF4-FFF2-40B4-BE49-F238E27FC236}">
+                <a16:creationId xmlns:a16="http://schemas.microsoft.com/office/drawing/2014/main" id="{D3EFA744-1730-47B0-9583-050F07CCEC0B}"/>
+              </a:ext>
+            </a:extLst>
+          </p:cNvPr>
+          <p:cNvCxnSpPr/>
+          <p:nvPr/>
+        </p:nvCxnSpPr>
+        <p:spPr>
+          <a:xfrm>
+            <a:off x="4012946" y="3917828"/>
+            <a:ext cx="3703782" cy="0"/>
+          </a:xfrm>
+          <a:prstGeom prst="straightConnector1">
+            <a:avLst/>
+          </a:prstGeom>
+          <a:ln>
+            <a:tailEnd type="triangle"/>
+          </a:ln>
+        </p:spPr>
+        <p:style>
+          <a:lnRef idx="3">
+            <a:schemeClr val="dk1"/>
+          </a:lnRef>
+          <a:fillRef idx="0">
+            <a:schemeClr val="dk1"/>
+          </a:fillRef>
+          <a:effectRef idx="2">
+            <a:schemeClr val="dk1"/>
+          </a:effectRef>
+          <a:fontRef idx="minor">
+            <a:schemeClr val="tx1"/>
+          </a:fontRef>
+        </p:style>
+      </p:cxnSp>
+      <p:cxnSp>
+        <p:nvCxnSpPr>
+          <p:cNvPr id="15" name="Прямая со стрелкой 14">
+            <a:extLst>
+              <a:ext uri="{FF2B5EF4-FFF2-40B4-BE49-F238E27FC236}">
+                <a16:creationId xmlns:a16="http://schemas.microsoft.com/office/drawing/2014/main" id="{A8E403FD-51D1-4E05-B66F-7D32242B07DE}"/>
+              </a:ext>
+            </a:extLst>
+          </p:cNvPr>
+          <p:cNvCxnSpPr>
+            <a:cxnSpLocks/>
+          </p:cNvCxnSpPr>
+          <p:nvPr/>
+        </p:nvCxnSpPr>
+        <p:spPr>
+          <a:xfrm flipH="1">
+            <a:off x="4302748" y="4223164"/>
+            <a:ext cx="1187254" cy="796494"/>
+          </a:xfrm>
+          <a:prstGeom prst="straightConnector1">
+            <a:avLst/>
+          </a:prstGeom>
+          <a:ln>
+            <a:tailEnd type="triangle"/>
+          </a:ln>
+        </p:spPr>
+        <p:style>
+          <a:lnRef idx="3">
+            <a:schemeClr val="dk1"/>
+          </a:lnRef>
+          <a:fillRef idx="0">
+            <a:schemeClr val="dk1"/>
+          </a:fillRef>
+          <a:effectRef idx="2">
+            <a:schemeClr val="dk1"/>
+          </a:effectRef>
+          <a:fontRef idx="minor">
+            <a:schemeClr val="tx1"/>
+          </a:fontRef>
+        </p:style>
+      </p:cxnSp>
+      <p:cxnSp>
+        <p:nvCxnSpPr>
+          <p:cNvPr id="16" name="Прямая со стрелкой 15">
+            <a:extLst>
+              <a:ext uri="{FF2B5EF4-FFF2-40B4-BE49-F238E27FC236}">
+                <a16:creationId xmlns:a16="http://schemas.microsoft.com/office/drawing/2014/main" id="{60CB8176-7C4F-4D30-A3D3-C689A82C13F7}"/>
+              </a:ext>
+            </a:extLst>
+          </p:cNvPr>
+          <p:cNvCxnSpPr/>
+          <p:nvPr/>
+        </p:nvCxnSpPr>
+        <p:spPr>
+          <a:xfrm>
+            <a:off x="4012946" y="3460629"/>
+            <a:ext cx="3703782" cy="0"/>
+          </a:xfrm>
+          <a:prstGeom prst="straightConnector1">
+            <a:avLst/>
+          </a:prstGeom>
+          <a:ln>
+            <a:tailEnd type="triangle"/>
+          </a:ln>
+        </p:spPr>
+        <p:style>
+          <a:lnRef idx="3">
+            <a:schemeClr val="dk1"/>
+          </a:lnRef>
+          <a:fillRef idx="0">
+            <a:schemeClr val="dk1"/>
+          </a:fillRef>
+          <a:effectRef idx="2">
+            <a:schemeClr val="dk1"/>
+          </a:effectRef>
+          <a:fontRef idx="minor">
+            <a:schemeClr val="tx1"/>
+          </a:fontRef>
+        </p:style>
+      </p:cxnSp>
+      <p:cxnSp>
+        <p:nvCxnSpPr>
+          <p:cNvPr id="18" name="Прямая со стрелкой 17">
+            <a:extLst>
+              <a:ext uri="{FF2B5EF4-FFF2-40B4-BE49-F238E27FC236}">
+                <a16:creationId xmlns:a16="http://schemas.microsoft.com/office/drawing/2014/main" id="{21876EAF-17BB-4A7E-84DF-E18445665532}"/>
+              </a:ext>
+            </a:extLst>
+          </p:cNvPr>
+          <p:cNvCxnSpPr>
+            <a:cxnSpLocks/>
+          </p:cNvCxnSpPr>
+          <p:nvPr/>
+        </p:nvCxnSpPr>
+        <p:spPr>
+          <a:xfrm>
+            <a:off x="6347881" y="4375188"/>
+            <a:ext cx="0" cy="1288939"/>
+          </a:xfrm>
+          <a:prstGeom prst="straightConnector1">
+            <a:avLst/>
+          </a:prstGeom>
+          <a:ln>
+            <a:tailEnd type="triangle"/>
+          </a:ln>
+        </p:spPr>
+        <p:style>
+          <a:lnRef idx="3">
+            <a:schemeClr val="dk1"/>
+          </a:lnRef>
+          <a:fillRef idx="0">
+            <a:schemeClr val="dk1"/>
+          </a:fillRef>
+          <a:effectRef idx="2">
+            <a:schemeClr val="dk1"/>
+          </a:effectRef>
+          <a:fontRef idx="minor">
+            <a:schemeClr val="tx1"/>
+          </a:fontRef>
+        </p:style>
+      </p:cxnSp>
+      <p:cxnSp>
+        <p:nvCxnSpPr>
+          <p:cNvPr id="22" name="Прямая со стрелкой 21">
+            <a:extLst>
+              <a:ext uri="{FF2B5EF4-FFF2-40B4-BE49-F238E27FC236}">
+                <a16:creationId xmlns:a16="http://schemas.microsoft.com/office/drawing/2014/main" id="{640080BF-B265-4806-A561-BFB9BC7F6210}"/>
+              </a:ext>
+            </a:extLst>
+          </p:cNvPr>
+          <p:cNvCxnSpPr>
+            <a:cxnSpLocks/>
+          </p:cNvCxnSpPr>
+          <p:nvPr/>
+        </p:nvCxnSpPr>
+        <p:spPr>
+          <a:xfrm>
+            <a:off x="7123101" y="4223164"/>
+            <a:ext cx="1187254" cy="796494"/>
+          </a:xfrm>
+          <a:prstGeom prst="straightConnector1">
+            <a:avLst/>
+          </a:prstGeom>
+          <a:ln>
+            <a:tailEnd type="triangle"/>
+          </a:ln>
+        </p:spPr>
+        <p:style>
+          <a:lnRef idx="3">
+            <a:schemeClr val="dk1"/>
+          </a:lnRef>
+          <a:fillRef idx="0">
+            <a:schemeClr val="dk1"/>
+          </a:fillRef>
+          <a:effectRef idx="2">
+            <a:schemeClr val="dk1"/>
+          </a:effectRef>
+          <a:fontRef idx="minor">
+            <a:schemeClr val="tx1"/>
+          </a:fontRef>
+        </p:style>
+      </p:cxnSp>
+      <p:sp>
+        <p:nvSpPr>
+          <p:cNvPr id="14" name="TextBox 13">
+            <a:extLst>
+              <a:ext uri="{FF2B5EF4-FFF2-40B4-BE49-F238E27FC236}">
+                <a16:creationId xmlns:a16="http://schemas.microsoft.com/office/drawing/2014/main" id="{F9F54BD1-6AEA-43CC-91CD-F1311F044581}"/>
+              </a:ext>
+            </a:extLst>
+          </p:cNvPr>
+          <p:cNvSpPr txBox="1"/>
+          <p:nvPr/>
+        </p:nvSpPr>
+        <p:spPr>
+          <a:xfrm>
+            <a:off x="8928002" y="2164421"/>
+            <a:ext cx="4981303" cy="369332"/>
+          </a:xfrm>
+          <a:prstGeom prst="rect">
+            <a:avLst/>
+          </a:prstGeom>
+          <a:noFill/>
+        </p:spPr>
+        <p:txBody>
+          <a:bodyPr wrap="square" rtlCol="0">
+            <a:spAutoFit/>
+          </a:bodyPr>
+          <a:lstStyle/>
+          <a:p>
+            <a:r>
+              <a:rPr lang="ru-RU" dirty="0"/>
+              <a:t>Содержимое чека</a:t>
+            </a:r>
+          </a:p>
+        </p:txBody>
+      </p:sp>
+      <p:sp>
+        <p:nvSpPr>
+          <p:cNvPr id="17" name="TextBox 16">
+            <a:extLst>
+              <a:ext uri="{FF2B5EF4-FFF2-40B4-BE49-F238E27FC236}">
+                <a16:creationId xmlns:a16="http://schemas.microsoft.com/office/drawing/2014/main" id="{EE5EF796-8FBE-4877-BBC4-659013D07A1A}"/>
+              </a:ext>
+            </a:extLst>
+          </p:cNvPr>
+          <p:cNvSpPr txBox="1"/>
+          <p:nvPr/>
+        </p:nvSpPr>
+        <p:spPr>
+          <a:xfrm>
+            <a:off x="7716728" y="2827858"/>
+            <a:ext cx="4981303" cy="369332"/>
+          </a:xfrm>
+          <a:prstGeom prst="rect">
+            <a:avLst/>
+          </a:prstGeom>
+          <a:noFill/>
+        </p:spPr>
+        <p:txBody>
+          <a:bodyPr wrap="square" rtlCol="0">
+            <a:spAutoFit/>
+          </a:bodyPr>
+          <a:lstStyle/>
+          <a:p>
+            <a:r>
+              <a:rPr lang="ru-RU" dirty="0"/>
+              <a:t>Поле итоговой стоимости</a:t>
+            </a:r>
+          </a:p>
+        </p:txBody>
+      </p:sp>
+      <p:sp>
+        <p:nvSpPr>
+          <p:cNvPr id="19" name="TextBox 18">
+            <a:extLst>
+              <a:ext uri="{FF2B5EF4-FFF2-40B4-BE49-F238E27FC236}">
+                <a16:creationId xmlns:a16="http://schemas.microsoft.com/office/drawing/2014/main" id="{51904566-BC4E-4793-9122-FD6483EC7829}"/>
+              </a:ext>
+            </a:extLst>
+          </p:cNvPr>
+          <p:cNvSpPr txBox="1"/>
+          <p:nvPr/>
+        </p:nvSpPr>
+        <p:spPr>
+          <a:xfrm>
+            <a:off x="7716728" y="3241203"/>
+            <a:ext cx="4981303" cy="369332"/>
+          </a:xfrm>
+          <a:prstGeom prst="rect">
+            <a:avLst/>
+          </a:prstGeom>
+          <a:noFill/>
+        </p:spPr>
+        <p:txBody>
+          <a:bodyPr wrap="square" rtlCol="0">
+            <a:spAutoFit/>
+          </a:bodyPr>
+          <a:lstStyle/>
+          <a:p>
+            <a:r>
+              <a:rPr lang="ru-RU" dirty="0"/>
+              <a:t>Дата</a:t>
+            </a:r>
+          </a:p>
+        </p:txBody>
+      </p:sp>
+      <p:sp>
+        <p:nvSpPr>
+          <p:cNvPr id="20" name="TextBox 19">
+            <a:extLst>
+              <a:ext uri="{FF2B5EF4-FFF2-40B4-BE49-F238E27FC236}">
+                <a16:creationId xmlns:a16="http://schemas.microsoft.com/office/drawing/2014/main" id="{22953E77-5553-4511-BC18-83935AFE4246}"/>
+              </a:ext>
+            </a:extLst>
+          </p:cNvPr>
+          <p:cNvSpPr txBox="1"/>
+          <p:nvPr/>
+        </p:nvSpPr>
+        <p:spPr>
+          <a:xfrm>
+            <a:off x="7716728" y="3680546"/>
+            <a:ext cx="4981303" cy="369332"/>
+          </a:xfrm>
+          <a:prstGeom prst="rect">
+            <a:avLst/>
+          </a:prstGeom>
+          <a:noFill/>
+        </p:spPr>
+        <p:txBody>
+          <a:bodyPr wrap="square" rtlCol="0">
+            <a:spAutoFit/>
+          </a:bodyPr>
+          <a:lstStyle/>
+          <a:p>
+            <a:r>
+              <a:rPr lang="ru-RU" dirty="0"/>
+              <a:t>Поставщик услуг</a:t>
+            </a:r>
+          </a:p>
+        </p:txBody>
+      </p:sp>
+      <p:sp>
+        <p:nvSpPr>
+          <p:cNvPr id="21" name="TextBox 20">
+            <a:extLst>
+              <a:ext uri="{FF2B5EF4-FFF2-40B4-BE49-F238E27FC236}">
+                <a16:creationId xmlns:a16="http://schemas.microsoft.com/office/drawing/2014/main" id="{44EDE92B-0FAE-42FE-BECC-8BC4E1683C53}"/>
+              </a:ext>
+            </a:extLst>
+          </p:cNvPr>
+          <p:cNvSpPr txBox="1"/>
+          <p:nvPr/>
+        </p:nvSpPr>
+        <p:spPr>
+          <a:xfrm>
+            <a:off x="8310355" y="4823133"/>
+            <a:ext cx="4981303" cy="369332"/>
+          </a:xfrm>
+          <a:prstGeom prst="rect">
+            <a:avLst/>
+          </a:prstGeom>
+          <a:noFill/>
+        </p:spPr>
+        <p:txBody>
+          <a:bodyPr wrap="square" rtlCol="0">
+            <a:spAutoFit/>
+          </a:bodyPr>
+          <a:lstStyle/>
+          <a:p>
+            <a:r>
+              <a:rPr lang="ru-RU" dirty="0"/>
+              <a:t>Обработка текста</a:t>
+            </a:r>
+          </a:p>
+        </p:txBody>
+      </p:sp>
+      <p:sp>
+        <p:nvSpPr>
+          <p:cNvPr id="23" name="TextBox 22">
+            <a:extLst>
+              <a:ext uri="{FF2B5EF4-FFF2-40B4-BE49-F238E27FC236}">
+                <a16:creationId xmlns:a16="http://schemas.microsoft.com/office/drawing/2014/main" id="{C0577D4E-2E4F-4947-8875-2356905B314E}"/>
+              </a:ext>
+            </a:extLst>
+          </p:cNvPr>
+          <p:cNvSpPr txBox="1"/>
+          <p:nvPr/>
+        </p:nvSpPr>
+        <p:spPr>
+          <a:xfrm>
+            <a:off x="3405053" y="4823133"/>
+            <a:ext cx="4132919" cy="369332"/>
+          </a:xfrm>
+          <a:prstGeom prst="rect">
+            <a:avLst/>
+          </a:prstGeom>
+          <a:noFill/>
+        </p:spPr>
+        <p:txBody>
+          <a:bodyPr wrap="square" rtlCol="0">
+            <a:spAutoFit/>
+          </a:bodyPr>
+          <a:lstStyle/>
+          <a:p>
+            <a:r>
+              <a:rPr lang="ru-RU" dirty="0"/>
+              <a:t>Отмена</a:t>
+            </a:r>
+          </a:p>
+        </p:txBody>
+      </p:sp>
+      <p:sp>
+        <p:nvSpPr>
+          <p:cNvPr id="24" name="TextBox 23">
+            <a:extLst>
+              <a:ext uri="{FF2B5EF4-FFF2-40B4-BE49-F238E27FC236}">
+                <a16:creationId xmlns:a16="http://schemas.microsoft.com/office/drawing/2014/main" id="{4DF1C1EA-13F3-47CE-9126-C1D01B072EA6}"/>
+              </a:ext>
+            </a:extLst>
+          </p:cNvPr>
+          <p:cNvSpPr txBox="1"/>
+          <p:nvPr/>
+        </p:nvSpPr>
+        <p:spPr>
+          <a:xfrm>
+            <a:off x="5397338" y="5619627"/>
+            <a:ext cx="4981303" cy="646331"/>
+          </a:xfrm>
+          <a:prstGeom prst="rect">
+            <a:avLst/>
+          </a:prstGeom>
+          <a:noFill/>
+        </p:spPr>
+        <p:txBody>
+          <a:bodyPr wrap="square" rtlCol="0">
+            <a:spAutoFit/>
+          </a:bodyPr>
+          <a:lstStyle/>
+          <a:p>
+            <a:r>
+              <a:rPr lang="ru-RU" dirty="0"/>
+              <a:t>Создание записи и </a:t>
+            </a:r>
+          </a:p>
+          <a:p>
+            <a:r>
+              <a:rPr lang="ru-RU" dirty="0"/>
+              <a:t>сохранение данных</a:t>
+            </a:r>
           </a:p>
         </p:txBody>
       </p:sp>
     </p:spTree>
     <p:extLst>
       <p:ext uri="{BB962C8B-B14F-4D97-AF65-F5344CB8AC3E}">
-        <p14:creationId xmlns:p14="http://schemas.microsoft.com/office/powerpoint/2010/main" val="3554244794"/>
+        <p14:creationId xmlns:p14="http://schemas.microsoft.com/office/powerpoint/2010/main" val="3163316191"/>
       </p:ext>
     </p:extLst>
   </p:cSld>
@@ -6234,12 +5875,48 @@
           <a:chExt cx="0" cy="0"/>
         </a:xfrm>
       </p:grpSpPr>
+      <p:pic>
+        <p:nvPicPr>
+          <p:cNvPr id="8" name="Рисунок 7" descr="Изображение выглядит как текст, карта&#10;&#10;Автоматически созданное описание">
+            <a:extLst>
+              <a:ext uri="{FF2B5EF4-FFF2-40B4-BE49-F238E27FC236}">
+                <a16:creationId xmlns:a16="http://schemas.microsoft.com/office/drawing/2014/main" id="{7779E043-6F05-4BC6-9765-38C1C9BA46DE}"/>
+              </a:ext>
+            </a:extLst>
+          </p:cNvPr>
+          <p:cNvPicPr>
+            <a:picLocks noChangeAspect="1"/>
+          </p:cNvPicPr>
+          <p:nvPr/>
+        </p:nvPicPr>
+        <p:blipFill>
+          <a:blip r:embed="rId2">
+            <a:extLst>
+              <a:ext uri="{28A0092B-C50C-407E-A947-70E740481C1C}">
+                <a14:useLocalDpi xmlns:a14="http://schemas.microsoft.com/office/drawing/2010/main" val="0"/>
+              </a:ext>
+            </a:extLst>
+          </a:blip>
+          <a:stretch>
+            <a:fillRect/>
+          </a:stretch>
+        </p:blipFill>
+        <p:spPr>
+          <a:xfrm>
+            <a:off x="402857" y="586083"/>
+            <a:ext cx="10950943" cy="6088475"/>
+          </a:xfrm>
+          <a:prstGeom prst="rect">
+            <a:avLst/>
+          </a:prstGeom>
+        </p:spPr>
+      </p:pic>
       <p:sp>
         <p:nvSpPr>
           <p:cNvPr id="4" name="Номер слайда 3">
             <a:extLst>
               <a:ext uri="{FF2B5EF4-FFF2-40B4-BE49-F238E27FC236}">
-                <a16:creationId xmlns:a16="http://schemas.microsoft.com/office/drawing/2014/main" id="{6B718E50-5468-4A7C-975F-A995242259CE}"/>
+                <a16:creationId xmlns:a16="http://schemas.microsoft.com/office/drawing/2014/main" id="{52BBE4C0-BB14-48BF-BF33-A6017355E600}"/>
               </a:ext>
             </a:extLst>
           </p:cNvPr>
@@ -6315,10 +5992,10 @@
       </p:sp>
       <p:sp>
         <p:nvSpPr>
-          <p:cNvPr id="5" name="Прямоугольник 4">
-            <a:extLst>
-              <a:ext uri="{FF2B5EF4-FFF2-40B4-BE49-F238E27FC236}">
-                <a16:creationId xmlns:a16="http://schemas.microsoft.com/office/drawing/2014/main" id="{E867D83E-E219-4C3D-B8AF-FEF668CF3E21}"/>
+          <p:cNvPr id="7" name="Прямоугольник 6">
+            <a:extLst>
+              <a:ext uri="{FF2B5EF4-FFF2-40B4-BE49-F238E27FC236}">
+                <a16:creationId xmlns:a16="http://schemas.microsoft.com/office/drawing/2014/main" id="{F8F488BF-5222-4BC3-8132-B6F86BB20B38}"/>
               </a:ext>
             </a:extLst>
           </p:cNvPr>
@@ -6327,8 +6004,8 @@
         </p:nvSpPr>
         <p:spPr>
           <a:xfrm>
-            <a:off x="0" y="0"/>
-            <a:ext cx="11244361" cy="1015663"/>
+            <a:off x="120072" y="-113843"/>
+            <a:ext cx="6756978" cy="1015663"/>
           </a:xfrm>
           <a:prstGeom prst="rect">
             <a:avLst/>
@@ -6356,7 +6033,7 @@
                   </a:outerShdw>
                 </a:effectLst>
               </a:rPr>
-              <a:t>Анализ</a:t>
+              <a:t>Работа с </a:t>
             </a:r>
             <a:r>
               <a:rPr lang="en-US" sz="6000" dirty="0">
@@ -6369,90 +6046,79 @@
                   </a:outerShdw>
                 </a:effectLst>
               </a:rPr>
-              <a:t> </a:t>
-            </a:r>
-            <a:r>
-              <a:rPr lang="ru-RU" sz="6000" dirty="0">
-                <a:ln w="0"/>
-                <a:effectLst>
-                  <a:outerShdw blurRad="38100" dist="19050" dir="2700000" algn="tl" rotWithShape="0">
-                    <a:schemeClr val="dk1">
-                      <a:alpha val="40000"/>
-                    </a:schemeClr>
-                  </a:outerShdw>
-                </a:effectLst>
-              </a:rPr>
-              <a:t>результатов</a:t>
-            </a:r>
-            <a:r>
-              <a:rPr lang="en-US" sz="6000" dirty="0">
-                <a:ln w="0"/>
-                <a:effectLst>
-                  <a:outerShdw blurRad="38100" dist="19050" dir="2700000" algn="tl" rotWithShape="0">
-                    <a:schemeClr val="dk1">
-                      <a:alpha val="40000"/>
-                    </a:schemeClr>
-                  </a:outerShdw>
-                </a:effectLst>
-              </a:rPr>
-              <a:t> Google Vision</a:t>
-            </a:r>
-            <a:r>
-              <a:rPr lang="ru-RU" sz="6000" dirty="0">
-                <a:ln w="0"/>
-                <a:effectLst>
-                  <a:outerShdw blurRad="38100" dist="19050" dir="2700000" algn="tl" rotWithShape="0">
-                    <a:schemeClr val="dk1">
-                      <a:alpha val="40000"/>
-                    </a:schemeClr>
-                  </a:outerShdw>
-                </a:effectLst>
-              </a:rPr>
-              <a:t> </a:t>
-            </a:r>
-          </a:p>
-        </p:txBody>
-      </p:sp>
-      <p:pic>
-        <p:nvPicPr>
-          <p:cNvPr id="6" name="Рисунок 5" descr="Изображение выглядит как снимок экрана&#10;&#10;Автоматически созданное описание">
-            <a:extLst>
-              <a:ext uri="{FF2B5EF4-FFF2-40B4-BE49-F238E27FC236}">
-                <a16:creationId xmlns:a16="http://schemas.microsoft.com/office/drawing/2014/main" id="{8245DC45-8D83-4700-8D6C-7A5668D07FF5}"/>
-              </a:ext>
-            </a:extLst>
-          </p:cNvPr>
-          <p:cNvPicPr>
-            <a:picLocks noChangeAspect="1"/>
-          </p:cNvPicPr>
+              <a:t>Tesseract JS</a:t>
+            </a:r>
+            <a:endParaRPr lang="ru-RU" sz="6000" dirty="0">
+              <a:ln w="0"/>
+              <a:effectLst>
+                <a:outerShdw blurRad="38100" dist="19050" dir="2700000" algn="tl" rotWithShape="0">
+                  <a:schemeClr val="dk1">
+                    <a:alpha val="40000"/>
+                  </a:schemeClr>
+                </a:outerShdw>
+              </a:effectLst>
+            </a:endParaRPr>
+          </a:p>
+        </p:txBody>
+      </p:sp>
+      <p:sp>
+        <p:nvSpPr>
+          <p:cNvPr id="5" name="Прямоугольник 4">
+            <a:extLst>
+              <a:ext uri="{FF2B5EF4-FFF2-40B4-BE49-F238E27FC236}">
+                <a16:creationId xmlns:a16="http://schemas.microsoft.com/office/drawing/2014/main" id="{F7736561-781D-43C7-AB1F-7E03CE901D2A}"/>
+              </a:ext>
+            </a:extLst>
+          </p:cNvPr>
+          <p:cNvSpPr/>
           <p:nvPr/>
-        </p:nvPicPr>
-        <p:blipFill>
-          <a:blip r:embed="rId2">
-            <a:extLst>
-              <a:ext uri="{28A0092B-C50C-407E-A947-70E740481C1C}">
-                <a14:useLocalDpi xmlns:a14="http://schemas.microsoft.com/office/drawing/2010/main" val="0"/>
-              </a:ext>
-            </a:extLst>
-          </a:blip>
-          <a:stretch>
-            <a:fillRect/>
-          </a:stretch>
-        </p:blipFill>
+        </p:nvSpPr>
         <p:spPr>
           <a:xfrm>
-            <a:off x="476250" y="1266825"/>
-            <a:ext cx="7429500" cy="4324350"/>
+            <a:off x="947956" y="1476462"/>
+            <a:ext cx="696286" cy="310393"/>
           </a:xfrm>
           <a:prstGeom prst="rect">
             <a:avLst/>
           </a:prstGeom>
-        </p:spPr>
-      </p:pic>
+          <a:solidFill>
+            <a:schemeClr val="bg1"/>
+          </a:solidFill>
+          <a:ln>
+            <a:solidFill>
+              <a:schemeClr val="bg1"/>
+            </a:solidFill>
+          </a:ln>
+        </p:spPr>
+        <p:style>
+          <a:lnRef idx="2">
+            <a:schemeClr val="accent1">
+              <a:shade val="50000"/>
+            </a:schemeClr>
+          </a:lnRef>
+          <a:fillRef idx="1">
+            <a:schemeClr val="accent1"/>
+          </a:fillRef>
+          <a:effectRef idx="0">
+            <a:schemeClr val="accent1"/>
+          </a:effectRef>
+          <a:fontRef idx="minor">
+            <a:schemeClr val="lt1"/>
+          </a:fontRef>
+        </p:style>
+        <p:txBody>
+          <a:bodyPr rtlCol="0" anchor="ctr"/>
+          <a:lstStyle/>
+          <a:p>
+            <a:pPr algn="ctr"/>
+            <a:endParaRPr lang="ru-RU"/>
+          </a:p>
+        </p:txBody>
+      </p:sp>
     </p:spTree>
     <p:extLst>
       <p:ext uri="{BB962C8B-B14F-4D97-AF65-F5344CB8AC3E}">
-        <p14:creationId xmlns:p14="http://schemas.microsoft.com/office/powerpoint/2010/main" val="2573704519"/>
+        <p14:creationId xmlns:p14="http://schemas.microsoft.com/office/powerpoint/2010/main" val="3554244794"/>
       </p:ext>
     </p:extLst>
   </p:cSld>
@@ -6481,10 +6147,10 @@
       </p:grpSpPr>
       <p:sp>
         <p:nvSpPr>
-          <p:cNvPr id="4" name="Номер слайда 3">
-            <a:extLst>
-              <a:ext uri="{FF2B5EF4-FFF2-40B4-BE49-F238E27FC236}">
-                <a16:creationId xmlns:a16="http://schemas.microsoft.com/office/drawing/2014/main" id="{6B718E50-5468-4A7C-975F-A995242259CE}"/>
+          <p:cNvPr id="2" name="Номер слайда 1">
+            <a:extLst>
+              <a:ext uri="{FF2B5EF4-FFF2-40B4-BE49-F238E27FC236}">
+                <a16:creationId xmlns:a16="http://schemas.microsoft.com/office/drawing/2014/main" id="{3148CA35-5375-4B1D-8736-2AD8C43CCC2D}"/>
               </a:ext>
             </a:extLst>
           </p:cNvPr>
@@ -6500,201 +6166,18 @@
           <a:bodyPr/>
           <a:lstStyle/>
           <a:p>
-            <a:pPr marL="0" marR="0" lvl="0" indent="0" algn="r" defTabSz="914400" rtl="0" eaLnBrk="1" fontAlgn="auto" latinLnBrk="0" hangingPunct="1">
-              <a:lnSpc>
-                <a:spcPct val="100000"/>
-              </a:lnSpc>
-              <a:spcBef>
-                <a:spcPts val="0"/>
-              </a:spcBef>
-              <a:spcAft>
-                <a:spcPts val="0"/>
-              </a:spcAft>
-              <a:buClrTx/>
-              <a:buSzTx/>
-              <a:buFontTx/>
-              <a:buNone/>
-              <a:tabLst/>
-              <a:defRPr/>
-            </a:pPr>
             <a:fld id="{079AA04F-7A8B-46BC-B900-7D092EA1812F}" type="slidenum">
-              <a:rPr lang="ru-RU" sz="1800" b="1" smtClean="0">
-                <a:solidFill>
-                  <a:prstClr val="black">
-                    <a:tint val="75000"/>
-                  </a:prstClr>
-                </a:solidFill>
-              </a:rPr>
-              <a:pPr marL="0" marR="0" lvl="0" indent="0" algn="r" defTabSz="914400" rtl="0" eaLnBrk="1" fontAlgn="auto" latinLnBrk="0" hangingPunct="1">
-                <a:lnSpc>
-                  <a:spcPct val="100000"/>
-                </a:lnSpc>
-                <a:spcBef>
-                  <a:spcPts val="0"/>
-                </a:spcBef>
-                <a:spcAft>
-                  <a:spcPts val="0"/>
-                </a:spcAft>
-                <a:buClrTx/>
-                <a:buSzTx/>
-                <a:buFontTx/>
-                <a:buNone/>
-                <a:tabLst/>
-                <a:defRPr/>
-              </a:pPr>
+              <a:rPr lang="ru-RU" smtClean="0"/>
               <a:t>15</a:t>
             </a:fld>
-            <a:r>
-              <a:rPr lang="ru-RU" sz="1800" b="1" dirty="0">
-                <a:solidFill>
-                  <a:prstClr val="black">
-                    <a:tint val="75000"/>
-                  </a:prstClr>
-                </a:solidFill>
-              </a:rPr>
-              <a:t>/16</a:t>
-            </a:r>
-            <a:endParaRPr lang="ru-RU" dirty="0"/>
-          </a:p>
-        </p:txBody>
-      </p:sp>
-      <p:sp>
-        <p:nvSpPr>
-          <p:cNvPr id="6" name="Прямоугольник 5">
-            <a:extLst>
-              <a:ext uri="{FF2B5EF4-FFF2-40B4-BE49-F238E27FC236}">
-                <a16:creationId xmlns:a16="http://schemas.microsoft.com/office/drawing/2014/main" id="{F20D7EDD-F8CC-4D3F-84C9-F1AA3B117783}"/>
-              </a:ext>
-            </a:extLst>
-          </p:cNvPr>
-          <p:cNvSpPr/>
-          <p:nvPr/>
-        </p:nvSpPr>
-        <p:spPr>
-          <a:xfrm>
-            <a:off x="0" y="0"/>
-            <a:ext cx="10430869" cy="1015663"/>
-          </a:xfrm>
-          <a:prstGeom prst="rect">
-            <a:avLst/>
-          </a:prstGeom>
-          <a:noFill/>
-          <a:ln>
-            <a:noFill/>
-          </a:ln>
-        </p:spPr>
-        <p:txBody>
-          <a:bodyPr wrap="none" lIns="91440" tIns="45720" rIns="91440" bIns="45720">
-            <a:spAutoFit/>
-          </a:bodyPr>
-          <a:lstStyle/>
-          <a:p>
-            <a:pPr algn="ctr"/>
-            <a:r>
-              <a:rPr lang="ru-RU" sz="6000" dirty="0">
-                <a:ln w="0"/>
-                <a:effectLst>
-                  <a:outerShdw blurRad="38100" dist="19050" dir="2700000" algn="tl" rotWithShape="0">
-                    <a:schemeClr val="dk1">
-                      <a:alpha val="40000"/>
-                    </a:schemeClr>
-                  </a:outerShdw>
-                </a:effectLst>
-              </a:rPr>
-              <a:t>Анализ</a:t>
-            </a:r>
-            <a:r>
-              <a:rPr lang="en-US" sz="6000" dirty="0">
-                <a:ln w="0"/>
-                <a:effectLst>
-                  <a:outerShdw blurRad="38100" dist="19050" dir="2700000" algn="tl" rotWithShape="0">
-                    <a:schemeClr val="dk1">
-                      <a:alpha val="40000"/>
-                    </a:schemeClr>
-                  </a:outerShdw>
-                </a:effectLst>
-              </a:rPr>
-              <a:t> </a:t>
-            </a:r>
-            <a:r>
-              <a:rPr lang="ru-RU" sz="6000" dirty="0">
-                <a:ln w="0"/>
-                <a:effectLst>
-                  <a:outerShdw blurRad="38100" dist="19050" dir="2700000" algn="tl" rotWithShape="0">
-                    <a:schemeClr val="dk1">
-                      <a:alpha val="40000"/>
-                    </a:schemeClr>
-                  </a:outerShdw>
-                </a:effectLst>
-              </a:rPr>
-              <a:t>результатов</a:t>
-            </a:r>
-            <a:r>
-              <a:rPr lang="en-US" sz="6000" dirty="0">
-                <a:ln w="0"/>
-                <a:effectLst>
-                  <a:outerShdw blurRad="38100" dist="19050" dir="2700000" algn="tl" rotWithShape="0">
-                    <a:schemeClr val="dk1">
-                      <a:alpha val="40000"/>
-                    </a:schemeClr>
-                  </a:outerShdw>
-                </a:effectLst>
-              </a:rPr>
-              <a:t> Tesseract JS</a:t>
-            </a:r>
-            <a:endParaRPr lang="ru-RU" sz="6000" dirty="0">
-              <a:ln w="0"/>
-              <a:effectLst>
-                <a:outerShdw blurRad="38100" dist="19050" dir="2700000" algn="tl" rotWithShape="0">
-                  <a:schemeClr val="dk1">
-                    <a:alpha val="40000"/>
-                  </a:schemeClr>
-                </a:outerShdw>
-              </a:effectLst>
-            </a:endParaRPr>
-          </a:p>
-        </p:txBody>
-      </p:sp>
-      <p:pic>
-        <p:nvPicPr>
-          <p:cNvPr id="3" name="Рисунок 2" descr="Изображение выглядит как снимок экрана&#10;&#10;Автоматически созданное описание">
-            <a:extLst>
-              <a:ext uri="{FF2B5EF4-FFF2-40B4-BE49-F238E27FC236}">
-                <a16:creationId xmlns:a16="http://schemas.microsoft.com/office/drawing/2014/main" id="{C061B026-7E61-4EE2-98D5-1E31C6ABF35B}"/>
-              </a:ext>
-            </a:extLst>
-          </p:cNvPr>
-          <p:cNvPicPr>
-            <a:picLocks noChangeAspect="1"/>
-          </p:cNvPicPr>
-          <p:nvPr/>
-        </p:nvPicPr>
-        <p:blipFill>
-          <a:blip r:embed="rId2">
-            <a:extLst>
-              <a:ext uri="{28A0092B-C50C-407E-A947-70E740481C1C}">
-                <a14:useLocalDpi xmlns:a14="http://schemas.microsoft.com/office/drawing/2010/main" val="0"/>
-              </a:ext>
-            </a:extLst>
-          </a:blip>
-          <a:stretch>
-            <a:fillRect/>
-          </a:stretch>
-        </p:blipFill>
-        <p:spPr>
-          <a:xfrm>
-            <a:off x="592387" y="1423987"/>
-            <a:ext cx="7029450" cy="4010025"/>
-          </a:xfrm>
-          <a:prstGeom prst="rect">
-            <a:avLst/>
-          </a:prstGeom>
-        </p:spPr>
-      </p:pic>
+            <a:endParaRPr lang="ru-RU"/>
+          </a:p>
+        </p:txBody>
+      </p:sp>
     </p:spTree>
     <p:extLst>
       <p:ext uri="{BB962C8B-B14F-4D97-AF65-F5344CB8AC3E}">
-        <p14:creationId xmlns:p14="http://schemas.microsoft.com/office/powerpoint/2010/main" val="2897058732"/>
+        <p14:creationId xmlns:p14="http://schemas.microsoft.com/office/powerpoint/2010/main" val="624015690"/>
       </p:ext>
     </p:extLst>
   </p:cSld>
@@ -6726,7 +6209,7 @@
           <p:cNvPr id="4" name="Номер слайда 3">
             <a:extLst>
               <a:ext uri="{FF2B5EF4-FFF2-40B4-BE49-F238E27FC236}">
-                <a16:creationId xmlns:a16="http://schemas.microsoft.com/office/drawing/2014/main" id="{5215CACD-A8A8-4CBF-89D9-CBAE9418920D}"/>
+                <a16:creationId xmlns:a16="http://schemas.microsoft.com/office/drawing/2014/main" id="{6B718E50-5468-4A7C-975F-A995242259CE}"/>
               </a:ext>
             </a:extLst>
           </p:cNvPr>
@@ -6785,6 +6268,958 @@
                 <a:defRPr/>
               </a:pPr>
               <a:t>16</a:t>
+            </a:fld>
+            <a:r>
+              <a:rPr lang="ru-RU" sz="1800" b="1" dirty="0">
+                <a:solidFill>
+                  <a:prstClr val="black">
+                    <a:tint val="75000"/>
+                  </a:prstClr>
+                </a:solidFill>
+              </a:rPr>
+              <a:t>/16</a:t>
+            </a:r>
+            <a:endParaRPr lang="ru-RU" dirty="0"/>
+          </a:p>
+        </p:txBody>
+      </p:sp>
+      <p:sp>
+        <p:nvSpPr>
+          <p:cNvPr id="5" name="Прямоугольник 4">
+            <a:extLst>
+              <a:ext uri="{FF2B5EF4-FFF2-40B4-BE49-F238E27FC236}">
+                <a16:creationId xmlns:a16="http://schemas.microsoft.com/office/drawing/2014/main" id="{E867D83E-E219-4C3D-B8AF-FEF668CF3E21}"/>
+              </a:ext>
+            </a:extLst>
+          </p:cNvPr>
+          <p:cNvSpPr/>
+          <p:nvPr/>
+        </p:nvSpPr>
+        <p:spPr>
+          <a:xfrm>
+            <a:off x="33230" y="0"/>
+            <a:ext cx="8912954" cy="1015663"/>
+          </a:xfrm>
+          <a:prstGeom prst="rect">
+            <a:avLst/>
+          </a:prstGeom>
+          <a:noFill/>
+          <a:ln>
+            <a:noFill/>
+          </a:ln>
+        </p:spPr>
+        <p:txBody>
+          <a:bodyPr wrap="none" lIns="91440" tIns="45720" rIns="91440" bIns="45720">
+            <a:spAutoFit/>
+          </a:bodyPr>
+          <a:lstStyle/>
+          <a:p>
+            <a:pPr algn="ctr"/>
+            <a:r>
+              <a:rPr lang="ru-RU" sz="6000" dirty="0">
+                <a:ln w="0"/>
+                <a:effectLst>
+                  <a:outerShdw blurRad="38100" dist="19050" dir="2700000" algn="tl" rotWithShape="0">
+                    <a:schemeClr val="dk1">
+                      <a:alpha val="40000"/>
+                    </a:schemeClr>
+                  </a:outerShdw>
+                </a:effectLst>
+              </a:rPr>
+              <a:t>Результаты распознавания</a:t>
+            </a:r>
+          </a:p>
+        </p:txBody>
+      </p:sp>
+      <p:pic>
+        <p:nvPicPr>
+          <p:cNvPr id="6" name="Рисунок 5" descr="Изображение выглядит как снимок экрана&#10;&#10;Автоматически созданное описание">
+            <a:extLst>
+              <a:ext uri="{FF2B5EF4-FFF2-40B4-BE49-F238E27FC236}">
+                <a16:creationId xmlns:a16="http://schemas.microsoft.com/office/drawing/2014/main" id="{8245DC45-8D83-4700-8D6C-7A5668D07FF5}"/>
+              </a:ext>
+            </a:extLst>
+          </p:cNvPr>
+          <p:cNvPicPr>
+            <a:picLocks noChangeAspect="1"/>
+          </p:cNvPicPr>
+          <p:nvPr/>
+        </p:nvPicPr>
+        <p:blipFill rotWithShape="1">
+          <a:blip r:embed="rId2">
+            <a:extLst>
+              <a:ext uri="{28A0092B-C50C-407E-A947-70E740481C1C}">
+                <a14:useLocalDpi xmlns:a14="http://schemas.microsoft.com/office/drawing/2010/main" val="0"/>
+              </a:ext>
+            </a:extLst>
+          </a:blip>
+          <a:srcRect l="4033" t="4452" r="36915" b="7335"/>
+          <a:stretch/>
+        </p:blipFill>
+        <p:spPr>
+          <a:xfrm>
+            <a:off x="930304" y="1389267"/>
+            <a:ext cx="4691876" cy="4079465"/>
+          </a:xfrm>
+          <a:prstGeom prst="rect">
+            <a:avLst/>
+          </a:prstGeom>
+          <a:ln>
+            <a:solidFill>
+              <a:schemeClr val="tx1"/>
+            </a:solidFill>
+          </a:ln>
+        </p:spPr>
+      </p:pic>
+      <p:pic>
+        <p:nvPicPr>
+          <p:cNvPr id="7" name="Рисунок 6" descr="Изображение выглядит как снимок экрана&#10;&#10;Автоматически созданное описание">
+            <a:extLst>
+              <a:ext uri="{FF2B5EF4-FFF2-40B4-BE49-F238E27FC236}">
+                <a16:creationId xmlns:a16="http://schemas.microsoft.com/office/drawing/2014/main" id="{AA31C536-7A9E-459E-BEA3-F3B4675D1655}"/>
+              </a:ext>
+            </a:extLst>
+          </p:cNvPr>
+          <p:cNvPicPr>
+            <a:picLocks noChangeAspect="1"/>
+          </p:cNvPicPr>
+          <p:nvPr/>
+        </p:nvPicPr>
+        <p:blipFill rotWithShape="1">
+          <a:blip r:embed="rId3">
+            <a:extLst>
+              <a:ext uri="{28A0092B-C50C-407E-A947-70E740481C1C}">
+                <a14:useLocalDpi xmlns:a14="http://schemas.microsoft.com/office/drawing/2010/main" val="0"/>
+              </a:ext>
+            </a:extLst>
+          </a:blip>
+          <a:srcRect l="1106" t="4872" r="32780" b="5313"/>
+          <a:stretch/>
+        </p:blipFill>
+        <p:spPr>
+          <a:xfrm>
+            <a:off x="6888044" y="1389266"/>
+            <a:ext cx="4691876" cy="4079465"/>
+          </a:xfrm>
+          <a:prstGeom prst="rect">
+            <a:avLst/>
+          </a:prstGeom>
+          <a:ln>
+            <a:solidFill>
+              <a:schemeClr val="tx1"/>
+            </a:solidFill>
+          </a:ln>
+        </p:spPr>
+      </p:pic>
+      <p:sp>
+        <p:nvSpPr>
+          <p:cNvPr id="8" name="Прямоугольник 7">
+            <a:extLst>
+              <a:ext uri="{FF2B5EF4-FFF2-40B4-BE49-F238E27FC236}">
+                <a16:creationId xmlns:a16="http://schemas.microsoft.com/office/drawing/2014/main" id="{7DD013D3-FC69-43E4-A038-07EC8B1E6A62}"/>
+              </a:ext>
+            </a:extLst>
+          </p:cNvPr>
+          <p:cNvSpPr/>
+          <p:nvPr/>
+        </p:nvSpPr>
+        <p:spPr>
+          <a:xfrm>
+            <a:off x="8064616" y="1389267"/>
+            <a:ext cx="3993160" cy="646331"/>
+          </a:xfrm>
+          <a:prstGeom prst="rect">
+            <a:avLst/>
+          </a:prstGeom>
+          <a:noFill/>
+          <a:ln>
+            <a:noFill/>
+          </a:ln>
+        </p:spPr>
+        <p:txBody>
+          <a:bodyPr wrap="square" lIns="91440" tIns="45720" rIns="91440" bIns="45720">
+            <a:spAutoFit/>
+          </a:bodyPr>
+          <a:lstStyle/>
+          <a:p>
+            <a:pPr algn="ctr"/>
+            <a:r>
+              <a:rPr lang="en-US" sz="3600" dirty="0">
+                <a:ln w="0"/>
+                <a:effectLst>
+                  <a:outerShdw blurRad="38100" dist="19050" dir="2700000" algn="tl" rotWithShape="0">
+                    <a:schemeClr val="dk1">
+                      <a:alpha val="40000"/>
+                    </a:schemeClr>
+                  </a:outerShdw>
+                </a:effectLst>
+              </a:rPr>
+              <a:t>Tesseract JS</a:t>
+            </a:r>
+            <a:endParaRPr lang="ru-RU" sz="3600" dirty="0">
+              <a:ln w="0"/>
+              <a:effectLst>
+                <a:outerShdw blurRad="38100" dist="19050" dir="2700000" algn="tl" rotWithShape="0">
+                  <a:schemeClr val="dk1">
+                    <a:alpha val="40000"/>
+                  </a:schemeClr>
+                </a:outerShdw>
+              </a:effectLst>
+            </a:endParaRPr>
+          </a:p>
+        </p:txBody>
+      </p:sp>
+      <p:sp>
+        <p:nvSpPr>
+          <p:cNvPr id="9" name="Прямоугольник 8">
+            <a:extLst>
+              <a:ext uri="{FF2B5EF4-FFF2-40B4-BE49-F238E27FC236}">
+                <a16:creationId xmlns:a16="http://schemas.microsoft.com/office/drawing/2014/main" id="{F36B084D-F975-4FDC-9B2F-FDC43253B09F}"/>
+              </a:ext>
+            </a:extLst>
+          </p:cNvPr>
+          <p:cNvSpPr/>
+          <p:nvPr/>
+        </p:nvSpPr>
+        <p:spPr>
+          <a:xfrm>
+            <a:off x="2102840" y="1389267"/>
+            <a:ext cx="3993160" cy="646331"/>
+          </a:xfrm>
+          <a:prstGeom prst="rect">
+            <a:avLst/>
+          </a:prstGeom>
+          <a:noFill/>
+          <a:ln>
+            <a:noFill/>
+          </a:ln>
+        </p:spPr>
+        <p:txBody>
+          <a:bodyPr wrap="square" lIns="91440" tIns="45720" rIns="91440" bIns="45720">
+            <a:spAutoFit/>
+          </a:bodyPr>
+          <a:lstStyle/>
+          <a:p>
+            <a:pPr algn="ctr"/>
+            <a:r>
+              <a:rPr lang="en-US" sz="3600" dirty="0">
+                <a:ln w="0"/>
+                <a:effectLst>
+                  <a:outerShdw blurRad="38100" dist="19050" dir="2700000" algn="tl" rotWithShape="0">
+                    <a:schemeClr val="dk1">
+                      <a:alpha val="40000"/>
+                    </a:schemeClr>
+                  </a:outerShdw>
+                </a:effectLst>
+              </a:rPr>
+              <a:t>Google Vision AI</a:t>
+            </a:r>
+            <a:endParaRPr lang="ru-RU" sz="3600" dirty="0">
+              <a:ln w="0"/>
+              <a:effectLst>
+                <a:outerShdw blurRad="38100" dist="19050" dir="2700000" algn="tl" rotWithShape="0">
+                  <a:schemeClr val="dk1">
+                    <a:alpha val="40000"/>
+                  </a:schemeClr>
+                </a:outerShdw>
+              </a:effectLst>
+            </a:endParaRPr>
+          </a:p>
+        </p:txBody>
+      </p:sp>
+      <p:sp>
+        <p:nvSpPr>
+          <p:cNvPr id="2" name="TextBox 1">
+            <a:extLst>
+              <a:ext uri="{FF2B5EF4-FFF2-40B4-BE49-F238E27FC236}">
+                <a16:creationId xmlns:a16="http://schemas.microsoft.com/office/drawing/2014/main" id="{A25A08F2-66EE-4A10-AF3F-0750D01BD46E}"/>
+              </a:ext>
+            </a:extLst>
+          </p:cNvPr>
+          <p:cNvSpPr txBox="1"/>
+          <p:nvPr/>
+        </p:nvSpPr>
+        <p:spPr>
+          <a:xfrm>
+            <a:off x="1059157" y="5657670"/>
+            <a:ext cx="4434170" cy="369332"/>
+          </a:xfrm>
+          <a:prstGeom prst="rect">
+            <a:avLst/>
+          </a:prstGeom>
+          <a:noFill/>
+        </p:spPr>
+        <p:txBody>
+          <a:bodyPr wrap="square" rtlCol="0">
+            <a:spAutoFit/>
+          </a:bodyPr>
+          <a:lstStyle/>
+          <a:p>
+            <a:r>
+              <a:rPr lang="ru-RU" dirty="0"/>
+              <a:t>Время обработки изображения: 635 (</a:t>
+            </a:r>
+            <a:r>
+              <a:rPr lang="ru-RU" dirty="0" err="1"/>
+              <a:t>мс</a:t>
+            </a:r>
+            <a:r>
+              <a:rPr lang="ru-RU" dirty="0"/>
+              <a:t>)   </a:t>
+            </a:r>
+          </a:p>
+        </p:txBody>
+      </p:sp>
+      <p:sp>
+        <p:nvSpPr>
+          <p:cNvPr id="10" name="TextBox 9">
+            <a:extLst>
+              <a:ext uri="{FF2B5EF4-FFF2-40B4-BE49-F238E27FC236}">
+                <a16:creationId xmlns:a16="http://schemas.microsoft.com/office/drawing/2014/main" id="{F916878B-ABAF-472A-9E1B-7868BB8B352B}"/>
+              </a:ext>
+            </a:extLst>
+          </p:cNvPr>
+          <p:cNvSpPr txBox="1"/>
+          <p:nvPr/>
+        </p:nvSpPr>
+        <p:spPr>
+          <a:xfrm>
+            <a:off x="7016897" y="5657670"/>
+            <a:ext cx="4434170" cy="369332"/>
+          </a:xfrm>
+          <a:prstGeom prst="rect">
+            <a:avLst/>
+          </a:prstGeom>
+          <a:noFill/>
+        </p:spPr>
+        <p:txBody>
+          <a:bodyPr wrap="square" rtlCol="0">
+            <a:spAutoFit/>
+          </a:bodyPr>
+          <a:lstStyle/>
+          <a:p>
+            <a:r>
+              <a:rPr lang="ru-RU" dirty="0"/>
+              <a:t>Время обработки изображения: 319 (</a:t>
+            </a:r>
+            <a:r>
+              <a:rPr lang="ru-RU" dirty="0" err="1"/>
+              <a:t>мс</a:t>
+            </a:r>
+            <a:r>
+              <a:rPr lang="ru-RU" dirty="0"/>
+              <a:t>)   </a:t>
+            </a:r>
+          </a:p>
+        </p:txBody>
+      </p:sp>
+    </p:spTree>
+    <p:extLst>
+      <p:ext uri="{BB962C8B-B14F-4D97-AF65-F5344CB8AC3E}">
+        <p14:creationId xmlns:p14="http://schemas.microsoft.com/office/powerpoint/2010/main" val="2573704519"/>
+      </p:ext>
+    </p:extLst>
+  </p:cSld>
+  <p:clrMapOvr>
+    <a:masterClrMapping/>
+  </p:clrMapOvr>
+</p:sld>
+</file>
+
+<file path=ppt/slides/slide17.xml><?xml version="1.0" encoding="utf-8"?>
+<p:sld xmlns:a="http://schemas.openxmlformats.org/drawingml/2006/main" xmlns:r="http://schemas.openxmlformats.org/officeDocument/2006/relationships" xmlns:p="http://schemas.openxmlformats.org/presentationml/2006/main">
+  <p:cSld>
+    <p:spTree>
+      <p:nvGrpSpPr>
+        <p:cNvPr id="1" name=""/>
+        <p:cNvGrpSpPr/>
+        <p:nvPr/>
+      </p:nvGrpSpPr>
+      <p:grpSpPr>
+        <a:xfrm>
+          <a:off x="0" y="0"/>
+          <a:ext cx="0" cy="0"/>
+          <a:chOff x="0" y="0"/>
+          <a:chExt cx="0" cy="0"/>
+        </a:xfrm>
+      </p:grpSpPr>
+      <p:sp>
+        <p:nvSpPr>
+          <p:cNvPr id="4" name="Номер слайда 3">
+            <a:extLst>
+              <a:ext uri="{FF2B5EF4-FFF2-40B4-BE49-F238E27FC236}">
+                <a16:creationId xmlns:a16="http://schemas.microsoft.com/office/drawing/2014/main" id="{6B718E50-5468-4A7C-975F-A995242259CE}"/>
+              </a:ext>
+            </a:extLst>
+          </p:cNvPr>
+          <p:cNvSpPr>
+            <a:spLocks noGrp="1"/>
+          </p:cNvSpPr>
+          <p:nvPr>
+            <p:ph type="sldNum" sz="quarter" idx="12"/>
+          </p:nvPr>
+        </p:nvSpPr>
+        <p:spPr/>
+        <p:txBody>
+          <a:bodyPr/>
+          <a:lstStyle/>
+          <a:p>
+            <a:pPr marL="0" marR="0" lvl="0" indent="0" algn="r" defTabSz="914400" rtl="0" eaLnBrk="1" fontAlgn="auto" latinLnBrk="0" hangingPunct="1">
+              <a:lnSpc>
+                <a:spcPct val="100000"/>
+              </a:lnSpc>
+              <a:spcBef>
+                <a:spcPts val="0"/>
+              </a:spcBef>
+              <a:spcAft>
+                <a:spcPts val="0"/>
+              </a:spcAft>
+              <a:buClrTx/>
+              <a:buSzTx/>
+              <a:buFontTx/>
+              <a:buNone/>
+              <a:tabLst/>
+              <a:defRPr/>
+            </a:pPr>
+            <a:fld id="{079AA04F-7A8B-46BC-B900-7D092EA1812F}" type="slidenum">
+              <a:rPr lang="ru-RU" sz="1800" b="1" smtClean="0">
+                <a:solidFill>
+                  <a:prstClr val="black">
+                    <a:tint val="75000"/>
+                  </a:prstClr>
+                </a:solidFill>
+              </a:rPr>
+              <a:pPr marL="0" marR="0" lvl="0" indent="0" algn="r" defTabSz="914400" rtl="0" eaLnBrk="1" fontAlgn="auto" latinLnBrk="0" hangingPunct="1">
+                <a:lnSpc>
+                  <a:spcPct val="100000"/>
+                </a:lnSpc>
+                <a:spcBef>
+                  <a:spcPts val="0"/>
+                </a:spcBef>
+                <a:spcAft>
+                  <a:spcPts val="0"/>
+                </a:spcAft>
+                <a:buClrTx/>
+                <a:buSzTx/>
+                <a:buFontTx/>
+                <a:buNone/>
+                <a:tabLst/>
+                <a:defRPr/>
+              </a:pPr>
+              <a:t>17</a:t>
+            </a:fld>
+            <a:r>
+              <a:rPr lang="ru-RU" sz="1800" b="1" dirty="0">
+                <a:solidFill>
+                  <a:prstClr val="black">
+                    <a:tint val="75000"/>
+                  </a:prstClr>
+                </a:solidFill>
+              </a:rPr>
+              <a:t>/16</a:t>
+            </a:r>
+            <a:endParaRPr lang="ru-RU" dirty="0"/>
+          </a:p>
+        </p:txBody>
+      </p:sp>
+      <p:sp>
+        <p:nvSpPr>
+          <p:cNvPr id="6" name="Прямоугольник 5">
+            <a:extLst>
+              <a:ext uri="{FF2B5EF4-FFF2-40B4-BE49-F238E27FC236}">
+                <a16:creationId xmlns:a16="http://schemas.microsoft.com/office/drawing/2014/main" id="{F20D7EDD-F8CC-4D3F-84C9-F1AA3B117783}"/>
+              </a:ext>
+            </a:extLst>
+          </p:cNvPr>
+          <p:cNvSpPr/>
+          <p:nvPr/>
+        </p:nvSpPr>
+        <p:spPr>
+          <a:xfrm>
+            <a:off x="0" y="-6182"/>
+            <a:ext cx="6602064" cy="1015663"/>
+          </a:xfrm>
+          <a:prstGeom prst="rect">
+            <a:avLst/>
+          </a:prstGeom>
+          <a:noFill/>
+          <a:ln>
+            <a:noFill/>
+          </a:ln>
+        </p:spPr>
+        <p:txBody>
+          <a:bodyPr wrap="none" lIns="91440" tIns="45720" rIns="91440" bIns="45720">
+            <a:spAutoFit/>
+          </a:bodyPr>
+          <a:lstStyle/>
+          <a:p>
+            <a:pPr algn="ctr"/>
+            <a:r>
+              <a:rPr lang="ru-RU" sz="6000" dirty="0">
+                <a:ln w="0"/>
+                <a:effectLst>
+                  <a:outerShdw blurRad="38100" dist="19050" dir="2700000" algn="tl" rotWithShape="0">
+                    <a:schemeClr val="dk1">
+                      <a:alpha val="40000"/>
+                    </a:schemeClr>
+                  </a:outerShdw>
+                </a:effectLst>
+              </a:rPr>
+              <a:t>Анализ</a:t>
+            </a:r>
+            <a:r>
+              <a:rPr lang="en-US" sz="6000" dirty="0">
+                <a:ln w="0"/>
+                <a:effectLst>
+                  <a:outerShdw blurRad="38100" dist="19050" dir="2700000" algn="tl" rotWithShape="0">
+                    <a:schemeClr val="dk1">
+                      <a:alpha val="40000"/>
+                    </a:schemeClr>
+                  </a:outerShdw>
+                </a:effectLst>
+              </a:rPr>
+              <a:t> </a:t>
+            </a:r>
+            <a:r>
+              <a:rPr lang="ru-RU" sz="6000" dirty="0">
+                <a:ln w="0"/>
+                <a:effectLst>
+                  <a:outerShdw blurRad="38100" dist="19050" dir="2700000" algn="tl" rotWithShape="0">
+                    <a:schemeClr val="dk1">
+                      <a:alpha val="40000"/>
+                    </a:schemeClr>
+                  </a:outerShdw>
+                </a:effectLst>
+              </a:rPr>
+              <a:t>результатов</a:t>
+            </a:r>
+          </a:p>
+        </p:txBody>
+      </p:sp>
+      <p:pic>
+        <p:nvPicPr>
+          <p:cNvPr id="14" name="Рисунок 13" descr="Изображение выглядит как снимок экрана&#10;&#10;Автоматически созданное описание">
+            <a:extLst>
+              <a:ext uri="{FF2B5EF4-FFF2-40B4-BE49-F238E27FC236}">
+                <a16:creationId xmlns:a16="http://schemas.microsoft.com/office/drawing/2014/main" id="{1CF4238F-60D0-47E6-B95C-605D44A50910}"/>
+              </a:ext>
+            </a:extLst>
+          </p:cNvPr>
+          <p:cNvPicPr>
+            <a:picLocks noChangeAspect="1"/>
+          </p:cNvPicPr>
+          <p:nvPr/>
+        </p:nvPicPr>
+        <p:blipFill rotWithShape="1">
+          <a:blip r:embed="rId2">
+            <a:extLst>
+              <a:ext uri="{28A0092B-C50C-407E-A947-70E740481C1C}">
+                <a14:useLocalDpi xmlns:a14="http://schemas.microsoft.com/office/drawing/2010/main" val="0"/>
+              </a:ext>
+            </a:extLst>
+          </a:blip>
+          <a:srcRect l="764" t="1828" r="1108"/>
+          <a:stretch/>
+        </p:blipFill>
+        <p:spPr>
+          <a:xfrm>
+            <a:off x="177822" y="1009481"/>
+            <a:ext cx="6528337" cy="2865368"/>
+          </a:xfrm>
+          <a:prstGeom prst="rect">
+            <a:avLst/>
+          </a:prstGeom>
+        </p:spPr>
+      </p:pic>
+      <p:pic>
+        <p:nvPicPr>
+          <p:cNvPr id="16" name="Рисунок 15" descr="Изображение выглядит как снимок экрана&#10;&#10;Автоматически созданное описание">
+            <a:extLst>
+              <a:ext uri="{FF2B5EF4-FFF2-40B4-BE49-F238E27FC236}">
+                <a16:creationId xmlns:a16="http://schemas.microsoft.com/office/drawing/2014/main" id="{9B90A974-24FE-4D12-8339-C27A52EC9B96}"/>
+              </a:ext>
+            </a:extLst>
+          </p:cNvPr>
+          <p:cNvPicPr>
+            <a:picLocks noChangeAspect="1"/>
+          </p:cNvPicPr>
+          <p:nvPr/>
+        </p:nvPicPr>
+        <p:blipFill rotWithShape="1">
+          <a:blip r:embed="rId3">
+            <a:extLst>
+              <a:ext uri="{28A0092B-C50C-407E-A947-70E740481C1C}">
+                <a14:useLocalDpi xmlns:a14="http://schemas.microsoft.com/office/drawing/2010/main" val="0"/>
+              </a:ext>
+            </a:extLst>
+          </a:blip>
+          <a:srcRect l="883" t="2080" r="1278"/>
+          <a:stretch/>
+        </p:blipFill>
+        <p:spPr>
+          <a:xfrm>
+            <a:off x="5318760" y="2880650"/>
+            <a:ext cx="6583680" cy="2805783"/>
+          </a:xfrm>
+          <a:prstGeom prst="rect">
+            <a:avLst/>
+          </a:prstGeom>
+        </p:spPr>
+      </p:pic>
+      <p:sp>
+        <p:nvSpPr>
+          <p:cNvPr id="17" name="Прямоугольник 16">
+            <a:extLst>
+              <a:ext uri="{FF2B5EF4-FFF2-40B4-BE49-F238E27FC236}">
+                <a16:creationId xmlns:a16="http://schemas.microsoft.com/office/drawing/2014/main" id="{1E265939-AC0D-41B4-8BA5-0184E787038F}"/>
+              </a:ext>
+            </a:extLst>
+          </p:cNvPr>
+          <p:cNvSpPr/>
+          <p:nvPr/>
+        </p:nvSpPr>
+        <p:spPr>
+          <a:xfrm>
+            <a:off x="3212983" y="1577130"/>
+            <a:ext cx="3238151" cy="285226"/>
+          </a:xfrm>
+          <a:prstGeom prst="rect">
+            <a:avLst/>
+          </a:prstGeom>
+          <a:noFill/>
+          <a:ln w="28575">
+            <a:solidFill>
+              <a:srgbClr val="00B050"/>
+            </a:solidFill>
+          </a:ln>
+        </p:spPr>
+        <p:style>
+          <a:lnRef idx="2">
+            <a:schemeClr val="accent1">
+              <a:shade val="50000"/>
+            </a:schemeClr>
+          </a:lnRef>
+          <a:fillRef idx="1">
+            <a:schemeClr val="accent1"/>
+          </a:fillRef>
+          <a:effectRef idx="0">
+            <a:schemeClr val="accent1"/>
+          </a:effectRef>
+          <a:fontRef idx="minor">
+            <a:schemeClr val="lt1"/>
+          </a:fontRef>
+        </p:style>
+        <p:txBody>
+          <a:bodyPr rtlCol="0" anchor="ctr"/>
+          <a:lstStyle/>
+          <a:p>
+            <a:pPr algn="ctr"/>
+            <a:endParaRPr lang="ru-RU"/>
+          </a:p>
+        </p:txBody>
+      </p:sp>
+      <p:sp>
+        <p:nvSpPr>
+          <p:cNvPr id="18" name="Прямоугольник 17">
+            <a:extLst>
+              <a:ext uri="{FF2B5EF4-FFF2-40B4-BE49-F238E27FC236}">
+                <a16:creationId xmlns:a16="http://schemas.microsoft.com/office/drawing/2014/main" id="{299CD74F-DB94-4514-9893-B2B1B063397D}"/>
+              </a:ext>
+            </a:extLst>
+          </p:cNvPr>
+          <p:cNvSpPr/>
+          <p:nvPr/>
+        </p:nvSpPr>
+        <p:spPr>
+          <a:xfrm>
+            <a:off x="8363124" y="3430398"/>
+            <a:ext cx="3238151" cy="285226"/>
+          </a:xfrm>
+          <a:prstGeom prst="rect">
+            <a:avLst/>
+          </a:prstGeom>
+          <a:noFill/>
+          <a:ln w="28575">
+            <a:solidFill>
+              <a:srgbClr val="00B050"/>
+            </a:solidFill>
+          </a:ln>
+        </p:spPr>
+        <p:style>
+          <a:lnRef idx="2">
+            <a:schemeClr val="accent1">
+              <a:shade val="50000"/>
+            </a:schemeClr>
+          </a:lnRef>
+          <a:fillRef idx="1">
+            <a:schemeClr val="accent1"/>
+          </a:fillRef>
+          <a:effectRef idx="0">
+            <a:schemeClr val="accent1"/>
+          </a:effectRef>
+          <a:fontRef idx="minor">
+            <a:schemeClr val="lt1"/>
+          </a:fontRef>
+        </p:style>
+        <p:txBody>
+          <a:bodyPr rtlCol="0" anchor="ctr"/>
+          <a:lstStyle/>
+          <a:p>
+            <a:pPr algn="ctr"/>
+            <a:endParaRPr lang="ru-RU"/>
+          </a:p>
+        </p:txBody>
+      </p:sp>
+      <p:sp>
+        <p:nvSpPr>
+          <p:cNvPr id="19" name="Прямоугольник 18">
+            <a:extLst>
+              <a:ext uri="{FF2B5EF4-FFF2-40B4-BE49-F238E27FC236}">
+                <a16:creationId xmlns:a16="http://schemas.microsoft.com/office/drawing/2014/main" id="{BF2220F1-CEF6-475C-995A-294E0D103525}"/>
+              </a:ext>
+            </a:extLst>
+          </p:cNvPr>
+          <p:cNvSpPr/>
+          <p:nvPr/>
+        </p:nvSpPr>
+        <p:spPr>
+          <a:xfrm>
+            <a:off x="5318760" y="3998315"/>
+            <a:ext cx="6528337" cy="387226"/>
+          </a:xfrm>
+          <a:prstGeom prst="rect">
+            <a:avLst/>
+          </a:prstGeom>
+          <a:noFill/>
+          <a:ln w="28575">
+            <a:solidFill>
+              <a:srgbClr val="00B0F0"/>
+            </a:solidFill>
+          </a:ln>
+        </p:spPr>
+        <p:style>
+          <a:lnRef idx="2">
+            <a:schemeClr val="accent1">
+              <a:shade val="50000"/>
+            </a:schemeClr>
+          </a:lnRef>
+          <a:fillRef idx="1">
+            <a:schemeClr val="accent1"/>
+          </a:fillRef>
+          <a:effectRef idx="0">
+            <a:schemeClr val="accent1"/>
+          </a:effectRef>
+          <a:fontRef idx="minor">
+            <a:schemeClr val="lt1"/>
+          </a:fontRef>
+        </p:style>
+        <p:txBody>
+          <a:bodyPr rtlCol="0" anchor="ctr"/>
+          <a:lstStyle/>
+          <a:p>
+            <a:pPr algn="ctr"/>
+            <a:endParaRPr lang="ru-RU"/>
+          </a:p>
+        </p:txBody>
+      </p:sp>
+      <p:sp>
+        <p:nvSpPr>
+          <p:cNvPr id="9" name="Прямоугольник 8">
+            <a:extLst>
+              <a:ext uri="{FF2B5EF4-FFF2-40B4-BE49-F238E27FC236}">
+                <a16:creationId xmlns:a16="http://schemas.microsoft.com/office/drawing/2014/main" id="{A3E94F0A-6BD0-4097-8554-80681FB67800}"/>
+              </a:ext>
+            </a:extLst>
+          </p:cNvPr>
+          <p:cNvSpPr/>
+          <p:nvPr/>
+        </p:nvSpPr>
+        <p:spPr>
+          <a:xfrm>
+            <a:off x="5512037" y="1050894"/>
+            <a:ext cx="717847" cy="241346"/>
+          </a:xfrm>
+          <a:prstGeom prst="rect">
+            <a:avLst/>
+          </a:prstGeom>
+          <a:noFill/>
+          <a:ln w="28575">
+            <a:solidFill>
+              <a:srgbClr val="E24036"/>
+            </a:solidFill>
+          </a:ln>
+        </p:spPr>
+        <p:style>
+          <a:lnRef idx="2">
+            <a:schemeClr val="accent1">
+              <a:shade val="50000"/>
+            </a:schemeClr>
+          </a:lnRef>
+          <a:fillRef idx="1">
+            <a:schemeClr val="accent1"/>
+          </a:fillRef>
+          <a:effectRef idx="0">
+            <a:schemeClr val="accent1"/>
+          </a:effectRef>
+          <a:fontRef idx="minor">
+            <a:schemeClr val="lt1"/>
+          </a:fontRef>
+        </p:style>
+        <p:txBody>
+          <a:bodyPr rtlCol="0" anchor="ctr"/>
+          <a:lstStyle/>
+          <a:p>
+            <a:pPr algn="ctr"/>
+            <a:endParaRPr lang="ru-RU"/>
+          </a:p>
+        </p:txBody>
+      </p:sp>
+      <p:sp>
+        <p:nvSpPr>
+          <p:cNvPr id="10" name="Прямоугольник 9">
+            <a:extLst>
+              <a:ext uri="{FF2B5EF4-FFF2-40B4-BE49-F238E27FC236}">
+                <a16:creationId xmlns:a16="http://schemas.microsoft.com/office/drawing/2014/main" id="{F4304BEC-88C3-428D-A6CB-1172C674EDE1}"/>
+              </a:ext>
+            </a:extLst>
+          </p:cNvPr>
+          <p:cNvSpPr/>
+          <p:nvPr/>
+        </p:nvSpPr>
+        <p:spPr>
+          <a:xfrm>
+            <a:off x="10661590" y="2906361"/>
+            <a:ext cx="717847" cy="241346"/>
+          </a:xfrm>
+          <a:prstGeom prst="rect">
+            <a:avLst/>
+          </a:prstGeom>
+          <a:noFill/>
+          <a:ln w="28575">
+            <a:solidFill>
+              <a:srgbClr val="E24036"/>
+            </a:solidFill>
+          </a:ln>
+        </p:spPr>
+        <p:style>
+          <a:lnRef idx="2">
+            <a:schemeClr val="accent1">
+              <a:shade val="50000"/>
+            </a:schemeClr>
+          </a:lnRef>
+          <a:fillRef idx="1">
+            <a:schemeClr val="accent1"/>
+          </a:fillRef>
+          <a:effectRef idx="0">
+            <a:schemeClr val="accent1"/>
+          </a:effectRef>
+          <a:fontRef idx="minor">
+            <a:schemeClr val="lt1"/>
+          </a:fontRef>
+        </p:style>
+        <p:txBody>
+          <a:bodyPr rtlCol="0" anchor="ctr"/>
+          <a:lstStyle/>
+          <a:p>
+            <a:pPr algn="ctr"/>
+            <a:endParaRPr lang="ru-RU"/>
+          </a:p>
+        </p:txBody>
+      </p:sp>
+    </p:spTree>
+    <p:extLst>
+      <p:ext uri="{BB962C8B-B14F-4D97-AF65-F5344CB8AC3E}">
+        <p14:creationId xmlns:p14="http://schemas.microsoft.com/office/powerpoint/2010/main" val="2897058732"/>
+      </p:ext>
+    </p:extLst>
+  </p:cSld>
+  <p:clrMapOvr>
+    <a:masterClrMapping/>
+  </p:clrMapOvr>
+</p:sld>
+</file>
+
+<file path=ppt/slides/slide18.xml><?xml version="1.0" encoding="utf-8"?>
+<p:sld xmlns:a="http://schemas.openxmlformats.org/drawingml/2006/main" xmlns:r="http://schemas.openxmlformats.org/officeDocument/2006/relationships" xmlns:p="http://schemas.openxmlformats.org/presentationml/2006/main">
+  <p:cSld>
+    <p:spTree>
+      <p:nvGrpSpPr>
+        <p:cNvPr id="1" name=""/>
+        <p:cNvGrpSpPr/>
+        <p:nvPr/>
+      </p:nvGrpSpPr>
+      <p:grpSpPr>
+        <a:xfrm>
+          <a:off x="0" y="0"/>
+          <a:ext cx="0" cy="0"/>
+          <a:chOff x="0" y="0"/>
+          <a:chExt cx="0" cy="0"/>
+        </a:xfrm>
+      </p:grpSpPr>
+      <p:sp>
+        <p:nvSpPr>
+          <p:cNvPr id="4" name="Номер слайда 3">
+            <a:extLst>
+              <a:ext uri="{FF2B5EF4-FFF2-40B4-BE49-F238E27FC236}">
+                <a16:creationId xmlns:a16="http://schemas.microsoft.com/office/drawing/2014/main" id="{5215CACD-A8A8-4CBF-89D9-CBAE9418920D}"/>
+              </a:ext>
+            </a:extLst>
+          </p:cNvPr>
+          <p:cNvSpPr>
+            <a:spLocks noGrp="1"/>
+          </p:cNvSpPr>
+          <p:nvPr>
+            <p:ph type="sldNum" sz="quarter" idx="12"/>
+          </p:nvPr>
+        </p:nvSpPr>
+        <p:spPr/>
+        <p:txBody>
+          <a:bodyPr/>
+          <a:lstStyle/>
+          <a:p>
+            <a:pPr marL="0" marR="0" lvl="0" indent="0" algn="r" defTabSz="914400" rtl="0" eaLnBrk="1" fontAlgn="auto" latinLnBrk="0" hangingPunct="1">
+              <a:lnSpc>
+                <a:spcPct val="100000"/>
+              </a:lnSpc>
+              <a:spcBef>
+                <a:spcPts val="0"/>
+              </a:spcBef>
+              <a:spcAft>
+                <a:spcPts val="0"/>
+              </a:spcAft>
+              <a:buClrTx/>
+              <a:buSzTx/>
+              <a:buFontTx/>
+              <a:buNone/>
+              <a:tabLst/>
+              <a:defRPr/>
+            </a:pPr>
+            <a:fld id="{079AA04F-7A8B-46BC-B900-7D092EA1812F}" type="slidenum">
+              <a:rPr lang="ru-RU" sz="1800" b="1" smtClean="0">
+                <a:solidFill>
+                  <a:prstClr val="black">
+                    <a:tint val="75000"/>
+                  </a:prstClr>
+                </a:solidFill>
+              </a:rPr>
+              <a:pPr marL="0" marR="0" lvl="0" indent="0" algn="r" defTabSz="914400" rtl="0" eaLnBrk="1" fontAlgn="auto" latinLnBrk="0" hangingPunct="1">
+                <a:lnSpc>
+                  <a:spcPct val="100000"/>
+                </a:lnSpc>
+                <a:spcBef>
+                  <a:spcPts val="0"/>
+                </a:spcBef>
+                <a:spcAft>
+                  <a:spcPts val="0"/>
+                </a:spcAft>
+                <a:buClrTx/>
+                <a:buSzTx/>
+                <a:buFontTx/>
+                <a:buNone/>
+                <a:tabLst/>
+                <a:defRPr/>
+              </a:pPr>
+              <a:t>18</a:t>
             </a:fld>
             <a:r>
               <a:rPr lang="ru-RU" sz="1800" b="1" dirty="0">
@@ -7261,7 +7696,7 @@
             <a:pPr lvl="1"/>
             <a:r>
               <a:rPr lang="ru-RU" dirty="0"/>
-              <a:t>Расширить базовый функционал корпоративной </a:t>
+              <a:t>Расширить базовый функционал корпоративной системы на основе </a:t>
             </a:r>
             <a:r>
               <a:rPr lang="ru-RU" dirty="0" err="1"/>
@@ -7269,7 +7704,7 @@
             </a:r>
             <a:r>
               <a:rPr lang="ru-RU" dirty="0"/>
-              <a:t> платформы путём внедрения OCR инструментов для распознавания текста на изображениях кассовых чеков.</a:t>
+              <a:t> путём внедрения OCR инструментов для распознавания текста на изображениях кассовых чеков.</a:t>
             </a:r>
           </a:p>
           <a:p>
@@ -7381,48 +7816,41 @@
           <a:chExt cx="0" cy="0"/>
         </a:xfrm>
       </p:grpSpPr>
-      <p:pic>
-        <p:nvPicPr>
-          <p:cNvPr id="7" name="Рисунок 6" descr="Изображение выглядит как внутренний, карта, текст, мужчина&#10;&#10;Автоматически созданное описание">
-            <a:extLst>
-              <a:ext uri="{FF2B5EF4-FFF2-40B4-BE49-F238E27FC236}">
-                <a16:creationId xmlns:a16="http://schemas.microsoft.com/office/drawing/2014/main" id="{BDE07115-6FDC-49A2-B92D-29866FB0055B}"/>
-              </a:ext>
-            </a:extLst>
-          </p:cNvPr>
-          <p:cNvPicPr>
-            <a:picLocks noChangeAspect="1"/>
-          </p:cNvPicPr>
-          <p:nvPr/>
-        </p:nvPicPr>
-        <p:blipFill>
-          <a:blip r:embed="rId2">
-            <a:extLst>
-              <a:ext uri="{28A0092B-C50C-407E-A947-70E740481C1C}">
-                <a14:useLocalDpi xmlns:a14="http://schemas.microsoft.com/office/drawing/2010/main" val="0"/>
-              </a:ext>
-            </a:extLst>
-          </a:blip>
-          <a:stretch>
-            <a:fillRect/>
-          </a:stretch>
-        </p:blipFill>
-        <p:spPr>
-          <a:xfrm>
-            <a:off x="0" y="0"/>
-            <a:ext cx="12192000" cy="6858000"/>
-          </a:xfrm>
-          <a:prstGeom prst="rect">
-            <a:avLst/>
-          </a:prstGeom>
-        </p:spPr>
-      </p:pic>
-      <p:sp>
-        <p:nvSpPr>
-          <p:cNvPr id="9" name="Прямоугольник 8">
-            <a:extLst>
-              <a:ext uri="{FF2B5EF4-FFF2-40B4-BE49-F238E27FC236}">
-                <a16:creationId xmlns:a16="http://schemas.microsoft.com/office/drawing/2014/main" id="{60491B20-AECF-4E05-B1E5-F1A708F35178}"/>
+      <p:sp>
+        <p:nvSpPr>
+          <p:cNvPr id="2" name="Номер слайда 1">
+            <a:extLst>
+              <a:ext uri="{FF2B5EF4-FFF2-40B4-BE49-F238E27FC236}">
+                <a16:creationId xmlns:a16="http://schemas.microsoft.com/office/drawing/2014/main" id="{A5A56C7C-D9E1-4D0A-97C0-C2F1F56823D7}"/>
+              </a:ext>
+            </a:extLst>
+          </p:cNvPr>
+          <p:cNvSpPr>
+            <a:spLocks noGrp="1"/>
+          </p:cNvSpPr>
+          <p:nvPr>
+            <p:ph type="sldNum" sz="quarter" idx="12"/>
+          </p:nvPr>
+        </p:nvSpPr>
+        <p:spPr/>
+        <p:txBody>
+          <a:bodyPr/>
+          <a:lstStyle/>
+          <a:p>
+            <a:fld id="{079AA04F-7A8B-46BC-B900-7D092EA1812F}" type="slidenum">
+              <a:rPr lang="ru-RU" smtClean="0"/>
+              <a:t>3</a:t>
+            </a:fld>
+            <a:endParaRPr lang="ru-RU"/>
+          </a:p>
+        </p:txBody>
+      </p:sp>
+      <p:sp>
+        <p:nvSpPr>
+          <p:cNvPr id="3" name="Прямоугольник 2">
+            <a:extLst>
+              <a:ext uri="{FF2B5EF4-FFF2-40B4-BE49-F238E27FC236}">
+                <a16:creationId xmlns:a16="http://schemas.microsoft.com/office/drawing/2014/main" id="{7E27952B-5748-4B8D-9FB1-AB07E2C4838D}"/>
               </a:ext>
             </a:extLst>
           </p:cNvPr>
@@ -7431,8 +7859,8 @@
         </p:nvSpPr>
         <p:spPr>
           <a:xfrm>
-            <a:off x="7277" y="0"/>
-            <a:ext cx="3973011" cy="1015663"/>
+            <a:off x="265802" y="0"/>
+            <a:ext cx="3019737" cy="1015663"/>
           </a:xfrm>
           <a:prstGeom prst="rect">
             <a:avLst/>
@@ -7450,7 +7878,7 @@
           <a:p>
             <a:pPr algn="ctr"/>
             <a:r>
-              <a:rPr lang="en-US" sz="6000" dirty="0">
+              <a:rPr lang="ru-RU" sz="6000" dirty="0">
                 <a:ln w="0"/>
                 <a:effectLst>
                   <a:outerShdw blurRad="38100" dist="19050" dir="2700000" algn="tl" rotWithShape="0">
@@ -7460,7 +7888,7 @@
                   </a:outerShdw>
                 </a:effectLst>
               </a:rPr>
-              <a:t>ServiceNow</a:t>
+              <a:t>Для чего</a:t>
             </a:r>
             <a:endParaRPr lang="ru-RU" sz="6000" b="1" cap="none" spc="0" dirty="0">
               <a:ln w="22225">
@@ -7477,312 +7905,10 @@
           </a:p>
         </p:txBody>
       </p:sp>
-      <p:sp>
-        <p:nvSpPr>
-          <p:cNvPr id="10" name="Номер слайда 9">
-            <a:extLst>
-              <a:ext uri="{FF2B5EF4-FFF2-40B4-BE49-F238E27FC236}">
-                <a16:creationId xmlns:a16="http://schemas.microsoft.com/office/drawing/2014/main" id="{248CB372-FCF4-4EF4-A337-BACACA2400FE}"/>
-              </a:ext>
-            </a:extLst>
-          </p:cNvPr>
-          <p:cNvSpPr>
-            <a:spLocks noGrp="1"/>
-          </p:cNvSpPr>
-          <p:nvPr>
-            <p:ph type="sldNum" sz="quarter" idx="12"/>
-          </p:nvPr>
-        </p:nvSpPr>
-        <p:spPr/>
-        <p:txBody>
-          <a:bodyPr/>
-          <a:lstStyle/>
-          <a:p>
-            <a:pPr marL="0" marR="0" lvl="0" indent="0" algn="r" defTabSz="914400" rtl="0" eaLnBrk="1" fontAlgn="auto" latinLnBrk="0" hangingPunct="1">
-              <a:lnSpc>
-                <a:spcPct val="100000"/>
-              </a:lnSpc>
-              <a:spcBef>
-                <a:spcPts val="0"/>
-              </a:spcBef>
-              <a:spcAft>
-                <a:spcPts val="0"/>
-              </a:spcAft>
-              <a:buClrTx/>
-              <a:buSzTx/>
-              <a:buFontTx/>
-              <a:buNone/>
-              <a:tabLst/>
-              <a:defRPr/>
-            </a:pPr>
-            <a:fld id="{079AA04F-7A8B-46BC-B900-7D092EA1812F}" type="slidenum">
-              <a:rPr lang="ru-RU" sz="1800" b="1" smtClean="0">
-                <a:solidFill>
-                  <a:prstClr val="black">
-                    <a:tint val="75000"/>
-                  </a:prstClr>
-                </a:solidFill>
-              </a:rPr>
-              <a:pPr marL="0" marR="0" lvl="0" indent="0" algn="r" defTabSz="914400" rtl="0" eaLnBrk="1" fontAlgn="auto" latinLnBrk="0" hangingPunct="1">
-                <a:lnSpc>
-                  <a:spcPct val="100000"/>
-                </a:lnSpc>
-                <a:spcBef>
-                  <a:spcPts val="0"/>
-                </a:spcBef>
-                <a:spcAft>
-                  <a:spcPts val="0"/>
-                </a:spcAft>
-                <a:buClrTx/>
-                <a:buSzTx/>
-                <a:buFontTx/>
-                <a:buNone/>
-                <a:tabLst/>
-                <a:defRPr/>
-              </a:pPr>
-              <a:t>3</a:t>
-            </a:fld>
-            <a:r>
-              <a:rPr lang="ru-RU" sz="1800" b="1" dirty="0">
-                <a:solidFill>
-                  <a:prstClr val="black">
-                    <a:tint val="75000"/>
-                  </a:prstClr>
-                </a:solidFill>
-              </a:rPr>
-              <a:t>/16</a:t>
-            </a:r>
-            <a:endParaRPr lang="ru-RU" dirty="0"/>
-          </a:p>
-        </p:txBody>
-      </p:sp>
-      <p:sp>
-        <p:nvSpPr>
-          <p:cNvPr id="12" name="TextBox 11">
-            <a:extLst>
-              <a:ext uri="{FF2B5EF4-FFF2-40B4-BE49-F238E27FC236}">
-                <a16:creationId xmlns:a16="http://schemas.microsoft.com/office/drawing/2014/main" id="{ED3BD49A-BC75-48AC-9682-D1588456247C}"/>
-              </a:ext>
-            </a:extLst>
-          </p:cNvPr>
-          <p:cNvSpPr txBox="1"/>
-          <p:nvPr/>
-        </p:nvSpPr>
-        <p:spPr>
-          <a:xfrm>
-            <a:off x="855677" y="3105834"/>
-            <a:ext cx="2583810" cy="584775"/>
-          </a:xfrm>
-          <a:prstGeom prst="rect">
-            <a:avLst/>
-          </a:prstGeom>
-          <a:noFill/>
-        </p:spPr>
-        <p:txBody>
-          <a:bodyPr wrap="square" rtlCol="0">
-            <a:spAutoFit/>
-          </a:bodyPr>
-          <a:lstStyle/>
-          <a:p>
-            <a:pPr algn="ctr"/>
-            <a:r>
-              <a:rPr lang="ru-RU" sz="1600" dirty="0"/>
-              <a:t>управление инцидентами, проблемами и заменами</a:t>
-            </a:r>
-          </a:p>
-        </p:txBody>
-      </p:sp>
-      <p:sp>
-        <p:nvSpPr>
-          <p:cNvPr id="15" name="TextBox 14">
-            <a:extLst>
-              <a:ext uri="{FF2B5EF4-FFF2-40B4-BE49-F238E27FC236}">
-                <a16:creationId xmlns:a16="http://schemas.microsoft.com/office/drawing/2014/main" id="{83E9F968-1F58-4B1D-AF93-97CC18CB748D}"/>
-              </a:ext>
-            </a:extLst>
-          </p:cNvPr>
-          <p:cNvSpPr txBox="1"/>
-          <p:nvPr/>
-        </p:nvSpPr>
-        <p:spPr>
-          <a:xfrm>
-            <a:off x="6989427" y="2201221"/>
-            <a:ext cx="2583810" cy="584775"/>
-          </a:xfrm>
-          <a:prstGeom prst="rect">
-            <a:avLst/>
-          </a:prstGeom>
-          <a:noFill/>
-        </p:spPr>
-        <p:txBody>
-          <a:bodyPr wrap="square" rtlCol="0">
-            <a:spAutoFit/>
-          </a:bodyPr>
-          <a:lstStyle/>
-          <a:p>
-            <a:pPr algn="ctr"/>
-            <a:r>
-              <a:rPr lang="ru-RU" sz="1600" dirty="0"/>
-              <a:t>работа с визуальной доской задач</a:t>
-            </a:r>
-          </a:p>
-        </p:txBody>
-      </p:sp>
-      <p:sp>
-        <p:nvSpPr>
-          <p:cNvPr id="17" name="TextBox 16">
-            <a:extLst>
-              <a:ext uri="{FF2B5EF4-FFF2-40B4-BE49-F238E27FC236}">
-                <a16:creationId xmlns:a16="http://schemas.microsoft.com/office/drawing/2014/main" id="{9F5A5683-C7F3-472D-89CF-8843889C9739}"/>
-              </a:ext>
-            </a:extLst>
-          </p:cNvPr>
-          <p:cNvSpPr txBox="1"/>
-          <p:nvPr/>
-        </p:nvSpPr>
-        <p:spPr>
-          <a:xfrm>
-            <a:off x="9608190" y="3880417"/>
-            <a:ext cx="2583810" cy="584775"/>
-          </a:xfrm>
-          <a:prstGeom prst="rect">
-            <a:avLst/>
-          </a:prstGeom>
-          <a:noFill/>
-        </p:spPr>
-        <p:txBody>
-          <a:bodyPr wrap="square" rtlCol="0">
-            <a:spAutoFit/>
-          </a:bodyPr>
-          <a:lstStyle/>
-          <a:p>
-            <a:pPr algn="ctr"/>
-            <a:r>
-              <a:rPr lang="ru-RU" sz="1600" dirty="0"/>
-              <a:t>доступ ко множественным </a:t>
-            </a:r>
-          </a:p>
-          <a:p>
-            <a:pPr algn="ctr"/>
-            <a:r>
-              <a:rPr lang="ru-RU" sz="1600" dirty="0"/>
-              <a:t>приложениям </a:t>
-            </a:r>
-          </a:p>
-        </p:txBody>
-      </p:sp>
-      <p:sp>
-        <p:nvSpPr>
-          <p:cNvPr id="18" name="TextBox 17">
-            <a:extLst>
-              <a:ext uri="{FF2B5EF4-FFF2-40B4-BE49-F238E27FC236}">
-                <a16:creationId xmlns:a16="http://schemas.microsoft.com/office/drawing/2014/main" id="{7202E507-1D5D-4992-9E24-36D5FA821104}"/>
-              </a:ext>
-            </a:extLst>
-          </p:cNvPr>
-          <p:cNvSpPr txBox="1"/>
-          <p:nvPr/>
-        </p:nvSpPr>
-        <p:spPr>
-          <a:xfrm>
-            <a:off x="7591337" y="6042718"/>
-            <a:ext cx="2583810" cy="830997"/>
-          </a:xfrm>
-          <a:prstGeom prst="rect">
-            <a:avLst/>
-          </a:prstGeom>
-          <a:noFill/>
-        </p:spPr>
-        <p:txBody>
-          <a:bodyPr wrap="square" rtlCol="0">
-            <a:spAutoFit/>
-          </a:bodyPr>
-          <a:lstStyle/>
-          <a:p>
-            <a:pPr algn="ctr"/>
-            <a:r>
-              <a:rPr lang="ru-RU" sz="1600" dirty="0"/>
-              <a:t>встроенные модули для создания аналитики и отчётов </a:t>
-            </a:r>
-          </a:p>
-        </p:txBody>
-      </p:sp>
-      <p:sp>
-        <p:nvSpPr>
-          <p:cNvPr id="19" name="TextBox 18">
-            <a:extLst>
-              <a:ext uri="{FF2B5EF4-FFF2-40B4-BE49-F238E27FC236}">
-                <a16:creationId xmlns:a16="http://schemas.microsoft.com/office/drawing/2014/main" id="{02C41179-1131-4AB5-B5C4-B93DA6C3137F}"/>
-              </a:ext>
-            </a:extLst>
-          </p:cNvPr>
-          <p:cNvSpPr txBox="1"/>
-          <p:nvPr/>
-        </p:nvSpPr>
-        <p:spPr>
-          <a:xfrm>
-            <a:off x="329967" y="5995573"/>
-            <a:ext cx="2583810" cy="830997"/>
-          </a:xfrm>
-          <a:prstGeom prst="rect">
-            <a:avLst/>
-          </a:prstGeom>
-          <a:noFill/>
-        </p:spPr>
-        <p:txBody>
-          <a:bodyPr wrap="square" rtlCol="0">
-            <a:spAutoFit/>
-          </a:bodyPr>
-          <a:lstStyle/>
-          <a:p>
-            <a:pPr algn="ctr"/>
-            <a:r>
-              <a:rPr lang="ru-RU" sz="1600" dirty="0"/>
-              <a:t>удобный портал для создания заявок любого типа</a:t>
-            </a:r>
-          </a:p>
-        </p:txBody>
-      </p:sp>
-      <p:sp>
-        <p:nvSpPr>
-          <p:cNvPr id="20" name="TextBox 19">
-            <a:extLst>
-              <a:ext uri="{FF2B5EF4-FFF2-40B4-BE49-F238E27FC236}">
-                <a16:creationId xmlns:a16="http://schemas.microsoft.com/office/drawing/2014/main" id="{CC2C9C3F-4B51-4D27-92EB-07C837B9610E}"/>
-              </a:ext>
-            </a:extLst>
-          </p:cNvPr>
-          <p:cNvSpPr txBox="1"/>
-          <p:nvPr/>
-        </p:nvSpPr>
-        <p:spPr>
-          <a:xfrm>
-            <a:off x="5078135" y="5410798"/>
-            <a:ext cx="2583810" cy="584775"/>
-          </a:xfrm>
-          <a:prstGeom prst="rect">
-            <a:avLst/>
-          </a:prstGeom>
-          <a:noFill/>
-        </p:spPr>
-        <p:txBody>
-          <a:bodyPr wrap="square" rtlCol="0">
-            <a:spAutoFit/>
-          </a:bodyPr>
-          <a:lstStyle/>
-          <a:p>
-            <a:pPr algn="ctr"/>
-            <a:r>
-              <a:rPr lang="ru-RU" sz="1600" dirty="0"/>
-              <a:t>единая облачная система для хранения информации</a:t>
-            </a:r>
-          </a:p>
-        </p:txBody>
-      </p:sp>
     </p:spTree>
     <p:extLst>
       <p:ext uri="{BB962C8B-B14F-4D97-AF65-F5344CB8AC3E}">
-        <p14:creationId xmlns:p14="http://schemas.microsoft.com/office/powerpoint/2010/main" val="2706754465"/>
+        <p14:creationId xmlns:p14="http://schemas.microsoft.com/office/powerpoint/2010/main" val="401036260"/>
       </p:ext>
     </p:extLst>
   </p:cSld>
@@ -7811,10 +7937,10 @@
       </p:grpSpPr>
       <p:pic>
         <p:nvPicPr>
-          <p:cNvPr id="13" name="Рисунок 12">
-            <a:extLst>
-              <a:ext uri="{FF2B5EF4-FFF2-40B4-BE49-F238E27FC236}">
-                <a16:creationId xmlns:a16="http://schemas.microsoft.com/office/drawing/2014/main" id="{45C99F40-7143-4378-B069-68B922BAECF9}"/>
+          <p:cNvPr id="7" name="Рисунок 6" descr="Изображение выглядит как внутренний, карта, текст, мужчина&#10;&#10;Автоматически созданное описание">
+            <a:extLst>
+              <a:ext uri="{FF2B5EF4-FFF2-40B4-BE49-F238E27FC236}">
+                <a16:creationId xmlns:a16="http://schemas.microsoft.com/office/drawing/2014/main" id="{BDE07115-6FDC-49A2-B92D-29866FB0055B}"/>
               </a:ext>
             </a:extLst>
           </p:cNvPr>
@@ -7837,8 +7963,8 @@
         </p:blipFill>
         <p:spPr>
           <a:xfrm>
-            <a:off x="1" y="1258812"/>
-            <a:ext cx="12192000" cy="5013799"/>
+            <a:off x="0" y="0"/>
+            <a:ext cx="12192000" cy="6858000"/>
           </a:xfrm>
           <a:prstGeom prst="rect">
             <a:avLst/>
@@ -7847,10 +7973,10 @@
       </p:pic>
       <p:sp>
         <p:nvSpPr>
-          <p:cNvPr id="15" name="Прямоугольник 14">
-            <a:extLst>
-              <a:ext uri="{FF2B5EF4-FFF2-40B4-BE49-F238E27FC236}">
-                <a16:creationId xmlns:a16="http://schemas.microsoft.com/office/drawing/2014/main" id="{0E3A7A0A-838E-4129-B606-B084B4744157}"/>
+          <p:cNvPr id="9" name="Прямоугольник 8">
+            <a:extLst>
+              <a:ext uri="{FF2B5EF4-FFF2-40B4-BE49-F238E27FC236}">
+                <a16:creationId xmlns:a16="http://schemas.microsoft.com/office/drawing/2014/main" id="{60491B20-AECF-4E05-B1E5-F1A708F35178}"/>
               </a:ext>
             </a:extLst>
           </p:cNvPr>
@@ -7859,17 +7985,15 @@
         </p:nvSpPr>
         <p:spPr>
           <a:xfrm>
-            <a:off x="0" y="0"/>
-            <a:ext cx="6649129" cy="1015663"/>
+            <a:off x="7277" y="0"/>
+            <a:ext cx="3973011" cy="1015663"/>
           </a:xfrm>
           <a:prstGeom prst="rect">
             <a:avLst/>
           </a:prstGeom>
           <a:noFill/>
           <a:ln>
-            <a:solidFill>
-              <a:schemeClr val="bg1"/>
-            </a:solidFill>
+            <a:noFill/>
           </a:ln>
         </p:spPr>
         <p:txBody>
@@ -7879,19 +8003,6 @@
           <a:lstStyle/>
           <a:p>
             <a:pPr algn="ctr"/>
-            <a:r>
-              <a:rPr lang="ru-RU" sz="6000" dirty="0">
-                <a:ln w="0"/>
-                <a:effectLst>
-                  <a:outerShdw blurRad="38100" dist="19050" dir="2700000" algn="tl" rotWithShape="0">
-                    <a:schemeClr val="dk1">
-                      <a:alpha val="40000"/>
-                    </a:schemeClr>
-                  </a:outerShdw>
-                </a:effectLst>
-              </a:rPr>
-              <a:t>Модули </a:t>
-            </a:r>
             <a:r>
               <a:rPr lang="en-US" sz="6000" dirty="0">
                 <a:ln w="0"/>
@@ -7922,10 +8033,10 @@
       </p:sp>
       <p:sp>
         <p:nvSpPr>
-          <p:cNvPr id="18" name="Номер слайда 17">
-            <a:extLst>
-              <a:ext uri="{FF2B5EF4-FFF2-40B4-BE49-F238E27FC236}">
-                <a16:creationId xmlns:a16="http://schemas.microsoft.com/office/drawing/2014/main" id="{67715D14-CB16-40E8-973F-95AAB45E31D4}"/>
+          <p:cNvPr id="10" name="Номер слайда 9">
+            <a:extLst>
+              <a:ext uri="{FF2B5EF4-FFF2-40B4-BE49-F238E27FC236}">
+                <a16:creationId xmlns:a16="http://schemas.microsoft.com/office/drawing/2014/main" id="{248CB372-FCF4-4EF4-A337-BACACA2400FE}"/>
               </a:ext>
             </a:extLst>
           </p:cNvPr>
@@ -7999,59 +8110,48 @@
           </a:p>
         </p:txBody>
       </p:sp>
-      <p:pic>
-        <p:nvPicPr>
-          <p:cNvPr id="2050" name="Picture 2" descr="Script Svg Png Icon Free Download (#474065) - OnlineWebFonts.COM">
-            <a:extLst>
-              <a:ext uri="{FF2B5EF4-FFF2-40B4-BE49-F238E27FC236}">
-                <a16:creationId xmlns:a16="http://schemas.microsoft.com/office/drawing/2014/main" id="{F0829B4D-62FA-40F0-B612-FD6D18BF3D70}"/>
-              </a:ext>
-            </a:extLst>
-          </p:cNvPr>
-          <p:cNvPicPr>
-            <a:picLocks noChangeAspect="1" noChangeArrowheads="1"/>
-          </p:cNvPicPr>
+      <p:sp>
+        <p:nvSpPr>
+          <p:cNvPr id="12" name="TextBox 11">
+            <a:extLst>
+              <a:ext uri="{FF2B5EF4-FFF2-40B4-BE49-F238E27FC236}">
+                <a16:creationId xmlns:a16="http://schemas.microsoft.com/office/drawing/2014/main" id="{ED3BD49A-BC75-48AC-9682-D1588456247C}"/>
+              </a:ext>
+            </a:extLst>
+          </p:cNvPr>
+          <p:cNvSpPr txBox="1"/>
           <p:nvPr/>
-        </p:nvPicPr>
-        <p:blipFill>
-          <a:blip r:embed="rId3">
-            <a:extLst>
-              <a:ext uri="{28A0092B-C50C-407E-A947-70E740481C1C}">
-                <a14:useLocalDpi xmlns:a14="http://schemas.microsoft.com/office/drawing/2010/main" val="0"/>
-              </a:ext>
-            </a:extLst>
-          </a:blip>
-          <a:srcRect/>
-          <a:stretch>
-            <a:fillRect/>
-          </a:stretch>
-        </p:blipFill>
-        <p:spPr bwMode="auto">
-          <a:xfrm>
-            <a:off x="2634520" y="1522226"/>
-            <a:ext cx="1820033" cy="1651101"/>
+        </p:nvSpPr>
+        <p:spPr>
+          <a:xfrm>
+            <a:off x="855677" y="3105834"/>
+            <a:ext cx="2583810" cy="584775"/>
           </a:xfrm>
           <a:prstGeom prst="rect">
             <a:avLst/>
           </a:prstGeom>
           <a:noFill/>
-          <a:extLst>
-            <a:ext uri="{909E8E84-426E-40DD-AFC4-6F175D3DCCD1}">
-              <a14:hiddenFill xmlns:a14="http://schemas.microsoft.com/office/drawing/2010/main">
-                <a:solidFill>
-                  <a:srgbClr val="FFFFFF"/>
-                </a:solidFill>
-              </a14:hiddenFill>
-            </a:ext>
-          </a:extLst>
-        </p:spPr>
-      </p:pic>
-      <p:sp>
-        <p:nvSpPr>
-          <p:cNvPr id="23" name="TextBox 22">
-            <a:extLst>
-              <a:ext uri="{FF2B5EF4-FFF2-40B4-BE49-F238E27FC236}">
-                <a16:creationId xmlns:a16="http://schemas.microsoft.com/office/drawing/2014/main" id="{FAC5FE1D-D8DB-4DF3-9427-8EAEA4BD0F67}"/>
+        </p:spPr>
+        <p:txBody>
+          <a:bodyPr wrap="square" rtlCol="0">
+            <a:spAutoFit/>
+          </a:bodyPr>
+          <a:lstStyle/>
+          <a:p>
+            <a:pPr algn="ctr"/>
+            <a:r>
+              <a:rPr lang="ru-RU" sz="1600" dirty="0"/>
+              <a:t>управление инцидентами, проблемами и заменами</a:t>
+            </a:r>
+          </a:p>
+        </p:txBody>
+      </p:sp>
+      <p:sp>
+        <p:nvSpPr>
+          <p:cNvPr id="15" name="TextBox 14">
+            <a:extLst>
+              <a:ext uri="{FF2B5EF4-FFF2-40B4-BE49-F238E27FC236}">
+                <a16:creationId xmlns:a16="http://schemas.microsoft.com/office/drawing/2014/main" id="{83E9F968-1F58-4B1D-AF93-97CC18CB748D}"/>
               </a:ext>
             </a:extLst>
           </p:cNvPr>
@@ -8060,8 +8160,8 @@
         </p:nvSpPr>
         <p:spPr>
           <a:xfrm>
-            <a:off x="10700416" y="3187817"/>
-            <a:ext cx="1306768" cy="646331"/>
+            <a:off x="6989427" y="2201221"/>
+            <a:ext cx="2583810" cy="584775"/>
           </a:xfrm>
           <a:prstGeom prst="rect">
             <a:avLst/>
@@ -8069,32 +8169,25 @@
           <a:noFill/>
         </p:spPr>
         <p:txBody>
-          <a:bodyPr wrap="none" rtlCol="0">
+          <a:bodyPr wrap="square" rtlCol="0">
             <a:spAutoFit/>
           </a:bodyPr>
           <a:lstStyle/>
           <a:p>
             <a:pPr algn="ctr"/>
             <a:r>
-              <a:rPr lang="ru-RU" b="1" dirty="0"/>
-              <a:t>Серверная </a:t>
-            </a:r>
-          </a:p>
-          <a:p>
-            <a:pPr algn="ctr"/>
-            <a:r>
-              <a:rPr lang="ru-RU" b="1" dirty="0"/>
-              <a:t>сторона</a:t>
-            </a:r>
-          </a:p>
-        </p:txBody>
-      </p:sp>
-      <p:sp>
-        <p:nvSpPr>
-          <p:cNvPr id="26" name="TextBox 25">
-            <a:extLst>
-              <a:ext uri="{FF2B5EF4-FFF2-40B4-BE49-F238E27FC236}">
-                <a16:creationId xmlns:a16="http://schemas.microsoft.com/office/drawing/2014/main" id="{F38C1FB0-B097-4B7D-B25B-EAC8B8BE4698}"/>
+              <a:rPr lang="ru-RU" sz="1600" dirty="0"/>
+              <a:t>работа с визуальной доской задач</a:t>
+            </a:r>
+          </a:p>
+        </p:txBody>
+      </p:sp>
+      <p:sp>
+        <p:nvSpPr>
+          <p:cNvPr id="17" name="TextBox 16">
+            <a:extLst>
+              <a:ext uri="{FF2B5EF4-FFF2-40B4-BE49-F238E27FC236}">
+                <a16:creationId xmlns:a16="http://schemas.microsoft.com/office/drawing/2014/main" id="{9F5A5683-C7F3-472D-89CF-8843889C9739}"/>
               </a:ext>
             </a:extLst>
           </p:cNvPr>
@@ -8103,8 +8196,8 @@
         </p:nvSpPr>
         <p:spPr>
           <a:xfrm>
-            <a:off x="168586" y="5521354"/>
-            <a:ext cx="1383969" cy="646331"/>
+            <a:off x="9608190" y="3880417"/>
+            <a:ext cx="2583810" cy="584775"/>
           </a:xfrm>
           <a:prstGeom prst="rect">
             <a:avLst/>
@@ -8112,32 +8205,32 @@
           <a:noFill/>
         </p:spPr>
         <p:txBody>
-          <a:bodyPr wrap="none" rtlCol="0">
+          <a:bodyPr wrap="square" rtlCol="0">
             <a:spAutoFit/>
           </a:bodyPr>
           <a:lstStyle/>
           <a:p>
             <a:pPr algn="ctr"/>
             <a:r>
-              <a:rPr lang="ru-RU" b="1" dirty="0"/>
-              <a:t>Клиентская </a:t>
+              <a:rPr lang="ru-RU" sz="1600" dirty="0"/>
+              <a:t>доступ ко множественным </a:t>
             </a:r>
           </a:p>
           <a:p>
             <a:pPr algn="ctr"/>
             <a:r>
-              <a:rPr lang="ru-RU" b="1" dirty="0"/>
-              <a:t>сторона</a:t>
-            </a:r>
-          </a:p>
-        </p:txBody>
-      </p:sp>
-      <p:sp>
-        <p:nvSpPr>
-          <p:cNvPr id="27" name="TextBox 26">
-            <a:extLst>
-              <a:ext uri="{FF2B5EF4-FFF2-40B4-BE49-F238E27FC236}">
-                <a16:creationId xmlns:a16="http://schemas.microsoft.com/office/drawing/2014/main" id="{3BF04753-2391-4681-9CC0-6556C55C075F}"/>
+              <a:rPr lang="ru-RU" sz="1600" dirty="0"/>
+              <a:t>приложениям </a:t>
+            </a:r>
+          </a:p>
+        </p:txBody>
+      </p:sp>
+      <p:sp>
+        <p:nvSpPr>
+          <p:cNvPr id="18" name="TextBox 17">
+            <a:extLst>
+              <a:ext uri="{FF2B5EF4-FFF2-40B4-BE49-F238E27FC236}">
+                <a16:creationId xmlns:a16="http://schemas.microsoft.com/office/drawing/2014/main" id="{7202E507-1D5D-4992-9E24-36D5FA821104}"/>
               </a:ext>
             </a:extLst>
           </p:cNvPr>
@@ -8146,8 +8239,8 @@
         </p:nvSpPr>
         <p:spPr>
           <a:xfrm>
-            <a:off x="3050757" y="1873321"/>
-            <a:ext cx="1059906" cy="646331"/>
+            <a:off x="7591337" y="6042718"/>
+            <a:ext cx="2583810" cy="830997"/>
           </a:xfrm>
           <a:prstGeom prst="rect">
             <a:avLst/>
@@ -8155,577 +8248,95 @@
           <a:noFill/>
         </p:spPr>
         <p:txBody>
-          <a:bodyPr wrap="none" rtlCol="0">
+          <a:bodyPr wrap="square" rtlCol="0">
             <a:spAutoFit/>
           </a:bodyPr>
           <a:lstStyle/>
           <a:p>
             <a:pPr algn="ctr"/>
             <a:r>
-              <a:rPr lang="en-US" b="1" dirty="0"/>
-              <a:t>Business </a:t>
-            </a:r>
-          </a:p>
-          <a:p>
-            <a:pPr algn="ctr"/>
-            <a:r>
-              <a:rPr lang="en-US" b="1" dirty="0"/>
-              <a:t>Rules</a:t>
-            </a:r>
-            <a:endParaRPr lang="ru-RU" b="1" dirty="0"/>
-          </a:p>
-        </p:txBody>
-      </p:sp>
-      <p:pic>
-        <p:nvPicPr>
-          <p:cNvPr id="28" name="Picture 2" descr="Script Svg Png Icon Free Download (#474065) - OnlineWebFonts.COM">
-            <a:extLst>
-              <a:ext uri="{FF2B5EF4-FFF2-40B4-BE49-F238E27FC236}">
-                <a16:creationId xmlns:a16="http://schemas.microsoft.com/office/drawing/2014/main" id="{F07E91CE-D4DB-417E-82AA-2859018F0731}"/>
-              </a:ext>
-            </a:extLst>
-          </p:cNvPr>
-          <p:cNvPicPr>
-            <a:picLocks noChangeAspect="1" noChangeArrowheads="1"/>
-          </p:cNvPicPr>
+              <a:rPr lang="ru-RU" sz="1600" dirty="0"/>
+              <a:t>встроенные модули для создания аналитики и отчётов </a:t>
+            </a:r>
+          </a:p>
+        </p:txBody>
+      </p:sp>
+      <p:sp>
+        <p:nvSpPr>
+          <p:cNvPr id="19" name="TextBox 18">
+            <a:extLst>
+              <a:ext uri="{FF2B5EF4-FFF2-40B4-BE49-F238E27FC236}">
+                <a16:creationId xmlns:a16="http://schemas.microsoft.com/office/drawing/2014/main" id="{02C41179-1131-4AB5-B5C4-B93DA6C3137F}"/>
+              </a:ext>
+            </a:extLst>
+          </p:cNvPr>
+          <p:cNvSpPr txBox="1"/>
           <p:nvPr/>
-        </p:nvPicPr>
-        <p:blipFill>
-          <a:blip r:embed="rId3">
-            <a:extLst>
-              <a:ext uri="{28A0092B-C50C-407E-A947-70E740481C1C}">
-                <a14:useLocalDpi xmlns:a14="http://schemas.microsoft.com/office/drawing/2010/main" val="0"/>
-              </a:ext>
-            </a:extLst>
-          </a:blip>
-          <a:srcRect/>
-          <a:stretch>
-            <a:fillRect/>
-          </a:stretch>
-        </p:blipFill>
-        <p:spPr bwMode="auto">
-          <a:xfrm>
-            <a:off x="5069914" y="1522224"/>
-            <a:ext cx="1820033" cy="1651101"/>
+        </p:nvSpPr>
+        <p:spPr>
+          <a:xfrm>
+            <a:off x="329967" y="5995573"/>
+            <a:ext cx="2583810" cy="830997"/>
           </a:xfrm>
           <a:prstGeom prst="rect">
             <a:avLst/>
           </a:prstGeom>
           <a:noFill/>
-          <a:extLst>
-            <a:ext uri="{909E8E84-426E-40DD-AFC4-6F175D3DCCD1}">
-              <a14:hiddenFill xmlns:a14="http://schemas.microsoft.com/office/drawing/2010/main">
-                <a:solidFill>
-                  <a:srgbClr val="FFFFFF"/>
-                </a:solidFill>
-              </a14:hiddenFill>
-            </a:ext>
-          </a:extLst>
-        </p:spPr>
-      </p:pic>
-      <p:pic>
-        <p:nvPicPr>
-          <p:cNvPr id="29" name="Picture 2" descr="Script Svg Png Icon Free Download (#474065) - OnlineWebFonts.COM">
-            <a:extLst>
-              <a:ext uri="{FF2B5EF4-FFF2-40B4-BE49-F238E27FC236}">
-                <a16:creationId xmlns:a16="http://schemas.microsoft.com/office/drawing/2014/main" id="{78B812C7-9777-4F43-B377-0458F3D9D935}"/>
-              </a:ext>
-            </a:extLst>
-          </p:cNvPr>
-          <p:cNvPicPr>
-            <a:picLocks noChangeAspect="1" noChangeArrowheads="1"/>
-          </p:cNvPicPr>
+        </p:spPr>
+        <p:txBody>
+          <a:bodyPr wrap="square" rtlCol="0">
+            <a:spAutoFit/>
+          </a:bodyPr>
+          <a:lstStyle/>
+          <a:p>
+            <a:pPr algn="ctr"/>
+            <a:r>
+              <a:rPr lang="ru-RU" sz="1600" dirty="0"/>
+              <a:t>удобный портал для создания заявок любого типа</a:t>
+            </a:r>
+          </a:p>
+        </p:txBody>
+      </p:sp>
+      <p:sp>
+        <p:nvSpPr>
+          <p:cNvPr id="20" name="TextBox 19">
+            <a:extLst>
+              <a:ext uri="{FF2B5EF4-FFF2-40B4-BE49-F238E27FC236}">
+                <a16:creationId xmlns:a16="http://schemas.microsoft.com/office/drawing/2014/main" id="{CC2C9C3F-4B51-4D27-92EB-07C837B9610E}"/>
+              </a:ext>
+            </a:extLst>
+          </p:cNvPr>
+          <p:cNvSpPr txBox="1"/>
           <p:nvPr/>
-        </p:nvPicPr>
-        <p:blipFill>
-          <a:blip r:embed="rId3">
-            <a:extLst>
-              <a:ext uri="{28A0092B-C50C-407E-A947-70E740481C1C}">
-                <a14:useLocalDpi xmlns:a14="http://schemas.microsoft.com/office/drawing/2010/main" val="0"/>
-              </a:ext>
-            </a:extLst>
-          </a:blip>
-          <a:srcRect/>
-          <a:stretch>
-            <a:fillRect/>
-          </a:stretch>
-        </p:blipFill>
-        <p:spPr bwMode="auto">
-          <a:xfrm>
-            <a:off x="7505309" y="1522225"/>
-            <a:ext cx="1820033" cy="1651101"/>
+        </p:nvSpPr>
+        <p:spPr>
+          <a:xfrm>
+            <a:off x="5078135" y="5410798"/>
+            <a:ext cx="2583810" cy="584775"/>
           </a:xfrm>
           <a:prstGeom prst="rect">
             <a:avLst/>
           </a:prstGeom>
           <a:noFill/>
-          <a:extLst>
-            <a:ext uri="{909E8E84-426E-40DD-AFC4-6F175D3DCCD1}">
-              <a14:hiddenFill xmlns:a14="http://schemas.microsoft.com/office/drawing/2010/main">
-                <a:solidFill>
-                  <a:srgbClr val="FFFFFF"/>
-                </a:solidFill>
-              </a14:hiddenFill>
-            </a:ext>
-          </a:extLst>
-        </p:spPr>
-      </p:pic>
-      <p:sp>
-        <p:nvSpPr>
-          <p:cNvPr id="30" name="TextBox 29">
-            <a:extLst>
-              <a:ext uri="{FF2B5EF4-FFF2-40B4-BE49-F238E27FC236}">
-                <a16:creationId xmlns:a16="http://schemas.microsoft.com/office/drawing/2014/main" id="{A81FD80E-9741-40FD-B335-56A5D11452B8}"/>
-              </a:ext>
-            </a:extLst>
-          </p:cNvPr>
-          <p:cNvSpPr txBox="1"/>
-          <p:nvPr/>
-        </p:nvSpPr>
-        <p:spPr>
-          <a:xfrm>
-            <a:off x="5492460" y="1873321"/>
-            <a:ext cx="974947" cy="646331"/>
-          </a:xfrm>
-          <a:prstGeom prst="rect">
-            <a:avLst/>
-          </a:prstGeom>
-          <a:noFill/>
-        </p:spPr>
-        <p:txBody>
-          <a:bodyPr wrap="none" rtlCol="0">
+        </p:spPr>
+        <p:txBody>
+          <a:bodyPr wrap="square" rtlCol="0">
             <a:spAutoFit/>
           </a:bodyPr>
           <a:lstStyle/>
           <a:p>
             <a:pPr algn="ctr"/>
             <a:r>
-              <a:rPr lang="en-US" b="1" dirty="0"/>
-              <a:t>Script</a:t>
-            </a:r>
-          </a:p>
-          <a:p>
-            <a:pPr algn="ctr"/>
-            <a:r>
-              <a:rPr lang="en-US" b="1" dirty="0"/>
-              <a:t>Includes</a:t>
-            </a:r>
-            <a:endParaRPr lang="ru-RU" b="1" dirty="0"/>
-          </a:p>
-        </p:txBody>
-      </p:sp>
-      <p:sp>
-        <p:nvSpPr>
-          <p:cNvPr id="31" name="TextBox 30">
-            <a:extLst>
-              <a:ext uri="{FF2B5EF4-FFF2-40B4-BE49-F238E27FC236}">
-                <a16:creationId xmlns:a16="http://schemas.microsoft.com/office/drawing/2014/main" id="{9C53CCA0-EF58-4A63-8F7F-519D115A4DCB}"/>
-              </a:ext>
-            </a:extLst>
-          </p:cNvPr>
-          <p:cNvSpPr txBox="1"/>
-          <p:nvPr/>
-        </p:nvSpPr>
-        <p:spPr>
-          <a:xfrm>
-            <a:off x="8092801" y="1873320"/>
-            <a:ext cx="645048" cy="646331"/>
-          </a:xfrm>
-          <a:prstGeom prst="rect">
-            <a:avLst/>
-          </a:prstGeom>
-          <a:noFill/>
-        </p:spPr>
-        <p:txBody>
-          <a:bodyPr wrap="none" rtlCol="0">
-            <a:spAutoFit/>
-          </a:bodyPr>
-          <a:lstStyle/>
-          <a:p>
-            <a:pPr algn="ctr"/>
-            <a:r>
-              <a:rPr lang="en-US" b="1" dirty="0"/>
-              <a:t>REST</a:t>
-            </a:r>
-          </a:p>
-          <a:p>
-            <a:pPr algn="ctr"/>
-            <a:r>
-              <a:rPr lang="en-US" b="1" dirty="0"/>
-              <a:t>API</a:t>
-            </a:r>
-            <a:endParaRPr lang="ru-RU" b="1" dirty="0"/>
-          </a:p>
-        </p:txBody>
-      </p:sp>
-      <p:pic>
-        <p:nvPicPr>
-          <p:cNvPr id="32" name="Picture 2" descr="Script Svg Png Icon Free Download (#474065) - OnlineWebFonts.COM">
-            <a:extLst>
-              <a:ext uri="{FF2B5EF4-FFF2-40B4-BE49-F238E27FC236}">
-                <a16:creationId xmlns:a16="http://schemas.microsoft.com/office/drawing/2014/main" id="{E2AB9661-8387-4DD9-8CD9-907D638C1625}"/>
-              </a:ext>
-            </a:extLst>
-          </p:cNvPr>
-          <p:cNvPicPr>
-            <a:picLocks noChangeAspect="1" noChangeArrowheads="1"/>
-          </p:cNvPicPr>
-          <p:nvPr/>
-        </p:nvPicPr>
-        <p:blipFill>
-          <a:blip r:embed="rId3">
-            <a:extLst>
-              <a:ext uri="{28A0092B-C50C-407E-A947-70E740481C1C}">
-                <a14:useLocalDpi xmlns:a14="http://schemas.microsoft.com/office/drawing/2010/main" val="0"/>
-              </a:ext>
-            </a:extLst>
-          </a:blip>
-          <a:srcRect/>
-          <a:stretch>
-            <a:fillRect/>
-          </a:stretch>
-        </p:blipFill>
-        <p:spPr bwMode="auto">
-          <a:xfrm>
-            <a:off x="2634519" y="4193418"/>
-            <a:ext cx="1820033" cy="1651101"/>
-          </a:xfrm>
-          <a:prstGeom prst="rect">
-            <a:avLst/>
-          </a:prstGeom>
-          <a:noFill/>
-          <a:extLst>
-            <a:ext uri="{909E8E84-426E-40DD-AFC4-6F175D3DCCD1}">
-              <a14:hiddenFill xmlns:a14="http://schemas.microsoft.com/office/drawing/2010/main">
-                <a:solidFill>
-                  <a:srgbClr val="FFFFFF"/>
-                </a:solidFill>
-              </a14:hiddenFill>
-            </a:ext>
-          </a:extLst>
-        </p:spPr>
-      </p:pic>
-      <p:sp>
-        <p:nvSpPr>
-          <p:cNvPr id="33" name="TextBox 32">
-            <a:extLst>
-              <a:ext uri="{FF2B5EF4-FFF2-40B4-BE49-F238E27FC236}">
-                <a16:creationId xmlns:a16="http://schemas.microsoft.com/office/drawing/2014/main" id="{25BB8CC1-6863-4DED-8E69-A3C47557496A}"/>
-              </a:ext>
-            </a:extLst>
-          </p:cNvPr>
-          <p:cNvSpPr txBox="1"/>
-          <p:nvPr/>
-        </p:nvSpPr>
-        <p:spPr>
-          <a:xfrm>
-            <a:off x="3169829" y="4592752"/>
-            <a:ext cx="821763" cy="646331"/>
-          </a:xfrm>
-          <a:prstGeom prst="rect">
-            <a:avLst/>
-          </a:prstGeom>
-          <a:noFill/>
-        </p:spPr>
-        <p:txBody>
-          <a:bodyPr wrap="none" rtlCol="0">
-            <a:spAutoFit/>
-          </a:bodyPr>
-          <a:lstStyle/>
-          <a:p>
-            <a:pPr algn="ctr"/>
-            <a:r>
-              <a:rPr lang="en-US" b="1" dirty="0"/>
-              <a:t>Client</a:t>
-            </a:r>
-          </a:p>
-          <a:p>
-            <a:pPr algn="ctr"/>
-            <a:r>
-              <a:rPr lang="en-US" b="1" dirty="0"/>
-              <a:t>Scripts</a:t>
-            </a:r>
-            <a:endParaRPr lang="ru-RU" b="1" dirty="0"/>
-          </a:p>
-        </p:txBody>
-      </p:sp>
-      <p:pic>
-        <p:nvPicPr>
-          <p:cNvPr id="34" name="Picture 2" descr="Script Svg Png Icon Free Download (#474065) - OnlineWebFonts.COM">
-            <a:extLst>
-              <a:ext uri="{FF2B5EF4-FFF2-40B4-BE49-F238E27FC236}">
-                <a16:creationId xmlns:a16="http://schemas.microsoft.com/office/drawing/2014/main" id="{A4AB94ED-E410-4907-AA2C-A6F80855A63F}"/>
-              </a:ext>
-            </a:extLst>
-          </p:cNvPr>
-          <p:cNvPicPr>
-            <a:picLocks noChangeAspect="1" noChangeArrowheads="1"/>
-          </p:cNvPicPr>
-          <p:nvPr/>
-        </p:nvPicPr>
-        <p:blipFill>
-          <a:blip r:embed="rId3">
-            <a:extLst>
-              <a:ext uri="{28A0092B-C50C-407E-A947-70E740481C1C}">
-                <a14:useLocalDpi xmlns:a14="http://schemas.microsoft.com/office/drawing/2010/main" val="0"/>
-              </a:ext>
-            </a:extLst>
-          </a:blip>
-          <a:srcRect/>
-          <a:stretch>
-            <a:fillRect/>
-          </a:stretch>
-        </p:blipFill>
-        <p:spPr bwMode="auto">
-          <a:xfrm>
-            <a:off x="4320251" y="4193418"/>
-            <a:ext cx="1820033" cy="1651101"/>
-          </a:xfrm>
-          <a:prstGeom prst="rect">
-            <a:avLst/>
-          </a:prstGeom>
-          <a:noFill/>
-          <a:extLst>
-            <a:ext uri="{909E8E84-426E-40DD-AFC4-6F175D3DCCD1}">
-              <a14:hiddenFill xmlns:a14="http://schemas.microsoft.com/office/drawing/2010/main">
-                <a:solidFill>
-                  <a:srgbClr val="FFFFFF"/>
-                </a:solidFill>
-              </a14:hiddenFill>
-            </a:ext>
-          </a:extLst>
-        </p:spPr>
-      </p:pic>
-      <p:pic>
-        <p:nvPicPr>
-          <p:cNvPr id="35" name="Picture 2" descr="Script Svg Png Icon Free Download (#474065) - OnlineWebFonts.COM">
-            <a:extLst>
-              <a:ext uri="{FF2B5EF4-FFF2-40B4-BE49-F238E27FC236}">
-                <a16:creationId xmlns:a16="http://schemas.microsoft.com/office/drawing/2014/main" id="{55E301A7-D912-493A-AB89-F11F27236D6E}"/>
-              </a:ext>
-            </a:extLst>
-          </p:cNvPr>
-          <p:cNvPicPr>
-            <a:picLocks noChangeAspect="1" noChangeArrowheads="1"/>
-          </p:cNvPicPr>
-          <p:nvPr/>
-        </p:nvPicPr>
-        <p:blipFill>
-          <a:blip r:embed="rId3">
-            <a:extLst>
-              <a:ext uri="{28A0092B-C50C-407E-A947-70E740481C1C}">
-                <a14:useLocalDpi xmlns:a14="http://schemas.microsoft.com/office/drawing/2010/main" val="0"/>
-              </a:ext>
-            </a:extLst>
-          </a:blip>
-          <a:srcRect/>
-          <a:stretch>
-            <a:fillRect/>
-          </a:stretch>
-        </p:blipFill>
-        <p:spPr bwMode="auto">
-          <a:xfrm>
-            <a:off x="5954407" y="4193418"/>
-            <a:ext cx="1820033" cy="1651101"/>
-          </a:xfrm>
-          <a:prstGeom prst="rect">
-            <a:avLst/>
-          </a:prstGeom>
-          <a:noFill/>
-          <a:extLst>
-            <a:ext uri="{909E8E84-426E-40DD-AFC4-6F175D3DCCD1}">
-              <a14:hiddenFill xmlns:a14="http://schemas.microsoft.com/office/drawing/2010/main">
-                <a:solidFill>
-                  <a:srgbClr val="FFFFFF"/>
-                </a:solidFill>
-              </a14:hiddenFill>
-            </a:ext>
-          </a:extLst>
-        </p:spPr>
-      </p:pic>
-      <p:pic>
-        <p:nvPicPr>
-          <p:cNvPr id="36" name="Picture 2" descr="Script Svg Png Icon Free Download (#474065) - OnlineWebFonts.COM">
-            <a:extLst>
-              <a:ext uri="{FF2B5EF4-FFF2-40B4-BE49-F238E27FC236}">
-                <a16:creationId xmlns:a16="http://schemas.microsoft.com/office/drawing/2014/main" id="{5534E4D6-364D-4A6E-88C4-B1111CDA5FDE}"/>
-              </a:ext>
-            </a:extLst>
-          </p:cNvPr>
-          <p:cNvPicPr>
-            <a:picLocks noChangeAspect="1" noChangeArrowheads="1"/>
-          </p:cNvPicPr>
-          <p:nvPr/>
-        </p:nvPicPr>
-        <p:blipFill>
-          <a:blip r:embed="rId3">
-            <a:extLst>
-              <a:ext uri="{28A0092B-C50C-407E-A947-70E740481C1C}">
-                <a14:useLocalDpi xmlns:a14="http://schemas.microsoft.com/office/drawing/2010/main" val="0"/>
-              </a:ext>
-            </a:extLst>
-          </a:blip>
-          <a:srcRect/>
-          <a:stretch>
-            <a:fillRect/>
-          </a:stretch>
-        </p:blipFill>
-        <p:spPr bwMode="auto">
-          <a:xfrm>
-            <a:off x="7640139" y="4193418"/>
-            <a:ext cx="1820033" cy="1651101"/>
-          </a:xfrm>
-          <a:prstGeom prst="rect">
-            <a:avLst/>
-          </a:prstGeom>
-          <a:noFill/>
-          <a:extLst>
-            <a:ext uri="{909E8E84-426E-40DD-AFC4-6F175D3DCCD1}">
-              <a14:hiddenFill xmlns:a14="http://schemas.microsoft.com/office/drawing/2010/main">
-                <a:solidFill>
-                  <a:srgbClr val="FFFFFF"/>
-                </a:solidFill>
-              </a14:hiddenFill>
-            </a:ext>
-          </a:extLst>
-        </p:spPr>
-      </p:pic>
-      <p:sp>
-        <p:nvSpPr>
-          <p:cNvPr id="38" name="TextBox 37">
-            <a:extLst>
-              <a:ext uri="{FF2B5EF4-FFF2-40B4-BE49-F238E27FC236}">
-                <a16:creationId xmlns:a16="http://schemas.microsoft.com/office/drawing/2014/main" id="{AEE48FD2-926B-43A0-B35E-93960C12EEBC}"/>
-              </a:ext>
-            </a:extLst>
-          </p:cNvPr>
-          <p:cNvSpPr txBox="1"/>
-          <p:nvPr/>
-        </p:nvSpPr>
-        <p:spPr>
-          <a:xfrm>
-            <a:off x="4888708" y="4592752"/>
-            <a:ext cx="730392" cy="646331"/>
-          </a:xfrm>
-          <a:prstGeom prst="rect">
-            <a:avLst/>
-          </a:prstGeom>
-          <a:noFill/>
-        </p:spPr>
-        <p:txBody>
-          <a:bodyPr wrap="none" rtlCol="0">
-            <a:spAutoFit/>
-          </a:bodyPr>
-          <a:lstStyle/>
-          <a:p>
-            <a:pPr algn="ctr"/>
-            <a:r>
-              <a:rPr lang="en-US" b="1" dirty="0"/>
-              <a:t>UI</a:t>
-            </a:r>
-          </a:p>
-          <a:p>
-            <a:pPr algn="ctr"/>
-            <a:r>
-              <a:rPr lang="en-US" b="1" dirty="0"/>
-              <a:t>Script</a:t>
-            </a:r>
-            <a:endParaRPr lang="ru-RU" b="1" dirty="0"/>
-          </a:p>
-        </p:txBody>
-      </p:sp>
-      <p:sp>
-        <p:nvSpPr>
-          <p:cNvPr id="39" name="TextBox 38">
-            <a:extLst>
-              <a:ext uri="{FF2B5EF4-FFF2-40B4-BE49-F238E27FC236}">
-                <a16:creationId xmlns:a16="http://schemas.microsoft.com/office/drawing/2014/main" id="{5F669BDD-37F7-4748-B77A-941C516D261A}"/>
-              </a:ext>
-            </a:extLst>
-          </p:cNvPr>
-          <p:cNvSpPr txBox="1"/>
-          <p:nvPr/>
-        </p:nvSpPr>
-        <p:spPr>
-          <a:xfrm>
-            <a:off x="6499067" y="4592752"/>
-            <a:ext cx="730713" cy="646331"/>
-          </a:xfrm>
-          <a:prstGeom prst="rect">
-            <a:avLst/>
-          </a:prstGeom>
-          <a:noFill/>
-        </p:spPr>
-        <p:txBody>
-          <a:bodyPr wrap="none" rtlCol="0">
-            <a:spAutoFit/>
-          </a:bodyPr>
-          <a:lstStyle/>
-          <a:p>
-            <a:pPr algn="ctr"/>
-            <a:r>
-              <a:rPr lang="en-US" b="1" dirty="0"/>
-              <a:t>UI</a:t>
-            </a:r>
-          </a:p>
-          <a:p>
-            <a:pPr algn="ctr"/>
-            <a:r>
-              <a:rPr lang="en-US" b="1" dirty="0"/>
-              <a:t>Pages</a:t>
-            </a:r>
-            <a:endParaRPr lang="ru-RU" b="1" dirty="0"/>
-          </a:p>
-        </p:txBody>
-      </p:sp>
-      <p:sp>
-        <p:nvSpPr>
-          <p:cNvPr id="40" name="TextBox 39">
-            <a:extLst>
-              <a:ext uri="{FF2B5EF4-FFF2-40B4-BE49-F238E27FC236}">
-                <a16:creationId xmlns:a16="http://schemas.microsoft.com/office/drawing/2014/main" id="{3A68B79D-F38F-4C29-B0DC-D542508E475A}"/>
-              </a:ext>
-            </a:extLst>
-          </p:cNvPr>
-          <p:cNvSpPr txBox="1"/>
-          <p:nvPr/>
-        </p:nvSpPr>
-        <p:spPr>
-          <a:xfrm>
-            <a:off x="8117168" y="4592751"/>
-            <a:ext cx="894797" cy="646331"/>
-          </a:xfrm>
-          <a:prstGeom prst="rect">
-            <a:avLst/>
-          </a:prstGeom>
-          <a:noFill/>
-        </p:spPr>
-        <p:txBody>
-          <a:bodyPr wrap="none" rtlCol="0">
-            <a:spAutoFit/>
-          </a:bodyPr>
-          <a:lstStyle/>
-          <a:p>
-            <a:pPr algn="ctr"/>
-            <a:r>
-              <a:rPr lang="en-US" b="1" dirty="0"/>
-              <a:t>UI</a:t>
-            </a:r>
-          </a:p>
-          <a:p>
-            <a:pPr algn="ctr"/>
-            <a:r>
-              <a:rPr lang="en-US" b="1" dirty="0"/>
-              <a:t>Actions</a:t>
-            </a:r>
-            <a:endParaRPr lang="ru-RU" b="1" dirty="0"/>
+              <a:rPr lang="ru-RU" sz="1600" dirty="0"/>
+              <a:t>единая облачная система для хранения информации</a:t>
+            </a:r>
           </a:p>
         </p:txBody>
       </p:sp>
     </p:spTree>
     <p:extLst>
       <p:ext uri="{BB962C8B-B14F-4D97-AF65-F5344CB8AC3E}">
-        <p14:creationId xmlns:p14="http://schemas.microsoft.com/office/powerpoint/2010/main" val="2137594631"/>
+        <p14:creationId xmlns:p14="http://schemas.microsoft.com/office/powerpoint/2010/main" val="2706754465"/>
       </p:ext>
     </p:extLst>
   </p:cSld>
@@ -8754,10 +8365,10 @@
       </p:grpSpPr>
       <p:pic>
         <p:nvPicPr>
-          <p:cNvPr id="5" name="Рисунок 4" descr="Изображение выглядит как текст, карта&#10;&#10;Автоматически созданное описание">
-            <a:extLst>
-              <a:ext uri="{FF2B5EF4-FFF2-40B4-BE49-F238E27FC236}">
-                <a16:creationId xmlns:a16="http://schemas.microsoft.com/office/drawing/2014/main" id="{85014AEF-9DDC-4A03-94A9-4F9A186631A5}"/>
+          <p:cNvPr id="13" name="Рисунок 12">
+            <a:extLst>
+              <a:ext uri="{FF2B5EF4-FFF2-40B4-BE49-F238E27FC236}">
+                <a16:creationId xmlns:a16="http://schemas.microsoft.com/office/drawing/2014/main" id="{45C99F40-7143-4378-B069-68B922BAECF9}"/>
               </a:ext>
             </a:extLst>
           </p:cNvPr>
@@ -8780,8 +8391,8 @@
         </p:blipFill>
         <p:spPr>
           <a:xfrm>
-            <a:off x="4169397" y="119224"/>
-            <a:ext cx="7860678" cy="6619551"/>
+            <a:off x="1" y="1258812"/>
+            <a:ext cx="12192000" cy="5013799"/>
           </a:xfrm>
           <a:prstGeom prst="rect">
             <a:avLst/>
@@ -8790,10 +8401,85 @@
       </p:pic>
       <p:sp>
         <p:nvSpPr>
-          <p:cNvPr id="2" name="Номер слайда 1">
-            <a:extLst>
-              <a:ext uri="{FF2B5EF4-FFF2-40B4-BE49-F238E27FC236}">
-                <a16:creationId xmlns:a16="http://schemas.microsoft.com/office/drawing/2014/main" id="{C27410C1-27FD-4CA2-91D8-9D94DE9A40E2}"/>
+          <p:cNvPr id="15" name="Прямоугольник 14">
+            <a:extLst>
+              <a:ext uri="{FF2B5EF4-FFF2-40B4-BE49-F238E27FC236}">
+                <a16:creationId xmlns:a16="http://schemas.microsoft.com/office/drawing/2014/main" id="{0E3A7A0A-838E-4129-B606-B084B4744157}"/>
+              </a:ext>
+            </a:extLst>
+          </p:cNvPr>
+          <p:cNvSpPr/>
+          <p:nvPr/>
+        </p:nvSpPr>
+        <p:spPr>
+          <a:xfrm>
+            <a:off x="0" y="0"/>
+            <a:ext cx="6649129" cy="1015663"/>
+          </a:xfrm>
+          <a:prstGeom prst="rect">
+            <a:avLst/>
+          </a:prstGeom>
+          <a:noFill/>
+          <a:ln>
+            <a:solidFill>
+              <a:schemeClr val="bg1"/>
+            </a:solidFill>
+          </a:ln>
+        </p:spPr>
+        <p:txBody>
+          <a:bodyPr wrap="none" lIns="91440" tIns="45720" rIns="91440" bIns="45720">
+            <a:spAutoFit/>
+          </a:bodyPr>
+          <a:lstStyle/>
+          <a:p>
+            <a:pPr algn="ctr"/>
+            <a:r>
+              <a:rPr lang="ru-RU" sz="6000" dirty="0">
+                <a:ln w="0"/>
+                <a:effectLst>
+                  <a:outerShdw blurRad="38100" dist="19050" dir="2700000" algn="tl" rotWithShape="0">
+                    <a:schemeClr val="dk1">
+                      <a:alpha val="40000"/>
+                    </a:schemeClr>
+                  </a:outerShdw>
+                </a:effectLst>
+              </a:rPr>
+              <a:t>Модули </a:t>
+            </a:r>
+            <a:r>
+              <a:rPr lang="en-US" sz="6000" dirty="0">
+                <a:ln w="0"/>
+                <a:effectLst>
+                  <a:outerShdw blurRad="38100" dist="19050" dir="2700000" algn="tl" rotWithShape="0">
+                    <a:schemeClr val="dk1">
+                      <a:alpha val="40000"/>
+                    </a:schemeClr>
+                  </a:outerShdw>
+                </a:effectLst>
+              </a:rPr>
+              <a:t>ServiceNow</a:t>
+            </a:r>
+            <a:endParaRPr lang="ru-RU" sz="6000" b="1" cap="none" spc="0" dirty="0">
+              <a:ln w="22225">
+                <a:solidFill>
+                  <a:srgbClr val="E24036"/>
+                </a:solidFill>
+                <a:prstDash val="solid"/>
+              </a:ln>
+              <a:solidFill>
+                <a:srgbClr val="FBE7E4"/>
+              </a:solidFill>
+              <a:effectLst/>
+            </a:endParaRPr>
+          </a:p>
+        </p:txBody>
+      </p:sp>
+      <p:sp>
+        <p:nvSpPr>
+          <p:cNvPr id="18" name="Номер слайда 17">
+            <a:extLst>
+              <a:ext uri="{FF2B5EF4-FFF2-40B4-BE49-F238E27FC236}">
+                <a16:creationId xmlns:a16="http://schemas.microsoft.com/office/drawing/2014/main" id="{67715D14-CB16-40E8-973F-95AAB45E31D4}"/>
               </a:ext>
             </a:extLst>
           </p:cNvPr>
@@ -8867,96 +8553,733 @@
           </a:p>
         </p:txBody>
       </p:sp>
-      <p:sp>
-        <p:nvSpPr>
-          <p:cNvPr id="3" name="Прямоугольник 2">
-            <a:extLst>
-              <a:ext uri="{FF2B5EF4-FFF2-40B4-BE49-F238E27FC236}">
-                <a16:creationId xmlns:a16="http://schemas.microsoft.com/office/drawing/2014/main" id="{E5C58907-C532-4B72-A627-E99858FF9F42}"/>
-              </a:ext>
-            </a:extLst>
-          </p:cNvPr>
-          <p:cNvSpPr/>
+      <p:pic>
+        <p:nvPicPr>
+          <p:cNvPr id="2050" name="Picture 2" descr="Script Svg Png Icon Free Download (#474065) - OnlineWebFonts.COM">
+            <a:extLst>
+              <a:ext uri="{FF2B5EF4-FFF2-40B4-BE49-F238E27FC236}">
+                <a16:creationId xmlns:a16="http://schemas.microsoft.com/office/drawing/2014/main" id="{F0829B4D-62FA-40F0-B612-FD6D18BF3D70}"/>
+              </a:ext>
+            </a:extLst>
+          </p:cNvPr>
+          <p:cNvPicPr>
+            <a:picLocks noChangeAspect="1" noChangeArrowheads="1"/>
+          </p:cNvPicPr>
           <p:nvPr/>
-        </p:nvSpPr>
-        <p:spPr>
-          <a:xfrm>
-            <a:off x="161925" y="0"/>
-            <a:ext cx="3878882" cy="1938992"/>
+        </p:nvPicPr>
+        <p:blipFill>
+          <a:blip r:embed="rId3">
+            <a:extLst>
+              <a:ext uri="{28A0092B-C50C-407E-A947-70E740481C1C}">
+                <a14:useLocalDpi xmlns:a14="http://schemas.microsoft.com/office/drawing/2010/main" val="0"/>
+              </a:ext>
+            </a:extLst>
+          </a:blip>
+          <a:srcRect/>
+          <a:stretch>
+            <a:fillRect/>
+          </a:stretch>
+        </p:blipFill>
+        <p:spPr bwMode="auto">
+          <a:xfrm>
+            <a:off x="2634520" y="1522226"/>
+            <a:ext cx="1820033" cy="1651101"/>
           </a:xfrm>
           <a:prstGeom prst="rect">
             <a:avLst/>
           </a:prstGeom>
           <a:noFill/>
-          <a:ln>
-            <a:noFill/>
-          </a:ln>
-        </p:spPr>
-        <p:txBody>
-          <a:bodyPr wrap="none" lIns="91440" tIns="45720" rIns="91440" bIns="45720">
+          <a:extLst>
+            <a:ext uri="{909E8E84-426E-40DD-AFC4-6F175D3DCCD1}">
+              <a14:hiddenFill xmlns:a14="http://schemas.microsoft.com/office/drawing/2010/main">
+                <a:solidFill>
+                  <a:srgbClr val="FFFFFF"/>
+                </a:solidFill>
+              </a14:hiddenFill>
+            </a:ext>
+          </a:extLst>
+        </p:spPr>
+      </p:pic>
+      <p:sp>
+        <p:nvSpPr>
+          <p:cNvPr id="23" name="TextBox 22">
+            <a:extLst>
+              <a:ext uri="{FF2B5EF4-FFF2-40B4-BE49-F238E27FC236}">
+                <a16:creationId xmlns:a16="http://schemas.microsoft.com/office/drawing/2014/main" id="{FAC5FE1D-D8DB-4DF3-9427-8EAEA4BD0F67}"/>
+              </a:ext>
+            </a:extLst>
+          </p:cNvPr>
+          <p:cNvSpPr txBox="1"/>
+          <p:nvPr/>
+        </p:nvSpPr>
+        <p:spPr>
+          <a:xfrm>
+            <a:off x="10700416" y="3187817"/>
+            <a:ext cx="1306768" cy="646331"/>
+          </a:xfrm>
+          <a:prstGeom prst="rect">
+            <a:avLst/>
+          </a:prstGeom>
+          <a:noFill/>
+        </p:spPr>
+        <p:txBody>
+          <a:bodyPr wrap="none" rtlCol="0">
             <a:spAutoFit/>
           </a:bodyPr>
           <a:lstStyle/>
           <a:p>
             <a:pPr algn="ctr"/>
             <a:r>
-              <a:rPr lang="ru-RU" sz="6000" dirty="0">
-                <a:ln w="0"/>
-                <a:effectLst>
-                  <a:outerShdw blurRad="38100" dist="19050" dir="2700000" algn="tl" rotWithShape="0">
-                    <a:schemeClr val="dk1">
-                      <a:alpha val="40000"/>
-                    </a:schemeClr>
-                  </a:outerShdw>
-                </a:effectLst>
-              </a:rPr>
-              <a:t>Схема БД </a:t>
-            </a:r>
-            <a:endParaRPr lang="en-US" sz="6000" dirty="0">
-              <a:ln w="0"/>
-              <a:effectLst>
-                <a:outerShdw blurRad="38100" dist="19050" dir="2700000" algn="tl" rotWithShape="0">
-                  <a:schemeClr val="dk1">
-                    <a:alpha val="40000"/>
-                  </a:schemeClr>
-                </a:outerShdw>
-              </a:effectLst>
-            </a:endParaRPr>
+              <a:rPr lang="ru-RU" b="1" dirty="0"/>
+              <a:t>Серверная </a:t>
+            </a:r>
           </a:p>
           <a:p>
             <a:pPr algn="ctr"/>
             <a:r>
-              <a:rPr lang="en-US" sz="6000" dirty="0">
-                <a:ln w="0"/>
-                <a:effectLst>
-                  <a:outerShdw blurRad="38100" dist="19050" dir="2700000" algn="tl" rotWithShape="0">
-                    <a:schemeClr val="dk1">
-                      <a:alpha val="40000"/>
-                    </a:schemeClr>
-                  </a:outerShdw>
-                </a:effectLst>
-              </a:rPr>
-              <a:t>ServiceNow</a:t>
-            </a:r>
-            <a:endParaRPr lang="ru-RU" sz="6000" b="1" cap="none" spc="0" dirty="0">
-              <a:ln w="22225">
+              <a:rPr lang="ru-RU" b="1" dirty="0"/>
+              <a:t>сторона</a:t>
+            </a:r>
+          </a:p>
+        </p:txBody>
+      </p:sp>
+      <p:sp>
+        <p:nvSpPr>
+          <p:cNvPr id="26" name="TextBox 25">
+            <a:extLst>
+              <a:ext uri="{FF2B5EF4-FFF2-40B4-BE49-F238E27FC236}">
+                <a16:creationId xmlns:a16="http://schemas.microsoft.com/office/drawing/2014/main" id="{F38C1FB0-B097-4B7D-B25B-EAC8B8BE4698}"/>
+              </a:ext>
+            </a:extLst>
+          </p:cNvPr>
+          <p:cNvSpPr txBox="1"/>
+          <p:nvPr/>
+        </p:nvSpPr>
+        <p:spPr>
+          <a:xfrm>
+            <a:off x="168586" y="5521354"/>
+            <a:ext cx="1383969" cy="646331"/>
+          </a:xfrm>
+          <a:prstGeom prst="rect">
+            <a:avLst/>
+          </a:prstGeom>
+          <a:noFill/>
+        </p:spPr>
+        <p:txBody>
+          <a:bodyPr wrap="none" rtlCol="0">
+            <a:spAutoFit/>
+          </a:bodyPr>
+          <a:lstStyle/>
+          <a:p>
+            <a:pPr algn="ctr"/>
+            <a:r>
+              <a:rPr lang="ru-RU" b="1" dirty="0"/>
+              <a:t>Клиентская </a:t>
+            </a:r>
+          </a:p>
+          <a:p>
+            <a:pPr algn="ctr"/>
+            <a:r>
+              <a:rPr lang="ru-RU" b="1" dirty="0"/>
+              <a:t>сторона</a:t>
+            </a:r>
+          </a:p>
+        </p:txBody>
+      </p:sp>
+      <p:sp>
+        <p:nvSpPr>
+          <p:cNvPr id="27" name="TextBox 26">
+            <a:extLst>
+              <a:ext uri="{FF2B5EF4-FFF2-40B4-BE49-F238E27FC236}">
+                <a16:creationId xmlns:a16="http://schemas.microsoft.com/office/drawing/2014/main" id="{3BF04753-2391-4681-9CC0-6556C55C075F}"/>
+              </a:ext>
+            </a:extLst>
+          </p:cNvPr>
+          <p:cNvSpPr txBox="1"/>
+          <p:nvPr/>
+        </p:nvSpPr>
+        <p:spPr>
+          <a:xfrm>
+            <a:off x="3050757" y="1873321"/>
+            <a:ext cx="1059906" cy="646331"/>
+          </a:xfrm>
+          <a:prstGeom prst="rect">
+            <a:avLst/>
+          </a:prstGeom>
+          <a:noFill/>
+        </p:spPr>
+        <p:txBody>
+          <a:bodyPr wrap="none" rtlCol="0">
+            <a:spAutoFit/>
+          </a:bodyPr>
+          <a:lstStyle/>
+          <a:p>
+            <a:pPr algn="ctr"/>
+            <a:r>
+              <a:rPr lang="en-US" b="1" dirty="0"/>
+              <a:t>Business </a:t>
+            </a:r>
+          </a:p>
+          <a:p>
+            <a:pPr algn="ctr"/>
+            <a:r>
+              <a:rPr lang="en-US" b="1" dirty="0"/>
+              <a:t>Rules</a:t>
+            </a:r>
+            <a:endParaRPr lang="ru-RU" b="1" dirty="0"/>
+          </a:p>
+        </p:txBody>
+      </p:sp>
+      <p:pic>
+        <p:nvPicPr>
+          <p:cNvPr id="28" name="Picture 2" descr="Script Svg Png Icon Free Download (#474065) - OnlineWebFonts.COM">
+            <a:extLst>
+              <a:ext uri="{FF2B5EF4-FFF2-40B4-BE49-F238E27FC236}">
+                <a16:creationId xmlns:a16="http://schemas.microsoft.com/office/drawing/2014/main" id="{F07E91CE-D4DB-417E-82AA-2859018F0731}"/>
+              </a:ext>
+            </a:extLst>
+          </p:cNvPr>
+          <p:cNvPicPr>
+            <a:picLocks noChangeAspect="1" noChangeArrowheads="1"/>
+          </p:cNvPicPr>
+          <p:nvPr/>
+        </p:nvPicPr>
+        <p:blipFill>
+          <a:blip r:embed="rId3">
+            <a:extLst>
+              <a:ext uri="{28A0092B-C50C-407E-A947-70E740481C1C}">
+                <a14:useLocalDpi xmlns:a14="http://schemas.microsoft.com/office/drawing/2010/main" val="0"/>
+              </a:ext>
+            </a:extLst>
+          </a:blip>
+          <a:srcRect/>
+          <a:stretch>
+            <a:fillRect/>
+          </a:stretch>
+        </p:blipFill>
+        <p:spPr bwMode="auto">
+          <a:xfrm>
+            <a:off x="5069914" y="1522224"/>
+            <a:ext cx="1820033" cy="1651101"/>
+          </a:xfrm>
+          <a:prstGeom prst="rect">
+            <a:avLst/>
+          </a:prstGeom>
+          <a:noFill/>
+          <a:extLst>
+            <a:ext uri="{909E8E84-426E-40DD-AFC4-6F175D3DCCD1}">
+              <a14:hiddenFill xmlns:a14="http://schemas.microsoft.com/office/drawing/2010/main">
                 <a:solidFill>
-                  <a:srgbClr val="E24036"/>
+                  <a:srgbClr val="FFFFFF"/>
                 </a:solidFill>
-                <a:prstDash val="solid"/>
-              </a:ln>
-              <a:solidFill>
-                <a:srgbClr val="FBE7E4"/>
-              </a:solidFill>
-              <a:effectLst/>
-            </a:endParaRPr>
+              </a14:hiddenFill>
+            </a:ext>
+          </a:extLst>
+        </p:spPr>
+      </p:pic>
+      <p:pic>
+        <p:nvPicPr>
+          <p:cNvPr id="29" name="Picture 2" descr="Script Svg Png Icon Free Download (#474065) - OnlineWebFonts.COM">
+            <a:extLst>
+              <a:ext uri="{FF2B5EF4-FFF2-40B4-BE49-F238E27FC236}">
+                <a16:creationId xmlns:a16="http://schemas.microsoft.com/office/drawing/2014/main" id="{78B812C7-9777-4F43-B377-0458F3D9D935}"/>
+              </a:ext>
+            </a:extLst>
+          </p:cNvPr>
+          <p:cNvPicPr>
+            <a:picLocks noChangeAspect="1" noChangeArrowheads="1"/>
+          </p:cNvPicPr>
+          <p:nvPr/>
+        </p:nvPicPr>
+        <p:blipFill>
+          <a:blip r:embed="rId3">
+            <a:extLst>
+              <a:ext uri="{28A0092B-C50C-407E-A947-70E740481C1C}">
+                <a14:useLocalDpi xmlns:a14="http://schemas.microsoft.com/office/drawing/2010/main" val="0"/>
+              </a:ext>
+            </a:extLst>
+          </a:blip>
+          <a:srcRect/>
+          <a:stretch>
+            <a:fillRect/>
+          </a:stretch>
+        </p:blipFill>
+        <p:spPr bwMode="auto">
+          <a:xfrm>
+            <a:off x="7505309" y="1522225"/>
+            <a:ext cx="1820033" cy="1651101"/>
+          </a:xfrm>
+          <a:prstGeom prst="rect">
+            <a:avLst/>
+          </a:prstGeom>
+          <a:noFill/>
+          <a:extLst>
+            <a:ext uri="{909E8E84-426E-40DD-AFC4-6F175D3DCCD1}">
+              <a14:hiddenFill xmlns:a14="http://schemas.microsoft.com/office/drawing/2010/main">
+                <a:solidFill>
+                  <a:srgbClr val="FFFFFF"/>
+                </a:solidFill>
+              </a14:hiddenFill>
+            </a:ext>
+          </a:extLst>
+        </p:spPr>
+      </p:pic>
+      <p:sp>
+        <p:nvSpPr>
+          <p:cNvPr id="30" name="TextBox 29">
+            <a:extLst>
+              <a:ext uri="{FF2B5EF4-FFF2-40B4-BE49-F238E27FC236}">
+                <a16:creationId xmlns:a16="http://schemas.microsoft.com/office/drawing/2014/main" id="{A81FD80E-9741-40FD-B335-56A5D11452B8}"/>
+              </a:ext>
+            </a:extLst>
+          </p:cNvPr>
+          <p:cNvSpPr txBox="1"/>
+          <p:nvPr/>
+        </p:nvSpPr>
+        <p:spPr>
+          <a:xfrm>
+            <a:off x="5492460" y="1873321"/>
+            <a:ext cx="974947" cy="646331"/>
+          </a:xfrm>
+          <a:prstGeom prst="rect">
+            <a:avLst/>
+          </a:prstGeom>
+          <a:noFill/>
+        </p:spPr>
+        <p:txBody>
+          <a:bodyPr wrap="none" rtlCol="0">
+            <a:spAutoFit/>
+          </a:bodyPr>
+          <a:lstStyle/>
+          <a:p>
+            <a:pPr algn="ctr"/>
+            <a:r>
+              <a:rPr lang="en-US" b="1" dirty="0"/>
+              <a:t>Script</a:t>
+            </a:r>
+          </a:p>
+          <a:p>
+            <a:pPr algn="ctr"/>
+            <a:r>
+              <a:rPr lang="en-US" b="1" dirty="0"/>
+              <a:t>Includes</a:t>
+            </a:r>
+            <a:endParaRPr lang="ru-RU" b="1" dirty="0"/>
+          </a:p>
+        </p:txBody>
+      </p:sp>
+      <p:sp>
+        <p:nvSpPr>
+          <p:cNvPr id="31" name="TextBox 30">
+            <a:extLst>
+              <a:ext uri="{FF2B5EF4-FFF2-40B4-BE49-F238E27FC236}">
+                <a16:creationId xmlns:a16="http://schemas.microsoft.com/office/drawing/2014/main" id="{9C53CCA0-EF58-4A63-8F7F-519D115A4DCB}"/>
+              </a:ext>
+            </a:extLst>
+          </p:cNvPr>
+          <p:cNvSpPr txBox="1"/>
+          <p:nvPr/>
+        </p:nvSpPr>
+        <p:spPr>
+          <a:xfrm>
+            <a:off x="8092801" y="1873320"/>
+            <a:ext cx="645048" cy="646331"/>
+          </a:xfrm>
+          <a:prstGeom prst="rect">
+            <a:avLst/>
+          </a:prstGeom>
+          <a:noFill/>
+        </p:spPr>
+        <p:txBody>
+          <a:bodyPr wrap="none" rtlCol="0">
+            <a:spAutoFit/>
+          </a:bodyPr>
+          <a:lstStyle/>
+          <a:p>
+            <a:pPr algn="ctr"/>
+            <a:r>
+              <a:rPr lang="en-US" b="1" dirty="0"/>
+              <a:t>REST</a:t>
+            </a:r>
+          </a:p>
+          <a:p>
+            <a:pPr algn="ctr"/>
+            <a:r>
+              <a:rPr lang="en-US" b="1" dirty="0"/>
+              <a:t>API</a:t>
+            </a:r>
+            <a:endParaRPr lang="ru-RU" b="1" dirty="0"/>
+          </a:p>
+        </p:txBody>
+      </p:sp>
+      <p:pic>
+        <p:nvPicPr>
+          <p:cNvPr id="32" name="Picture 2" descr="Script Svg Png Icon Free Download (#474065) - OnlineWebFonts.COM">
+            <a:extLst>
+              <a:ext uri="{FF2B5EF4-FFF2-40B4-BE49-F238E27FC236}">
+                <a16:creationId xmlns:a16="http://schemas.microsoft.com/office/drawing/2014/main" id="{E2AB9661-8387-4DD9-8CD9-907D638C1625}"/>
+              </a:ext>
+            </a:extLst>
+          </p:cNvPr>
+          <p:cNvPicPr>
+            <a:picLocks noChangeAspect="1" noChangeArrowheads="1"/>
+          </p:cNvPicPr>
+          <p:nvPr/>
+        </p:nvPicPr>
+        <p:blipFill>
+          <a:blip r:embed="rId3">
+            <a:extLst>
+              <a:ext uri="{28A0092B-C50C-407E-A947-70E740481C1C}">
+                <a14:useLocalDpi xmlns:a14="http://schemas.microsoft.com/office/drawing/2010/main" val="0"/>
+              </a:ext>
+            </a:extLst>
+          </a:blip>
+          <a:srcRect/>
+          <a:stretch>
+            <a:fillRect/>
+          </a:stretch>
+        </p:blipFill>
+        <p:spPr bwMode="auto">
+          <a:xfrm>
+            <a:off x="2634519" y="4193418"/>
+            <a:ext cx="1820033" cy="1651101"/>
+          </a:xfrm>
+          <a:prstGeom prst="rect">
+            <a:avLst/>
+          </a:prstGeom>
+          <a:noFill/>
+          <a:extLst>
+            <a:ext uri="{909E8E84-426E-40DD-AFC4-6F175D3DCCD1}">
+              <a14:hiddenFill xmlns:a14="http://schemas.microsoft.com/office/drawing/2010/main">
+                <a:solidFill>
+                  <a:srgbClr val="FFFFFF"/>
+                </a:solidFill>
+              </a14:hiddenFill>
+            </a:ext>
+          </a:extLst>
+        </p:spPr>
+      </p:pic>
+      <p:sp>
+        <p:nvSpPr>
+          <p:cNvPr id="33" name="TextBox 32">
+            <a:extLst>
+              <a:ext uri="{FF2B5EF4-FFF2-40B4-BE49-F238E27FC236}">
+                <a16:creationId xmlns:a16="http://schemas.microsoft.com/office/drawing/2014/main" id="{25BB8CC1-6863-4DED-8E69-A3C47557496A}"/>
+              </a:ext>
+            </a:extLst>
+          </p:cNvPr>
+          <p:cNvSpPr txBox="1"/>
+          <p:nvPr/>
+        </p:nvSpPr>
+        <p:spPr>
+          <a:xfrm>
+            <a:off x="3169829" y="4592752"/>
+            <a:ext cx="821763" cy="646331"/>
+          </a:xfrm>
+          <a:prstGeom prst="rect">
+            <a:avLst/>
+          </a:prstGeom>
+          <a:noFill/>
+        </p:spPr>
+        <p:txBody>
+          <a:bodyPr wrap="none" rtlCol="0">
+            <a:spAutoFit/>
+          </a:bodyPr>
+          <a:lstStyle/>
+          <a:p>
+            <a:pPr algn="ctr"/>
+            <a:r>
+              <a:rPr lang="en-US" b="1" dirty="0"/>
+              <a:t>Client</a:t>
+            </a:r>
+          </a:p>
+          <a:p>
+            <a:pPr algn="ctr"/>
+            <a:r>
+              <a:rPr lang="en-US" b="1" dirty="0"/>
+              <a:t>Scripts</a:t>
+            </a:r>
+            <a:endParaRPr lang="ru-RU" b="1" dirty="0"/>
+          </a:p>
+        </p:txBody>
+      </p:sp>
+      <p:pic>
+        <p:nvPicPr>
+          <p:cNvPr id="34" name="Picture 2" descr="Script Svg Png Icon Free Download (#474065) - OnlineWebFonts.COM">
+            <a:extLst>
+              <a:ext uri="{FF2B5EF4-FFF2-40B4-BE49-F238E27FC236}">
+                <a16:creationId xmlns:a16="http://schemas.microsoft.com/office/drawing/2014/main" id="{A4AB94ED-E410-4907-AA2C-A6F80855A63F}"/>
+              </a:ext>
+            </a:extLst>
+          </p:cNvPr>
+          <p:cNvPicPr>
+            <a:picLocks noChangeAspect="1" noChangeArrowheads="1"/>
+          </p:cNvPicPr>
+          <p:nvPr/>
+        </p:nvPicPr>
+        <p:blipFill>
+          <a:blip r:embed="rId3">
+            <a:extLst>
+              <a:ext uri="{28A0092B-C50C-407E-A947-70E740481C1C}">
+                <a14:useLocalDpi xmlns:a14="http://schemas.microsoft.com/office/drawing/2010/main" val="0"/>
+              </a:ext>
+            </a:extLst>
+          </a:blip>
+          <a:srcRect/>
+          <a:stretch>
+            <a:fillRect/>
+          </a:stretch>
+        </p:blipFill>
+        <p:spPr bwMode="auto">
+          <a:xfrm>
+            <a:off x="4320251" y="4193418"/>
+            <a:ext cx="1820033" cy="1651101"/>
+          </a:xfrm>
+          <a:prstGeom prst="rect">
+            <a:avLst/>
+          </a:prstGeom>
+          <a:noFill/>
+          <a:extLst>
+            <a:ext uri="{909E8E84-426E-40DD-AFC4-6F175D3DCCD1}">
+              <a14:hiddenFill xmlns:a14="http://schemas.microsoft.com/office/drawing/2010/main">
+                <a:solidFill>
+                  <a:srgbClr val="FFFFFF"/>
+                </a:solidFill>
+              </a14:hiddenFill>
+            </a:ext>
+          </a:extLst>
+        </p:spPr>
+      </p:pic>
+      <p:pic>
+        <p:nvPicPr>
+          <p:cNvPr id="35" name="Picture 2" descr="Script Svg Png Icon Free Download (#474065) - OnlineWebFonts.COM">
+            <a:extLst>
+              <a:ext uri="{FF2B5EF4-FFF2-40B4-BE49-F238E27FC236}">
+                <a16:creationId xmlns:a16="http://schemas.microsoft.com/office/drawing/2014/main" id="{55E301A7-D912-493A-AB89-F11F27236D6E}"/>
+              </a:ext>
+            </a:extLst>
+          </p:cNvPr>
+          <p:cNvPicPr>
+            <a:picLocks noChangeAspect="1" noChangeArrowheads="1"/>
+          </p:cNvPicPr>
+          <p:nvPr/>
+        </p:nvPicPr>
+        <p:blipFill>
+          <a:blip r:embed="rId3">
+            <a:extLst>
+              <a:ext uri="{28A0092B-C50C-407E-A947-70E740481C1C}">
+                <a14:useLocalDpi xmlns:a14="http://schemas.microsoft.com/office/drawing/2010/main" val="0"/>
+              </a:ext>
+            </a:extLst>
+          </a:blip>
+          <a:srcRect/>
+          <a:stretch>
+            <a:fillRect/>
+          </a:stretch>
+        </p:blipFill>
+        <p:spPr bwMode="auto">
+          <a:xfrm>
+            <a:off x="5954407" y="4193418"/>
+            <a:ext cx="1820033" cy="1651101"/>
+          </a:xfrm>
+          <a:prstGeom prst="rect">
+            <a:avLst/>
+          </a:prstGeom>
+          <a:noFill/>
+          <a:extLst>
+            <a:ext uri="{909E8E84-426E-40DD-AFC4-6F175D3DCCD1}">
+              <a14:hiddenFill xmlns:a14="http://schemas.microsoft.com/office/drawing/2010/main">
+                <a:solidFill>
+                  <a:srgbClr val="FFFFFF"/>
+                </a:solidFill>
+              </a14:hiddenFill>
+            </a:ext>
+          </a:extLst>
+        </p:spPr>
+      </p:pic>
+      <p:pic>
+        <p:nvPicPr>
+          <p:cNvPr id="36" name="Picture 2" descr="Script Svg Png Icon Free Download (#474065) - OnlineWebFonts.COM">
+            <a:extLst>
+              <a:ext uri="{FF2B5EF4-FFF2-40B4-BE49-F238E27FC236}">
+                <a16:creationId xmlns:a16="http://schemas.microsoft.com/office/drawing/2014/main" id="{5534E4D6-364D-4A6E-88C4-B1111CDA5FDE}"/>
+              </a:ext>
+            </a:extLst>
+          </p:cNvPr>
+          <p:cNvPicPr>
+            <a:picLocks noChangeAspect="1" noChangeArrowheads="1"/>
+          </p:cNvPicPr>
+          <p:nvPr/>
+        </p:nvPicPr>
+        <p:blipFill>
+          <a:blip r:embed="rId3">
+            <a:extLst>
+              <a:ext uri="{28A0092B-C50C-407E-A947-70E740481C1C}">
+                <a14:useLocalDpi xmlns:a14="http://schemas.microsoft.com/office/drawing/2010/main" val="0"/>
+              </a:ext>
+            </a:extLst>
+          </a:blip>
+          <a:srcRect/>
+          <a:stretch>
+            <a:fillRect/>
+          </a:stretch>
+        </p:blipFill>
+        <p:spPr bwMode="auto">
+          <a:xfrm>
+            <a:off x="7640139" y="4193418"/>
+            <a:ext cx="1820033" cy="1651101"/>
+          </a:xfrm>
+          <a:prstGeom prst="rect">
+            <a:avLst/>
+          </a:prstGeom>
+          <a:noFill/>
+          <a:extLst>
+            <a:ext uri="{909E8E84-426E-40DD-AFC4-6F175D3DCCD1}">
+              <a14:hiddenFill xmlns:a14="http://schemas.microsoft.com/office/drawing/2010/main">
+                <a:solidFill>
+                  <a:srgbClr val="FFFFFF"/>
+                </a:solidFill>
+              </a14:hiddenFill>
+            </a:ext>
+          </a:extLst>
+        </p:spPr>
+      </p:pic>
+      <p:sp>
+        <p:nvSpPr>
+          <p:cNvPr id="38" name="TextBox 37">
+            <a:extLst>
+              <a:ext uri="{FF2B5EF4-FFF2-40B4-BE49-F238E27FC236}">
+                <a16:creationId xmlns:a16="http://schemas.microsoft.com/office/drawing/2014/main" id="{AEE48FD2-926B-43A0-B35E-93960C12EEBC}"/>
+              </a:ext>
+            </a:extLst>
+          </p:cNvPr>
+          <p:cNvSpPr txBox="1"/>
+          <p:nvPr/>
+        </p:nvSpPr>
+        <p:spPr>
+          <a:xfrm>
+            <a:off x="4888708" y="4592752"/>
+            <a:ext cx="730392" cy="646331"/>
+          </a:xfrm>
+          <a:prstGeom prst="rect">
+            <a:avLst/>
+          </a:prstGeom>
+          <a:noFill/>
+        </p:spPr>
+        <p:txBody>
+          <a:bodyPr wrap="none" rtlCol="0">
+            <a:spAutoFit/>
+          </a:bodyPr>
+          <a:lstStyle/>
+          <a:p>
+            <a:pPr algn="ctr"/>
+            <a:r>
+              <a:rPr lang="en-US" b="1" dirty="0"/>
+              <a:t>UI</a:t>
+            </a:r>
+          </a:p>
+          <a:p>
+            <a:pPr algn="ctr"/>
+            <a:r>
+              <a:rPr lang="en-US" b="1" dirty="0"/>
+              <a:t>Script</a:t>
+            </a:r>
+            <a:endParaRPr lang="ru-RU" b="1" dirty="0"/>
+          </a:p>
+        </p:txBody>
+      </p:sp>
+      <p:sp>
+        <p:nvSpPr>
+          <p:cNvPr id="39" name="TextBox 38">
+            <a:extLst>
+              <a:ext uri="{FF2B5EF4-FFF2-40B4-BE49-F238E27FC236}">
+                <a16:creationId xmlns:a16="http://schemas.microsoft.com/office/drawing/2014/main" id="{5F669BDD-37F7-4748-B77A-941C516D261A}"/>
+              </a:ext>
+            </a:extLst>
+          </p:cNvPr>
+          <p:cNvSpPr txBox="1"/>
+          <p:nvPr/>
+        </p:nvSpPr>
+        <p:spPr>
+          <a:xfrm>
+            <a:off x="6499067" y="4592752"/>
+            <a:ext cx="730713" cy="646331"/>
+          </a:xfrm>
+          <a:prstGeom prst="rect">
+            <a:avLst/>
+          </a:prstGeom>
+          <a:noFill/>
+        </p:spPr>
+        <p:txBody>
+          <a:bodyPr wrap="none" rtlCol="0">
+            <a:spAutoFit/>
+          </a:bodyPr>
+          <a:lstStyle/>
+          <a:p>
+            <a:pPr algn="ctr"/>
+            <a:r>
+              <a:rPr lang="en-US" b="1" dirty="0"/>
+              <a:t>UI</a:t>
+            </a:r>
+          </a:p>
+          <a:p>
+            <a:pPr algn="ctr"/>
+            <a:r>
+              <a:rPr lang="en-US" b="1" dirty="0"/>
+              <a:t>Pages</a:t>
+            </a:r>
+            <a:endParaRPr lang="ru-RU" b="1" dirty="0"/>
+          </a:p>
+        </p:txBody>
+      </p:sp>
+      <p:sp>
+        <p:nvSpPr>
+          <p:cNvPr id="40" name="TextBox 39">
+            <a:extLst>
+              <a:ext uri="{FF2B5EF4-FFF2-40B4-BE49-F238E27FC236}">
+                <a16:creationId xmlns:a16="http://schemas.microsoft.com/office/drawing/2014/main" id="{3A68B79D-F38F-4C29-B0DC-D542508E475A}"/>
+              </a:ext>
+            </a:extLst>
+          </p:cNvPr>
+          <p:cNvSpPr txBox="1"/>
+          <p:nvPr/>
+        </p:nvSpPr>
+        <p:spPr>
+          <a:xfrm>
+            <a:off x="8117168" y="4592751"/>
+            <a:ext cx="894797" cy="646331"/>
+          </a:xfrm>
+          <a:prstGeom prst="rect">
+            <a:avLst/>
+          </a:prstGeom>
+          <a:noFill/>
+        </p:spPr>
+        <p:txBody>
+          <a:bodyPr wrap="none" rtlCol="0">
+            <a:spAutoFit/>
+          </a:bodyPr>
+          <a:lstStyle/>
+          <a:p>
+            <a:pPr algn="ctr"/>
+            <a:r>
+              <a:rPr lang="en-US" b="1" dirty="0"/>
+              <a:t>UI</a:t>
+            </a:r>
+          </a:p>
+          <a:p>
+            <a:pPr algn="ctr"/>
+            <a:r>
+              <a:rPr lang="en-US" b="1" dirty="0"/>
+              <a:t>Actions</a:t>
+            </a:r>
+            <a:endParaRPr lang="ru-RU" b="1" dirty="0"/>
           </a:p>
         </p:txBody>
       </p:sp>
     </p:spTree>
     <p:extLst>
       <p:ext uri="{BB962C8B-B14F-4D97-AF65-F5344CB8AC3E}">
-        <p14:creationId xmlns:p14="http://schemas.microsoft.com/office/powerpoint/2010/main" val="524009101"/>
+        <p14:creationId xmlns:p14="http://schemas.microsoft.com/office/powerpoint/2010/main" val="2137594631"/>
       </p:ext>
     </p:extLst>
   </p:cSld>
@@ -8983,12 +9306,48 @@
           <a:chExt cx="0" cy="0"/>
         </a:xfrm>
       </p:grpSpPr>
-      <p:sp>
-        <p:nvSpPr>
-          <p:cNvPr id="4" name="Номер слайда 3">
-            <a:extLst>
-              <a:ext uri="{FF2B5EF4-FFF2-40B4-BE49-F238E27FC236}">
-                <a16:creationId xmlns:a16="http://schemas.microsoft.com/office/drawing/2014/main" id="{887986AB-C950-4B2F-BF86-E31B98458712}"/>
+      <p:pic>
+        <p:nvPicPr>
+          <p:cNvPr id="8" name="Рисунок 7" descr="Изображение выглядит как текст&#10;&#10;Автоматически созданное описание">
+            <a:extLst>
+              <a:ext uri="{FF2B5EF4-FFF2-40B4-BE49-F238E27FC236}">
+                <a16:creationId xmlns:a16="http://schemas.microsoft.com/office/drawing/2014/main" id="{216CA2D5-5395-46D6-8BE1-3C5832EAE845}"/>
+              </a:ext>
+            </a:extLst>
+          </p:cNvPr>
+          <p:cNvPicPr>
+            <a:picLocks noChangeAspect="1"/>
+          </p:cNvPicPr>
+          <p:nvPr/>
+        </p:nvPicPr>
+        <p:blipFill>
+          <a:blip r:embed="rId2">
+            <a:extLst>
+              <a:ext uri="{28A0092B-C50C-407E-A947-70E740481C1C}">
+                <a14:useLocalDpi xmlns:a14="http://schemas.microsoft.com/office/drawing/2010/main" val="0"/>
+              </a:ext>
+            </a:extLst>
+          </a:blip>
+          <a:stretch>
+            <a:fillRect/>
+          </a:stretch>
+        </p:blipFill>
+        <p:spPr>
+          <a:xfrm>
+            <a:off x="1937621" y="848488"/>
+            <a:ext cx="8316758" cy="5763931"/>
+          </a:xfrm>
+          <a:prstGeom prst="rect">
+            <a:avLst/>
+          </a:prstGeom>
+        </p:spPr>
+      </p:pic>
+      <p:sp>
+        <p:nvSpPr>
+          <p:cNvPr id="2" name="Номер слайда 1">
+            <a:extLst>
+              <a:ext uri="{FF2B5EF4-FFF2-40B4-BE49-F238E27FC236}">
+                <a16:creationId xmlns:a16="http://schemas.microsoft.com/office/drawing/2014/main" id="{C27410C1-27FD-4CA2-91D8-9D94DE9A40E2}"/>
               </a:ext>
             </a:extLst>
           </p:cNvPr>
@@ -9064,6 +9423,1056 @@
       </p:sp>
       <p:sp>
         <p:nvSpPr>
+          <p:cNvPr id="3" name="Прямоугольник 2">
+            <a:extLst>
+              <a:ext uri="{FF2B5EF4-FFF2-40B4-BE49-F238E27FC236}">
+                <a16:creationId xmlns:a16="http://schemas.microsoft.com/office/drawing/2014/main" id="{E5C58907-C532-4B72-A627-E99858FF9F42}"/>
+              </a:ext>
+            </a:extLst>
+          </p:cNvPr>
+          <p:cNvSpPr/>
+          <p:nvPr/>
+        </p:nvSpPr>
+        <p:spPr>
+          <a:xfrm>
+            <a:off x="0" y="-58119"/>
+            <a:ext cx="7137275" cy="1015663"/>
+          </a:xfrm>
+          <a:prstGeom prst="rect">
+            <a:avLst/>
+          </a:prstGeom>
+          <a:noFill/>
+          <a:ln>
+            <a:noFill/>
+          </a:ln>
+        </p:spPr>
+        <p:txBody>
+          <a:bodyPr wrap="none" lIns="91440" tIns="45720" rIns="91440" bIns="45720">
+            <a:spAutoFit/>
+          </a:bodyPr>
+          <a:lstStyle/>
+          <a:p>
+            <a:pPr algn="ctr"/>
+            <a:r>
+              <a:rPr lang="ru-RU" sz="6000" dirty="0">
+                <a:ln w="0"/>
+                <a:effectLst>
+                  <a:outerShdw blurRad="38100" dist="19050" dir="2700000" algn="tl" rotWithShape="0">
+                    <a:schemeClr val="dk1">
+                      <a:alpha val="40000"/>
+                    </a:schemeClr>
+                  </a:outerShdw>
+                </a:effectLst>
+              </a:rPr>
+              <a:t>Схема БД </a:t>
+            </a:r>
+            <a:r>
+              <a:rPr lang="en-US" sz="6000" dirty="0">
+                <a:ln w="0"/>
+                <a:effectLst>
+                  <a:outerShdw blurRad="38100" dist="19050" dir="2700000" algn="tl" rotWithShape="0">
+                    <a:schemeClr val="dk1">
+                      <a:alpha val="40000"/>
+                    </a:schemeClr>
+                  </a:outerShdw>
+                </a:effectLst>
+              </a:rPr>
+              <a:t>ServiceNow</a:t>
+            </a:r>
+            <a:endParaRPr lang="ru-RU" sz="6000" b="1" cap="none" spc="0" dirty="0">
+              <a:ln w="22225">
+                <a:solidFill>
+                  <a:srgbClr val="E24036"/>
+                </a:solidFill>
+                <a:prstDash val="solid"/>
+              </a:ln>
+              <a:solidFill>
+                <a:srgbClr val="FBE7E4"/>
+              </a:solidFill>
+              <a:effectLst/>
+            </a:endParaRPr>
+          </a:p>
+        </p:txBody>
+      </p:sp>
+    </p:spTree>
+    <p:extLst>
+      <p:ext uri="{BB962C8B-B14F-4D97-AF65-F5344CB8AC3E}">
+        <p14:creationId xmlns:p14="http://schemas.microsoft.com/office/powerpoint/2010/main" val="524009101"/>
+      </p:ext>
+    </p:extLst>
+  </p:cSld>
+  <p:clrMapOvr>
+    <a:masterClrMapping/>
+  </p:clrMapOvr>
+</p:sld>
+</file>
+
+<file path=ppt/slides/slide7.xml><?xml version="1.0" encoding="utf-8"?>
+<p:sld xmlns:a="http://schemas.openxmlformats.org/drawingml/2006/main" xmlns:r="http://schemas.openxmlformats.org/officeDocument/2006/relationships" xmlns:p="http://schemas.openxmlformats.org/presentationml/2006/main">
+  <p:cSld>
+    <p:spTree>
+      <p:nvGrpSpPr>
+        <p:cNvPr id="1" name=""/>
+        <p:cNvGrpSpPr/>
+        <p:nvPr/>
+      </p:nvGrpSpPr>
+      <p:grpSpPr>
+        <a:xfrm>
+          <a:off x="0" y="0"/>
+          <a:ext cx="0" cy="0"/>
+          <a:chOff x="0" y="0"/>
+          <a:chExt cx="0" cy="0"/>
+        </a:xfrm>
+      </p:grpSpPr>
+      <p:sp>
+        <p:nvSpPr>
+          <p:cNvPr id="2" name="Номер слайда 1">
+            <a:extLst>
+              <a:ext uri="{FF2B5EF4-FFF2-40B4-BE49-F238E27FC236}">
+                <a16:creationId xmlns:a16="http://schemas.microsoft.com/office/drawing/2014/main" id="{33D4E559-61D4-46D7-9CC9-8BFC111AB75D}"/>
+              </a:ext>
+            </a:extLst>
+          </p:cNvPr>
+          <p:cNvSpPr>
+            <a:spLocks noGrp="1"/>
+          </p:cNvSpPr>
+          <p:nvPr>
+            <p:ph type="sldNum" sz="quarter" idx="12"/>
+          </p:nvPr>
+        </p:nvSpPr>
+        <p:spPr/>
+        <p:txBody>
+          <a:bodyPr/>
+          <a:lstStyle/>
+          <a:p>
+            <a:pPr marL="0" marR="0" lvl="0" indent="0" algn="r" defTabSz="914400" rtl="0" eaLnBrk="1" fontAlgn="auto" latinLnBrk="0" hangingPunct="1">
+              <a:lnSpc>
+                <a:spcPct val="100000"/>
+              </a:lnSpc>
+              <a:spcBef>
+                <a:spcPts val="0"/>
+              </a:spcBef>
+              <a:spcAft>
+                <a:spcPts val="0"/>
+              </a:spcAft>
+              <a:buClrTx/>
+              <a:buSzTx/>
+              <a:buFontTx/>
+              <a:buNone/>
+              <a:tabLst/>
+              <a:defRPr/>
+            </a:pPr>
+            <a:fld id="{079AA04F-7A8B-46BC-B900-7D092EA1812F}" type="slidenum">
+              <a:rPr lang="ru-RU" sz="1800" b="1">
+                <a:solidFill>
+                  <a:prstClr val="black">
+                    <a:tint val="75000"/>
+                  </a:prstClr>
+                </a:solidFill>
+              </a:rPr>
+              <a:pPr marL="0" marR="0" lvl="0" indent="0" algn="r" defTabSz="914400" rtl="0" eaLnBrk="1" fontAlgn="auto" latinLnBrk="0" hangingPunct="1">
+                <a:lnSpc>
+                  <a:spcPct val="100000"/>
+                </a:lnSpc>
+                <a:spcBef>
+                  <a:spcPts val="0"/>
+                </a:spcBef>
+                <a:spcAft>
+                  <a:spcPts val="0"/>
+                </a:spcAft>
+                <a:buClrTx/>
+                <a:buSzTx/>
+                <a:buFontTx/>
+                <a:buNone/>
+                <a:tabLst/>
+                <a:defRPr/>
+              </a:pPr>
+              <a:t>7</a:t>
+            </a:fld>
+            <a:r>
+              <a:rPr lang="ru-RU" sz="1800" b="1" dirty="0">
+                <a:solidFill>
+                  <a:prstClr val="black">
+                    <a:tint val="75000"/>
+                  </a:prstClr>
+                </a:solidFill>
+              </a:rPr>
+              <a:t>/16</a:t>
+            </a:r>
+            <a:endParaRPr lang="ru-RU" dirty="0"/>
+          </a:p>
+        </p:txBody>
+      </p:sp>
+      <p:sp>
+        <p:nvSpPr>
+          <p:cNvPr id="3" name="Прямоугольник 2">
+            <a:extLst>
+              <a:ext uri="{FF2B5EF4-FFF2-40B4-BE49-F238E27FC236}">
+                <a16:creationId xmlns:a16="http://schemas.microsoft.com/office/drawing/2014/main" id="{6BD86F53-9E49-4A28-A5E7-2E8433E8D627}"/>
+              </a:ext>
+            </a:extLst>
+          </p:cNvPr>
+          <p:cNvSpPr/>
+          <p:nvPr/>
+        </p:nvSpPr>
+        <p:spPr>
+          <a:xfrm>
+            <a:off x="140848" y="-74004"/>
+            <a:ext cx="4000134" cy="1015663"/>
+          </a:xfrm>
+          <a:prstGeom prst="rect">
+            <a:avLst/>
+          </a:prstGeom>
+          <a:noFill/>
+          <a:ln>
+            <a:noFill/>
+          </a:ln>
+        </p:spPr>
+        <p:txBody>
+          <a:bodyPr wrap="none" lIns="91440" tIns="45720" rIns="91440" bIns="45720">
+            <a:spAutoFit/>
+          </a:bodyPr>
+          <a:lstStyle/>
+          <a:p>
+            <a:pPr algn="ctr"/>
+            <a:r>
+              <a:rPr lang="ru-RU" sz="6000" dirty="0">
+                <a:ln w="0"/>
+                <a:effectLst>
+                  <a:outerShdw blurRad="38100" dist="19050" dir="2700000" algn="tl" rotWithShape="0">
+                    <a:schemeClr val="dk1">
+                      <a:alpha val="40000"/>
+                    </a:schemeClr>
+                  </a:outerShdw>
+                </a:effectLst>
+              </a:rPr>
+              <a:t>Виды чеков</a:t>
+            </a:r>
+            <a:endParaRPr lang="ru-RU" sz="6000" b="1" cap="none" spc="0" dirty="0">
+              <a:ln w="22225">
+                <a:solidFill>
+                  <a:srgbClr val="E24036"/>
+                </a:solidFill>
+                <a:prstDash val="solid"/>
+              </a:ln>
+              <a:solidFill>
+                <a:srgbClr val="FBE7E4"/>
+              </a:solidFill>
+              <a:effectLst/>
+            </a:endParaRPr>
+          </a:p>
+        </p:txBody>
+      </p:sp>
+      <p:pic>
+        <p:nvPicPr>
+          <p:cNvPr id="1026" name="Picture 2" descr="Дизайн кассового чека / Блог компании Мосигра / Хабр">
+            <a:extLst>
+              <a:ext uri="{FF2B5EF4-FFF2-40B4-BE49-F238E27FC236}">
+                <a16:creationId xmlns:a16="http://schemas.microsoft.com/office/drawing/2014/main" id="{D537350A-C60E-450E-B231-C656AEF32574}"/>
+              </a:ext>
+            </a:extLst>
+          </p:cNvPr>
+          <p:cNvPicPr>
+            <a:picLocks noChangeAspect="1" noChangeArrowheads="1"/>
+          </p:cNvPicPr>
+          <p:nvPr/>
+        </p:nvPicPr>
+        <p:blipFill>
+          <a:blip r:embed="rId2">
+            <a:extLst>
+              <a:ext uri="{28A0092B-C50C-407E-A947-70E740481C1C}">
+                <a14:useLocalDpi xmlns:a14="http://schemas.microsoft.com/office/drawing/2010/main" val="0"/>
+              </a:ext>
+            </a:extLst>
+          </a:blip>
+          <a:srcRect/>
+          <a:stretch>
+            <a:fillRect/>
+          </a:stretch>
+        </p:blipFill>
+        <p:spPr bwMode="auto">
+          <a:xfrm>
+            <a:off x="8403145" y="1827146"/>
+            <a:ext cx="3676406" cy="3625697"/>
+          </a:xfrm>
+          <a:prstGeom prst="rect">
+            <a:avLst/>
+          </a:prstGeom>
+          <a:noFill/>
+          <a:extLst>
+            <a:ext uri="{909E8E84-426E-40DD-AFC4-6F175D3DCCD1}">
+              <a14:hiddenFill xmlns:a14="http://schemas.microsoft.com/office/drawing/2010/main">
+                <a:solidFill>
+                  <a:srgbClr val="FFFFFF"/>
+                </a:solidFill>
+              </a14:hiddenFill>
+            </a:ext>
+          </a:extLst>
+        </p:spPr>
+      </p:pic>
+      <p:pic>
+        <p:nvPicPr>
+          <p:cNvPr id="1028" name="Picture 4" descr="Аэроэкспресс (Москва) - «Экономит время, деньги, нервы и ...">
+            <a:extLst>
+              <a:ext uri="{FF2B5EF4-FFF2-40B4-BE49-F238E27FC236}">
+                <a16:creationId xmlns:a16="http://schemas.microsoft.com/office/drawing/2014/main" id="{ED4C3E92-4969-4571-A53C-4C82A3306670}"/>
+              </a:ext>
+            </a:extLst>
+          </p:cNvPr>
+          <p:cNvPicPr>
+            <a:picLocks noChangeAspect="1" noChangeArrowheads="1"/>
+          </p:cNvPicPr>
+          <p:nvPr/>
+        </p:nvPicPr>
+        <p:blipFill rotWithShape="1">
+          <a:blip r:embed="rId3">
+            <a:extLst>
+              <a:ext uri="{28A0092B-C50C-407E-A947-70E740481C1C}">
+                <a14:useLocalDpi xmlns:a14="http://schemas.microsoft.com/office/drawing/2010/main" val="0"/>
+              </a:ext>
+            </a:extLst>
+          </a:blip>
+          <a:srcRect t="1756" b="20000"/>
+          <a:stretch/>
+        </p:blipFill>
+        <p:spPr bwMode="auto">
+          <a:xfrm>
+            <a:off x="4503515" y="1734867"/>
+            <a:ext cx="3831429" cy="4311191"/>
+          </a:xfrm>
+          <a:prstGeom prst="rect">
+            <a:avLst/>
+          </a:prstGeom>
+          <a:noFill/>
+          <a:extLst>
+            <a:ext uri="{909E8E84-426E-40DD-AFC4-6F175D3DCCD1}">
+              <a14:hiddenFill xmlns:a14="http://schemas.microsoft.com/office/drawing/2010/main">
+                <a:solidFill>
+                  <a:srgbClr val="FFFFFF"/>
+                </a:solidFill>
+              </a14:hiddenFill>
+            </a:ext>
+          </a:extLst>
+        </p:spPr>
+      </p:pic>
+      <p:pic>
+        <p:nvPicPr>
+          <p:cNvPr id="1030" name="Picture 6" descr="Что такое BeelineOFD? Что делать, если приходят сообщения?">
+            <a:extLst>
+              <a:ext uri="{FF2B5EF4-FFF2-40B4-BE49-F238E27FC236}">
+                <a16:creationId xmlns:a16="http://schemas.microsoft.com/office/drawing/2014/main" id="{E9AC557B-6A1B-400A-92E8-7208616D2212}"/>
+              </a:ext>
+            </a:extLst>
+          </p:cNvPr>
+          <p:cNvPicPr>
+            <a:picLocks noChangeAspect="1" noChangeArrowheads="1"/>
+          </p:cNvPicPr>
+          <p:nvPr/>
+        </p:nvPicPr>
+        <p:blipFill>
+          <a:blip r:embed="rId4">
+            <a:extLst>
+              <a:ext uri="{28A0092B-C50C-407E-A947-70E740481C1C}">
+                <a14:useLocalDpi xmlns:a14="http://schemas.microsoft.com/office/drawing/2010/main" val="0"/>
+              </a:ext>
+            </a:extLst>
+          </a:blip>
+          <a:srcRect/>
+          <a:stretch>
+            <a:fillRect/>
+          </a:stretch>
+        </p:blipFill>
+        <p:spPr bwMode="auto">
+          <a:xfrm>
+            <a:off x="516695" y="1672403"/>
+            <a:ext cx="3493244" cy="4866509"/>
+          </a:xfrm>
+          <a:prstGeom prst="rect">
+            <a:avLst/>
+          </a:prstGeom>
+          <a:noFill/>
+          <a:extLst>
+            <a:ext uri="{909E8E84-426E-40DD-AFC4-6F175D3DCCD1}">
+              <a14:hiddenFill xmlns:a14="http://schemas.microsoft.com/office/drawing/2010/main">
+                <a:solidFill>
+                  <a:srgbClr val="FFFFFF"/>
+                </a:solidFill>
+              </a14:hiddenFill>
+            </a:ext>
+          </a:extLst>
+        </p:spPr>
+      </p:pic>
+      <p:sp>
+        <p:nvSpPr>
+          <p:cNvPr id="8" name="Прямоугольник 7">
+            <a:extLst>
+              <a:ext uri="{FF2B5EF4-FFF2-40B4-BE49-F238E27FC236}">
+                <a16:creationId xmlns:a16="http://schemas.microsoft.com/office/drawing/2014/main" id="{3AA821D3-CEF4-4FBB-B023-422358B5ECCD}"/>
+              </a:ext>
+            </a:extLst>
+          </p:cNvPr>
+          <p:cNvSpPr/>
+          <p:nvPr/>
+        </p:nvSpPr>
+        <p:spPr>
+          <a:xfrm>
+            <a:off x="4613945" y="4035105"/>
+            <a:ext cx="3676406" cy="427838"/>
+          </a:xfrm>
+          <a:prstGeom prst="rect">
+            <a:avLst/>
+          </a:prstGeom>
+          <a:noFill/>
+          <a:ln w="38100">
+            <a:solidFill>
+              <a:srgbClr val="C00000"/>
+            </a:solidFill>
+          </a:ln>
+        </p:spPr>
+        <p:style>
+          <a:lnRef idx="2">
+            <a:schemeClr val="accent1">
+              <a:shade val="50000"/>
+            </a:schemeClr>
+          </a:lnRef>
+          <a:fillRef idx="1">
+            <a:schemeClr val="accent1"/>
+          </a:fillRef>
+          <a:effectRef idx="0">
+            <a:schemeClr val="accent1"/>
+          </a:effectRef>
+          <a:fontRef idx="minor">
+            <a:schemeClr val="lt1"/>
+          </a:fontRef>
+        </p:style>
+        <p:txBody>
+          <a:bodyPr rtlCol="0" anchor="ctr"/>
+          <a:lstStyle/>
+          <a:p>
+            <a:pPr algn="ctr"/>
+            <a:endParaRPr lang="ru-RU"/>
+          </a:p>
+        </p:txBody>
+      </p:sp>
+      <p:sp>
+        <p:nvSpPr>
+          <p:cNvPr id="12" name="Прямоугольник 11">
+            <a:extLst>
+              <a:ext uri="{FF2B5EF4-FFF2-40B4-BE49-F238E27FC236}">
+                <a16:creationId xmlns:a16="http://schemas.microsoft.com/office/drawing/2014/main" id="{8880450A-CD27-4D05-8990-570BFA650DB8}"/>
+              </a:ext>
+            </a:extLst>
+          </p:cNvPr>
+          <p:cNvSpPr/>
+          <p:nvPr/>
+        </p:nvSpPr>
+        <p:spPr>
+          <a:xfrm>
+            <a:off x="5796346" y="1717342"/>
+            <a:ext cx="1245766" cy="154743"/>
+          </a:xfrm>
+          <a:prstGeom prst="rect">
+            <a:avLst/>
+          </a:prstGeom>
+          <a:noFill/>
+          <a:ln w="38100">
+            <a:solidFill>
+              <a:srgbClr val="C00000"/>
+            </a:solidFill>
+          </a:ln>
+        </p:spPr>
+        <p:style>
+          <a:lnRef idx="2">
+            <a:schemeClr val="accent1">
+              <a:shade val="50000"/>
+            </a:schemeClr>
+          </a:lnRef>
+          <a:fillRef idx="1">
+            <a:schemeClr val="accent1"/>
+          </a:fillRef>
+          <a:effectRef idx="0">
+            <a:schemeClr val="accent1"/>
+          </a:effectRef>
+          <a:fontRef idx="minor">
+            <a:schemeClr val="lt1"/>
+          </a:fontRef>
+        </p:style>
+        <p:txBody>
+          <a:bodyPr rtlCol="0" anchor="ctr"/>
+          <a:lstStyle/>
+          <a:p>
+            <a:pPr algn="ctr"/>
+            <a:endParaRPr lang="ru-RU"/>
+          </a:p>
+        </p:txBody>
+      </p:sp>
+      <p:sp>
+        <p:nvSpPr>
+          <p:cNvPr id="13" name="Прямоугольник 12">
+            <a:extLst>
+              <a:ext uri="{FF2B5EF4-FFF2-40B4-BE49-F238E27FC236}">
+                <a16:creationId xmlns:a16="http://schemas.microsoft.com/office/drawing/2014/main" id="{D63F6C69-0E95-4C0E-A579-CE3F9B0FE798}"/>
+              </a:ext>
+            </a:extLst>
+          </p:cNvPr>
+          <p:cNvSpPr/>
+          <p:nvPr/>
+        </p:nvSpPr>
+        <p:spPr>
+          <a:xfrm>
+            <a:off x="9430624" y="2141597"/>
+            <a:ext cx="1298896" cy="232487"/>
+          </a:xfrm>
+          <a:prstGeom prst="rect">
+            <a:avLst/>
+          </a:prstGeom>
+          <a:noFill/>
+          <a:ln w="38100">
+            <a:solidFill>
+              <a:srgbClr val="C00000"/>
+            </a:solidFill>
+          </a:ln>
+        </p:spPr>
+        <p:style>
+          <a:lnRef idx="2">
+            <a:schemeClr val="accent1">
+              <a:shade val="50000"/>
+            </a:schemeClr>
+          </a:lnRef>
+          <a:fillRef idx="1">
+            <a:schemeClr val="accent1"/>
+          </a:fillRef>
+          <a:effectRef idx="0">
+            <a:schemeClr val="accent1"/>
+          </a:effectRef>
+          <a:fontRef idx="minor">
+            <a:schemeClr val="lt1"/>
+          </a:fontRef>
+        </p:style>
+        <p:txBody>
+          <a:bodyPr rtlCol="0" anchor="ctr"/>
+          <a:lstStyle/>
+          <a:p>
+            <a:pPr algn="ctr"/>
+            <a:endParaRPr lang="ru-RU"/>
+          </a:p>
+        </p:txBody>
+      </p:sp>
+      <p:sp>
+        <p:nvSpPr>
+          <p:cNvPr id="15" name="Прямоугольник 14">
+            <a:extLst>
+              <a:ext uri="{FF2B5EF4-FFF2-40B4-BE49-F238E27FC236}">
+                <a16:creationId xmlns:a16="http://schemas.microsoft.com/office/drawing/2014/main" id="{9F493675-68A1-4152-8AFF-D0A7622FC536}"/>
+              </a:ext>
+            </a:extLst>
+          </p:cNvPr>
+          <p:cNvSpPr/>
+          <p:nvPr/>
+        </p:nvSpPr>
+        <p:spPr>
+          <a:xfrm>
+            <a:off x="521362" y="5193984"/>
+            <a:ext cx="3254929" cy="325971"/>
+          </a:xfrm>
+          <a:prstGeom prst="rect">
+            <a:avLst/>
+          </a:prstGeom>
+          <a:noFill/>
+          <a:ln w="38100">
+            <a:solidFill>
+              <a:srgbClr val="C00000"/>
+            </a:solidFill>
+          </a:ln>
+        </p:spPr>
+        <p:style>
+          <a:lnRef idx="2">
+            <a:schemeClr val="accent1">
+              <a:shade val="50000"/>
+            </a:schemeClr>
+          </a:lnRef>
+          <a:fillRef idx="1">
+            <a:schemeClr val="accent1"/>
+          </a:fillRef>
+          <a:effectRef idx="0">
+            <a:schemeClr val="accent1"/>
+          </a:effectRef>
+          <a:fontRef idx="minor">
+            <a:schemeClr val="lt1"/>
+          </a:fontRef>
+        </p:style>
+        <p:txBody>
+          <a:bodyPr rtlCol="0" anchor="ctr"/>
+          <a:lstStyle/>
+          <a:p>
+            <a:pPr algn="ctr"/>
+            <a:endParaRPr lang="ru-RU"/>
+          </a:p>
+        </p:txBody>
+      </p:sp>
+      <p:sp>
+        <p:nvSpPr>
+          <p:cNvPr id="16" name="Прямоугольник 15">
+            <a:extLst>
+              <a:ext uri="{FF2B5EF4-FFF2-40B4-BE49-F238E27FC236}">
+                <a16:creationId xmlns:a16="http://schemas.microsoft.com/office/drawing/2014/main" id="{B43E0F88-022E-41F4-A3C5-8BCBCAA5ED8E}"/>
+              </a:ext>
+            </a:extLst>
+          </p:cNvPr>
+          <p:cNvSpPr/>
+          <p:nvPr/>
+        </p:nvSpPr>
+        <p:spPr>
+          <a:xfrm>
+            <a:off x="587229" y="2474752"/>
+            <a:ext cx="1107348" cy="242081"/>
+          </a:xfrm>
+          <a:prstGeom prst="rect">
+            <a:avLst/>
+          </a:prstGeom>
+          <a:noFill/>
+          <a:ln w="38100">
+            <a:solidFill>
+              <a:srgbClr val="C00000"/>
+            </a:solidFill>
+          </a:ln>
+        </p:spPr>
+        <p:style>
+          <a:lnRef idx="2">
+            <a:schemeClr val="accent1">
+              <a:shade val="50000"/>
+            </a:schemeClr>
+          </a:lnRef>
+          <a:fillRef idx="1">
+            <a:schemeClr val="accent1"/>
+          </a:fillRef>
+          <a:effectRef idx="0">
+            <a:schemeClr val="accent1"/>
+          </a:effectRef>
+          <a:fontRef idx="minor">
+            <a:schemeClr val="lt1"/>
+          </a:fontRef>
+        </p:style>
+        <p:txBody>
+          <a:bodyPr rtlCol="0" anchor="ctr"/>
+          <a:lstStyle/>
+          <a:p>
+            <a:pPr algn="ctr"/>
+            <a:endParaRPr lang="ru-RU"/>
+          </a:p>
+        </p:txBody>
+      </p:sp>
+      <p:sp>
+        <p:nvSpPr>
+          <p:cNvPr id="17" name="Прямоугольник 16">
+            <a:extLst>
+              <a:ext uri="{FF2B5EF4-FFF2-40B4-BE49-F238E27FC236}">
+                <a16:creationId xmlns:a16="http://schemas.microsoft.com/office/drawing/2014/main" id="{1A41A37C-176C-4A6E-AAA0-BEC48B32E6C7}"/>
+              </a:ext>
+            </a:extLst>
+          </p:cNvPr>
+          <p:cNvSpPr/>
+          <p:nvPr/>
+        </p:nvSpPr>
+        <p:spPr>
+          <a:xfrm>
+            <a:off x="5547458" y="2209909"/>
+            <a:ext cx="1809380" cy="164175"/>
+          </a:xfrm>
+          <a:prstGeom prst="rect">
+            <a:avLst/>
+          </a:prstGeom>
+          <a:noFill/>
+          <a:ln w="38100">
+            <a:solidFill>
+              <a:srgbClr val="C00000"/>
+            </a:solidFill>
+          </a:ln>
+        </p:spPr>
+        <p:style>
+          <a:lnRef idx="2">
+            <a:schemeClr val="accent1">
+              <a:shade val="50000"/>
+            </a:schemeClr>
+          </a:lnRef>
+          <a:fillRef idx="1">
+            <a:schemeClr val="accent1"/>
+          </a:fillRef>
+          <a:effectRef idx="0">
+            <a:schemeClr val="accent1"/>
+          </a:effectRef>
+          <a:fontRef idx="minor">
+            <a:schemeClr val="lt1"/>
+          </a:fontRef>
+        </p:style>
+        <p:txBody>
+          <a:bodyPr rtlCol="0" anchor="ctr"/>
+          <a:lstStyle/>
+          <a:p>
+            <a:pPr algn="ctr"/>
+            <a:endParaRPr lang="ru-RU"/>
+          </a:p>
+        </p:txBody>
+      </p:sp>
+      <p:sp>
+        <p:nvSpPr>
+          <p:cNvPr id="18" name="Прямоугольник 17">
+            <a:extLst>
+              <a:ext uri="{FF2B5EF4-FFF2-40B4-BE49-F238E27FC236}">
+                <a16:creationId xmlns:a16="http://schemas.microsoft.com/office/drawing/2014/main" id="{CBC2E44D-E0B6-4EC3-B8E6-916CE7D829AA}"/>
+              </a:ext>
+            </a:extLst>
+          </p:cNvPr>
+          <p:cNvSpPr/>
+          <p:nvPr/>
+        </p:nvSpPr>
+        <p:spPr>
+          <a:xfrm>
+            <a:off x="8464539" y="4462943"/>
+            <a:ext cx="3553617" cy="310393"/>
+          </a:xfrm>
+          <a:prstGeom prst="rect">
+            <a:avLst/>
+          </a:prstGeom>
+          <a:noFill/>
+          <a:ln w="38100">
+            <a:solidFill>
+              <a:srgbClr val="C00000"/>
+            </a:solidFill>
+          </a:ln>
+        </p:spPr>
+        <p:style>
+          <a:lnRef idx="2">
+            <a:schemeClr val="accent1">
+              <a:shade val="50000"/>
+            </a:schemeClr>
+          </a:lnRef>
+          <a:fillRef idx="1">
+            <a:schemeClr val="accent1"/>
+          </a:fillRef>
+          <a:effectRef idx="0">
+            <a:schemeClr val="accent1"/>
+          </a:effectRef>
+          <a:fontRef idx="minor">
+            <a:schemeClr val="lt1"/>
+          </a:fontRef>
+        </p:style>
+        <p:txBody>
+          <a:bodyPr rtlCol="0" anchor="ctr"/>
+          <a:lstStyle/>
+          <a:p>
+            <a:pPr algn="ctr"/>
+            <a:endParaRPr lang="ru-RU"/>
+          </a:p>
+        </p:txBody>
+      </p:sp>
+      <p:sp>
+        <p:nvSpPr>
+          <p:cNvPr id="19" name="Прямоугольник 18">
+            <a:extLst>
+              <a:ext uri="{FF2B5EF4-FFF2-40B4-BE49-F238E27FC236}">
+                <a16:creationId xmlns:a16="http://schemas.microsoft.com/office/drawing/2014/main" id="{4AF6F371-D685-4AD1-B8AF-DA3D51227810}"/>
+              </a:ext>
+            </a:extLst>
+          </p:cNvPr>
+          <p:cNvSpPr/>
+          <p:nvPr/>
+        </p:nvSpPr>
+        <p:spPr>
+          <a:xfrm>
+            <a:off x="8434462" y="2600589"/>
+            <a:ext cx="1179322" cy="232487"/>
+          </a:xfrm>
+          <a:prstGeom prst="rect">
+            <a:avLst/>
+          </a:prstGeom>
+          <a:noFill/>
+          <a:ln w="38100">
+            <a:solidFill>
+              <a:srgbClr val="C00000"/>
+            </a:solidFill>
+          </a:ln>
+        </p:spPr>
+        <p:style>
+          <a:lnRef idx="2">
+            <a:schemeClr val="accent1">
+              <a:shade val="50000"/>
+            </a:schemeClr>
+          </a:lnRef>
+          <a:fillRef idx="1">
+            <a:schemeClr val="accent1"/>
+          </a:fillRef>
+          <a:effectRef idx="0">
+            <a:schemeClr val="accent1"/>
+          </a:effectRef>
+          <a:fontRef idx="minor">
+            <a:schemeClr val="lt1"/>
+          </a:fontRef>
+        </p:style>
+        <p:txBody>
+          <a:bodyPr rtlCol="0" anchor="ctr"/>
+          <a:lstStyle/>
+          <a:p>
+            <a:pPr algn="ctr"/>
+            <a:endParaRPr lang="ru-RU"/>
+          </a:p>
+        </p:txBody>
+      </p:sp>
+      <p:sp>
+        <p:nvSpPr>
+          <p:cNvPr id="20" name="Прямоугольник 19">
+            <a:extLst>
+              <a:ext uri="{FF2B5EF4-FFF2-40B4-BE49-F238E27FC236}">
+                <a16:creationId xmlns:a16="http://schemas.microsoft.com/office/drawing/2014/main" id="{055AB954-6897-40ED-AFD9-DCAC40851B14}"/>
+              </a:ext>
+            </a:extLst>
+          </p:cNvPr>
+          <p:cNvSpPr/>
+          <p:nvPr/>
+        </p:nvSpPr>
+        <p:spPr>
+          <a:xfrm>
+            <a:off x="147822" y="839966"/>
+            <a:ext cx="3993160" cy="646331"/>
+          </a:xfrm>
+          <a:prstGeom prst="rect">
+            <a:avLst/>
+          </a:prstGeom>
+          <a:noFill/>
+          <a:ln>
+            <a:noFill/>
+          </a:ln>
+        </p:spPr>
+        <p:txBody>
+          <a:bodyPr wrap="square" lIns="91440" tIns="45720" rIns="91440" bIns="45720">
+            <a:spAutoFit/>
+          </a:bodyPr>
+          <a:lstStyle/>
+          <a:p>
+            <a:pPr algn="ctr"/>
+            <a:r>
+              <a:rPr lang="ru-RU" sz="3600" dirty="0">
+                <a:ln w="0"/>
+                <a:effectLst>
+                  <a:outerShdw blurRad="38100" dist="19050" dir="2700000" algn="tl" rotWithShape="0">
+                    <a:schemeClr val="dk1">
+                      <a:alpha val="40000"/>
+                    </a:schemeClr>
+                  </a:outerShdw>
+                </a:effectLst>
+              </a:rPr>
+              <a:t>Связь</a:t>
+            </a:r>
+          </a:p>
+        </p:txBody>
+      </p:sp>
+      <p:sp>
+        <p:nvSpPr>
+          <p:cNvPr id="21" name="Прямоугольник 20">
+            <a:extLst>
+              <a:ext uri="{FF2B5EF4-FFF2-40B4-BE49-F238E27FC236}">
+                <a16:creationId xmlns:a16="http://schemas.microsoft.com/office/drawing/2014/main" id="{026968A1-F982-4DD6-8F40-B66BF1BE97C8}"/>
+              </a:ext>
+            </a:extLst>
+          </p:cNvPr>
+          <p:cNvSpPr/>
+          <p:nvPr/>
+        </p:nvSpPr>
+        <p:spPr>
+          <a:xfrm>
+            <a:off x="4305580" y="839966"/>
+            <a:ext cx="3993160" cy="646331"/>
+          </a:xfrm>
+          <a:prstGeom prst="rect">
+            <a:avLst/>
+          </a:prstGeom>
+          <a:noFill/>
+          <a:ln>
+            <a:noFill/>
+          </a:ln>
+        </p:spPr>
+        <p:txBody>
+          <a:bodyPr wrap="square" lIns="91440" tIns="45720" rIns="91440" bIns="45720">
+            <a:spAutoFit/>
+          </a:bodyPr>
+          <a:lstStyle/>
+          <a:p>
+            <a:pPr algn="ctr"/>
+            <a:r>
+              <a:rPr lang="ru-RU" sz="3600" dirty="0">
+                <a:ln w="0"/>
+                <a:effectLst>
+                  <a:outerShdw blurRad="38100" dist="19050" dir="2700000" algn="tl" rotWithShape="0">
+                    <a:schemeClr val="dk1">
+                      <a:alpha val="40000"/>
+                    </a:schemeClr>
+                  </a:outerShdw>
+                </a:effectLst>
+              </a:rPr>
+              <a:t>Транспорт</a:t>
+            </a:r>
+          </a:p>
+        </p:txBody>
+      </p:sp>
+      <p:sp>
+        <p:nvSpPr>
+          <p:cNvPr id="22" name="Прямоугольник 21">
+            <a:extLst>
+              <a:ext uri="{FF2B5EF4-FFF2-40B4-BE49-F238E27FC236}">
+                <a16:creationId xmlns:a16="http://schemas.microsoft.com/office/drawing/2014/main" id="{57711D1D-F7EA-4F18-9DEE-A680FFC79D34}"/>
+              </a:ext>
+            </a:extLst>
+          </p:cNvPr>
+          <p:cNvSpPr/>
+          <p:nvPr/>
+        </p:nvSpPr>
+        <p:spPr>
+          <a:xfrm>
+            <a:off x="8244767" y="839967"/>
+            <a:ext cx="3993160" cy="646331"/>
+          </a:xfrm>
+          <a:prstGeom prst="rect">
+            <a:avLst/>
+          </a:prstGeom>
+          <a:noFill/>
+          <a:ln>
+            <a:noFill/>
+          </a:ln>
+        </p:spPr>
+        <p:txBody>
+          <a:bodyPr wrap="square" lIns="91440" tIns="45720" rIns="91440" bIns="45720">
+            <a:spAutoFit/>
+          </a:bodyPr>
+          <a:lstStyle/>
+          <a:p>
+            <a:pPr algn="ctr"/>
+            <a:r>
+              <a:rPr lang="ru-RU" sz="3600" dirty="0">
+                <a:ln w="0"/>
+                <a:effectLst>
+                  <a:outerShdw blurRad="38100" dist="19050" dir="2700000" algn="tl" rotWithShape="0">
+                    <a:schemeClr val="dk1">
+                      <a:alpha val="40000"/>
+                    </a:schemeClr>
+                  </a:outerShdw>
+                </a:effectLst>
+              </a:rPr>
+              <a:t>Питание</a:t>
+            </a:r>
+          </a:p>
+        </p:txBody>
+      </p:sp>
+    </p:spTree>
+    <p:extLst>
+      <p:ext uri="{BB962C8B-B14F-4D97-AF65-F5344CB8AC3E}">
+        <p14:creationId xmlns:p14="http://schemas.microsoft.com/office/powerpoint/2010/main" val="1399058374"/>
+      </p:ext>
+    </p:extLst>
+  </p:cSld>
+  <p:clrMapOvr>
+    <a:masterClrMapping/>
+  </p:clrMapOvr>
+</p:sld>
+</file>
+
+<file path=ppt/slides/slide8.xml><?xml version="1.0" encoding="utf-8"?>
+<p:sld xmlns:a="http://schemas.openxmlformats.org/drawingml/2006/main" xmlns:r="http://schemas.openxmlformats.org/officeDocument/2006/relationships" xmlns:p="http://schemas.openxmlformats.org/presentationml/2006/main">
+  <p:cSld>
+    <p:spTree>
+      <p:nvGrpSpPr>
+        <p:cNvPr id="1" name=""/>
+        <p:cNvGrpSpPr/>
+        <p:nvPr/>
+      </p:nvGrpSpPr>
+      <p:grpSpPr>
+        <a:xfrm>
+          <a:off x="0" y="0"/>
+          <a:ext cx="0" cy="0"/>
+          <a:chOff x="0" y="0"/>
+          <a:chExt cx="0" cy="0"/>
+        </a:xfrm>
+      </p:grpSpPr>
+      <p:sp>
+        <p:nvSpPr>
+          <p:cNvPr id="4" name="Номер слайда 3">
+            <a:extLst>
+              <a:ext uri="{FF2B5EF4-FFF2-40B4-BE49-F238E27FC236}">
+                <a16:creationId xmlns:a16="http://schemas.microsoft.com/office/drawing/2014/main" id="{887986AB-C950-4B2F-BF86-E31B98458712}"/>
+              </a:ext>
+            </a:extLst>
+          </p:cNvPr>
+          <p:cNvSpPr>
+            <a:spLocks noGrp="1"/>
+          </p:cNvSpPr>
+          <p:nvPr>
+            <p:ph type="sldNum" sz="quarter" idx="12"/>
+          </p:nvPr>
+        </p:nvSpPr>
+        <p:spPr/>
+        <p:txBody>
+          <a:bodyPr/>
+          <a:lstStyle/>
+          <a:p>
+            <a:pPr marL="0" marR="0" lvl="0" indent="0" algn="r" defTabSz="914400" rtl="0" eaLnBrk="1" fontAlgn="auto" latinLnBrk="0" hangingPunct="1">
+              <a:lnSpc>
+                <a:spcPct val="100000"/>
+              </a:lnSpc>
+              <a:spcBef>
+                <a:spcPts val="0"/>
+              </a:spcBef>
+              <a:spcAft>
+                <a:spcPts val="0"/>
+              </a:spcAft>
+              <a:buClrTx/>
+              <a:buSzTx/>
+              <a:buFontTx/>
+              <a:buNone/>
+              <a:tabLst/>
+              <a:defRPr/>
+            </a:pPr>
+            <a:fld id="{079AA04F-7A8B-46BC-B900-7D092EA1812F}" type="slidenum">
+              <a:rPr lang="ru-RU" sz="1800" b="1" smtClean="0">
+                <a:solidFill>
+                  <a:prstClr val="black">
+                    <a:tint val="75000"/>
+                  </a:prstClr>
+                </a:solidFill>
+              </a:rPr>
+              <a:pPr marL="0" marR="0" lvl="0" indent="0" algn="r" defTabSz="914400" rtl="0" eaLnBrk="1" fontAlgn="auto" latinLnBrk="0" hangingPunct="1">
+                <a:lnSpc>
+                  <a:spcPct val="100000"/>
+                </a:lnSpc>
+                <a:spcBef>
+                  <a:spcPts val="0"/>
+                </a:spcBef>
+                <a:spcAft>
+                  <a:spcPts val="0"/>
+                </a:spcAft>
+                <a:buClrTx/>
+                <a:buSzTx/>
+                <a:buFontTx/>
+                <a:buNone/>
+                <a:tabLst/>
+                <a:defRPr/>
+              </a:pPr>
+              <a:t>8</a:t>
+            </a:fld>
+            <a:r>
+              <a:rPr lang="ru-RU" sz="1800" b="1" dirty="0">
+                <a:solidFill>
+                  <a:prstClr val="black">
+                    <a:tint val="75000"/>
+                  </a:prstClr>
+                </a:solidFill>
+              </a:rPr>
+              <a:t>/16</a:t>
+            </a:r>
+            <a:endParaRPr lang="ru-RU" dirty="0"/>
+          </a:p>
+        </p:txBody>
+      </p:sp>
+      <p:sp>
+        <p:nvSpPr>
           <p:cNvPr id="13" name="Прямоугольник 12">
             <a:extLst>
               <a:ext uri="{FF2B5EF4-FFF2-40B4-BE49-F238E27FC236}">
@@ -9621,7 +11030,7 @@
 </p:sld>
 </file>
 
-<file path=ppt/slides/slide7.xml><?xml version="1.0" encoding="utf-8"?>
+<file path=ppt/slides/slide9.xml><?xml version="1.0" encoding="utf-8"?>
 <p:sld xmlns:a="http://schemas.openxmlformats.org/drawingml/2006/main" xmlns:r="http://schemas.openxmlformats.org/officeDocument/2006/relationships" xmlns:p="http://schemas.openxmlformats.org/presentationml/2006/main">
   <p:cSld>
     <p:spTree>
@@ -10533,7 +11942,7 @@
                 <a:tabLst/>
                 <a:defRPr/>
               </a:pPr>
-              <a:t>7</a:t>
+              <a:t>9</a:t>
             </a:fld>
             <a:r>
               <a:rPr lang="ru-RU" sz="1800" b="1" dirty="0">
@@ -11929,8 +13338,8 @@
         </p:nvSpPr>
         <p:spPr>
           <a:xfrm>
-            <a:off x="4185052" y="822603"/>
-            <a:ext cx="3993160" cy="646331"/>
+            <a:off x="4130865" y="822603"/>
+            <a:ext cx="4047347" cy="646331"/>
           </a:xfrm>
           <a:prstGeom prst="rect">
             <a:avLst/>
@@ -11987,7 +13396,7 @@
         </p:nvSpPr>
         <p:spPr>
           <a:xfrm>
-            <a:off x="7993837" y="822602"/>
+            <a:off x="8145710" y="809238"/>
             <a:ext cx="3993160" cy="646331"/>
           </a:xfrm>
           <a:prstGeom prst="rect">
@@ -12522,7 +13931,7 @@
       </p:pic>
       <p:sp>
         <p:nvSpPr>
-          <p:cNvPr id="10" name="Овал 9">
+          <p:cNvPr id="10" name="Прямоугольник 9">
             <a:extLst>
               <a:ext uri="{FF2B5EF4-FFF2-40B4-BE49-F238E27FC236}">
                 <a16:creationId xmlns:a16="http://schemas.microsoft.com/office/drawing/2014/main" id="{BAC3C105-CC73-4D35-81CE-CF02AB46B17D}"/>
@@ -12537,7 +13946,7 @@
             <a:off x="1645920" y="1851660"/>
             <a:ext cx="895350" cy="201930"/>
           </a:xfrm>
-          <a:prstGeom prst="ellipse">
+          <a:prstGeom prst="rect">
             <a:avLst/>
           </a:prstGeom>
           <a:noFill/>
@@ -12574,7 +13983,7 @@
       </p:sp>
       <p:sp>
         <p:nvSpPr>
-          <p:cNvPr id="24" name="Овал 23">
+          <p:cNvPr id="24" name="Прямоугольник 23">
             <a:extLst>
               <a:ext uri="{FF2B5EF4-FFF2-40B4-BE49-F238E27FC236}">
                 <a16:creationId xmlns:a16="http://schemas.microsoft.com/office/drawing/2014/main" id="{72A30A43-9486-4535-A106-77D8E06029A1}"/>
@@ -12589,7 +13998,7 @@
             <a:off x="6111289" y="2106930"/>
             <a:ext cx="1013411" cy="201930"/>
           </a:xfrm>
-          <a:prstGeom prst="ellipse">
+          <a:prstGeom prst="rect">
             <a:avLst/>
           </a:prstGeom>
           <a:noFill/>
@@ -12626,7 +14035,7 @@
       </p:sp>
       <p:sp>
         <p:nvSpPr>
-          <p:cNvPr id="25" name="Овал 24">
+          <p:cNvPr id="25" name="Прямоугольник 24">
             <a:extLst>
               <a:ext uri="{FF2B5EF4-FFF2-40B4-BE49-F238E27FC236}">
                 <a16:creationId xmlns:a16="http://schemas.microsoft.com/office/drawing/2014/main" id="{1EB5C64D-435B-4D84-9FDB-A1C2DA3576E5}"/>
@@ -12638,10 +14047,10 @@
         </p:nvSpPr>
         <p:spPr>
           <a:xfrm>
-            <a:off x="5813411" y="5635830"/>
-            <a:ext cx="1316083" cy="502920"/>
-          </a:xfrm>
-          <a:prstGeom prst="ellipse">
+            <a:off x="5884069" y="5712619"/>
+            <a:ext cx="1245425" cy="371476"/>
+          </a:xfrm>
+          <a:prstGeom prst="rect">
             <a:avLst/>
           </a:prstGeom>
           <a:noFill/>
@@ -12784,733 +14193,6 @@
     <p:extLst>
       <p:ext uri="{BB962C8B-B14F-4D97-AF65-F5344CB8AC3E}">
         <p14:creationId xmlns:p14="http://schemas.microsoft.com/office/powerpoint/2010/main" val="1224561304"/>
-      </p:ext>
-    </p:extLst>
-  </p:cSld>
-  <p:clrMapOvr>
-    <a:masterClrMapping/>
-  </p:clrMapOvr>
-</p:sld>
-</file>
-
-<file path=ppt/slides/slide8.xml><?xml version="1.0" encoding="utf-8"?>
-<p:sld xmlns:a="http://schemas.openxmlformats.org/drawingml/2006/main" xmlns:r="http://schemas.openxmlformats.org/officeDocument/2006/relationships" xmlns:p="http://schemas.openxmlformats.org/presentationml/2006/main">
-  <p:cSld>
-    <p:spTree>
-      <p:nvGrpSpPr>
-        <p:cNvPr id="1" name=""/>
-        <p:cNvGrpSpPr/>
-        <p:nvPr/>
-      </p:nvGrpSpPr>
-      <p:grpSpPr>
-        <a:xfrm>
-          <a:off x="0" y="0"/>
-          <a:ext cx="0" cy="0"/>
-          <a:chOff x="0" y="0"/>
-          <a:chExt cx="0" cy="0"/>
-        </a:xfrm>
-      </p:grpSpPr>
-      <p:pic>
-        <p:nvPicPr>
-          <p:cNvPr id="3" name="Рисунок 2" descr="Изображение выглядит как текст&#10;&#10;Автоматически созданное описание">
-            <a:extLst>
-              <a:ext uri="{FF2B5EF4-FFF2-40B4-BE49-F238E27FC236}">
-                <a16:creationId xmlns:a16="http://schemas.microsoft.com/office/drawing/2014/main" id="{3C7AC796-D5D8-4BA7-A41B-5BD70FA994E6}"/>
-              </a:ext>
-            </a:extLst>
-          </p:cNvPr>
-          <p:cNvPicPr>
-            <a:picLocks noChangeAspect="1"/>
-          </p:cNvPicPr>
-          <p:nvPr/>
-        </p:nvPicPr>
-        <p:blipFill>
-          <a:blip r:embed="rId2">
-            <a:extLst>
-              <a:ext uri="{28A0092B-C50C-407E-A947-70E740481C1C}">
-                <a14:useLocalDpi xmlns:a14="http://schemas.microsoft.com/office/drawing/2010/main" val="0"/>
-              </a:ext>
-            </a:extLst>
-          </a:blip>
-          <a:stretch>
-            <a:fillRect/>
-          </a:stretch>
-        </p:blipFill>
-        <p:spPr>
-          <a:xfrm>
-            <a:off x="95250" y="136525"/>
-            <a:ext cx="12001500" cy="6584950"/>
-          </a:xfrm>
-          <a:prstGeom prst="rect">
-            <a:avLst/>
-          </a:prstGeom>
-        </p:spPr>
-      </p:pic>
-      <p:sp>
-        <p:nvSpPr>
-          <p:cNvPr id="4" name="Номер слайда 3">
-            <a:extLst>
-              <a:ext uri="{FF2B5EF4-FFF2-40B4-BE49-F238E27FC236}">
-                <a16:creationId xmlns:a16="http://schemas.microsoft.com/office/drawing/2014/main" id="{9A0DC7CF-15D6-41EB-BE91-FB9C8F9DE10E}"/>
-              </a:ext>
-            </a:extLst>
-          </p:cNvPr>
-          <p:cNvSpPr>
-            <a:spLocks noGrp="1"/>
-          </p:cNvSpPr>
-          <p:nvPr>
-            <p:ph type="sldNum" sz="quarter" idx="12"/>
-          </p:nvPr>
-        </p:nvSpPr>
-        <p:spPr/>
-        <p:txBody>
-          <a:bodyPr/>
-          <a:lstStyle/>
-          <a:p>
-            <a:pPr marL="0" marR="0" lvl="0" indent="0" algn="r" defTabSz="914400" rtl="0" eaLnBrk="1" fontAlgn="auto" latinLnBrk="0" hangingPunct="1">
-              <a:lnSpc>
-                <a:spcPct val="100000"/>
-              </a:lnSpc>
-              <a:spcBef>
-                <a:spcPts val="0"/>
-              </a:spcBef>
-              <a:spcAft>
-                <a:spcPts val="0"/>
-              </a:spcAft>
-              <a:buClrTx/>
-              <a:buSzTx/>
-              <a:buFontTx/>
-              <a:buNone/>
-              <a:tabLst/>
-              <a:defRPr/>
-            </a:pPr>
-            <a:fld id="{079AA04F-7A8B-46BC-B900-7D092EA1812F}" type="slidenum">
-              <a:rPr lang="ru-RU" sz="1800" b="1" smtClean="0">
-                <a:solidFill>
-                  <a:prstClr val="black">
-                    <a:tint val="75000"/>
-                  </a:prstClr>
-                </a:solidFill>
-              </a:rPr>
-              <a:pPr marL="0" marR="0" lvl="0" indent="0" algn="r" defTabSz="914400" rtl="0" eaLnBrk="1" fontAlgn="auto" latinLnBrk="0" hangingPunct="1">
-                <a:lnSpc>
-                  <a:spcPct val="100000"/>
-                </a:lnSpc>
-                <a:spcBef>
-                  <a:spcPts val="0"/>
-                </a:spcBef>
-                <a:spcAft>
-                  <a:spcPts val="0"/>
-                </a:spcAft>
-                <a:buClrTx/>
-                <a:buSzTx/>
-                <a:buFontTx/>
-                <a:buNone/>
-                <a:tabLst/>
-                <a:defRPr/>
-              </a:pPr>
-              <a:t>8</a:t>
-            </a:fld>
-            <a:r>
-              <a:rPr lang="ru-RU" sz="1800" b="1" dirty="0">
-                <a:solidFill>
-                  <a:prstClr val="black">
-                    <a:tint val="75000"/>
-                  </a:prstClr>
-                </a:solidFill>
-              </a:rPr>
-              <a:t>/16</a:t>
-            </a:r>
-            <a:endParaRPr lang="ru-RU" dirty="0"/>
-          </a:p>
-        </p:txBody>
-      </p:sp>
-      <p:sp>
-        <p:nvSpPr>
-          <p:cNvPr id="9" name="Прямоугольник 8">
-            <a:extLst>
-              <a:ext uri="{FF2B5EF4-FFF2-40B4-BE49-F238E27FC236}">
-                <a16:creationId xmlns:a16="http://schemas.microsoft.com/office/drawing/2014/main" id="{7921ACF2-D316-4DBC-B39C-4444CE34892D}"/>
-              </a:ext>
-            </a:extLst>
-          </p:cNvPr>
-          <p:cNvSpPr/>
-          <p:nvPr/>
-        </p:nvSpPr>
-        <p:spPr>
-          <a:xfrm>
-            <a:off x="0" y="0"/>
-            <a:ext cx="4363695" cy="1754326"/>
-          </a:xfrm>
-          <a:prstGeom prst="rect">
-            <a:avLst/>
-          </a:prstGeom>
-          <a:noFill/>
-          <a:ln>
-            <a:noFill/>
-          </a:ln>
-        </p:spPr>
-        <p:txBody>
-          <a:bodyPr wrap="none" lIns="91440" tIns="45720" rIns="91440" bIns="45720">
-            <a:spAutoFit/>
-          </a:bodyPr>
-          <a:lstStyle/>
-          <a:p>
-            <a:r>
-              <a:rPr lang="ru-RU" sz="5400" dirty="0">
-                <a:ln w="0"/>
-                <a:effectLst>
-                  <a:outerShdw blurRad="38100" dist="19050" dir="2700000" algn="tl" rotWithShape="0">
-                    <a:schemeClr val="dk1">
-                      <a:alpha val="40000"/>
-                    </a:schemeClr>
-                  </a:outerShdw>
-                </a:effectLst>
-              </a:rPr>
-              <a:t>Работа с</a:t>
-            </a:r>
-            <a:r>
-              <a:rPr lang="en-US" sz="5400" dirty="0">
-                <a:ln w="0"/>
-                <a:effectLst>
-                  <a:outerShdw blurRad="38100" dist="19050" dir="2700000" algn="tl" rotWithShape="0">
-                    <a:schemeClr val="dk1">
-                      <a:alpha val="40000"/>
-                    </a:schemeClr>
-                  </a:outerShdw>
-                </a:effectLst>
-              </a:rPr>
-              <a:t> </a:t>
-            </a:r>
-          </a:p>
-          <a:p>
-            <a:r>
-              <a:rPr lang="en-US" sz="5400" dirty="0">
-                <a:ln w="0"/>
-                <a:effectLst>
-                  <a:outerShdw blurRad="38100" dist="19050" dir="2700000" algn="tl" rotWithShape="0">
-                    <a:schemeClr val="dk1">
-                      <a:alpha val="40000"/>
-                    </a:schemeClr>
-                  </a:outerShdw>
-                </a:effectLst>
-              </a:rPr>
-              <a:t>Google Vision</a:t>
-            </a:r>
-            <a:r>
-              <a:rPr lang="ru-RU" sz="5400" dirty="0">
-                <a:ln w="0"/>
-                <a:effectLst>
-                  <a:outerShdw blurRad="38100" dist="19050" dir="2700000" algn="tl" rotWithShape="0">
-                    <a:schemeClr val="dk1">
-                      <a:alpha val="40000"/>
-                    </a:schemeClr>
-                  </a:outerShdw>
-                </a:effectLst>
-              </a:rPr>
-              <a:t>  </a:t>
-            </a:r>
-            <a:endParaRPr lang="ru-RU" sz="5400" b="1" cap="none" spc="0" dirty="0">
-              <a:ln w="22225">
-                <a:solidFill>
-                  <a:srgbClr val="E24036"/>
-                </a:solidFill>
-                <a:prstDash val="solid"/>
-              </a:ln>
-              <a:solidFill>
-                <a:srgbClr val="FBE7E4"/>
-              </a:solidFill>
-              <a:effectLst/>
-            </a:endParaRPr>
-          </a:p>
-        </p:txBody>
-      </p:sp>
-    </p:spTree>
-    <p:extLst>
-      <p:ext uri="{BB962C8B-B14F-4D97-AF65-F5344CB8AC3E}">
-        <p14:creationId xmlns:p14="http://schemas.microsoft.com/office/powerpoint/2010/main" val="2004220053"/>
-      </p:ext>
-    </p:extLst>
-  </p:cSld>
-  <p:clrMapOvr>
-    <a:masterClrMapping/>
-  </p:clrMapOvr>
-</p:sld>
-</file>
-
-<file path=ppt/slides/slide9.xml><?xml version="1.0" encoding="utf-8"?>
-<p:sld xmlns:a="http://schemas.openxmlformats.org/drawingml/2006/main" xmlns:r="http://schemas.openxmlformats.org/officeDocument/2006/relationships" xmlns:p="http://schemas.openxmlformats.org/presentationml/2006/main">
-  <p:cSld>
-    <p:spTree>
-      <p:nvGrpSpPr>
-        <p:cNvPr id="1" name=""/>
-        <p:cNvGrpSpPr/>
-        <p:nvPr/>
-      </p:nvGrpSpPr>
-      <p:grpSpPr>
-        <a:xfrm>
-          <a:off x="0" y="0"/>
-          <a:ext cx="0" cy="0"/>
-          <a:chOff x="0" y="0"/>
-          <a:chExt cx="0" cy="0"/>
-        </a:xfrm>
-      </p:grpSpPr>
-      <p:sp>
-        <p:nvSpPr>
-          <p:cNvPr id="4" name="Номер слайда 3">
-            <a:extLst>
-              <a:ext uri="{FF2B5EF4-FFF2-40B4-BE49-F238E27FC236}">
-                <a16:creationId xmlns:a16="http://schemas.microsoft.com/office/drawing/2014/main" id="{BA2D91A9-8105-48DB-9C56-C5BCFF58ED04}"/>
-              </a:ext>
-            </a:extLst>
-          </p:cNvPr>
-          <p:cNvSpPr>
-            <a:spLocks noGrp="1"/>
-          </p:cNvSpPr>
-          <p:nvPr>
-            <p:ph type="sldNum" sz="quarter" idx="12"/>
-          </p:nvPr>
-        </p:nvSpPr>
-        <p:spPr/>
-        <p:txBody>
-          <a:bodyPr/>
-          <a:lstStyle/>
-          <a:p>
-            <a:pPr marL="0" marR="0" lvl="0" indent="0" algn="r" defTabSz="914400" rtl="0" eaLnBrk="1" fontAlgn="auto" latinLnBrk="0" hangingPunct="1">
-              <a:lnSpc>
-                <a:spcPct val="100000"/>
-              </a:lnSpc>
-              <a:spcBef>
-                <a:spcPts val="0"/>
-              </a:spcBef>
-              <a:spcAft>
-                <a:spcPts val="0"/>
-              </a:spcAft>
-              <a:buClrTx/>
-              <a:buSzTx/>
-              <a:buFontTx/>
-              <a:buNone/>
-              <a:tabLst/>
-              <a:defRPr/>
-            </a:pPr>
-            <a:fld id="{079AA04F-7A8B-46BC-B900-7D092EA1812F}" type="slidenum">
-              <a:rPr lang="ru-RU" sz="1800" b="1" smtClean="0">
-                <a:solidFill>
-                  <a:prstClr val="black">
-                    <a:tint val="75000"/>
-                  </a:prstClr>
-                </a:solidFill>
-              </a:rPr>
-              <a:pPr marL="0" marR="0" lvl="0" indent="0" algn="r" defTabSz="914400" rtl="0" eaLnBrk="1" fontAlgn="auto" latinLnBrk="0" hangingPunct="1">
-                <a:lnSpc>
-                  <a:spcPct val="100000"/>
-                </a:lnSpc>
-                <a:spcBef>
-                  <a:spcPts val="0"/>
-                </a:spcBef>
-                <a:spcAft>
-                  <a:spcPts val="0"/>
-                </a:spcAft>
-                <a:buClrTx/>
-                <a:buSzTx/>
-                <a:buFontTx/>
-                <a:buNone/>
-                <a:tabLst/>
-                <a:defRPr/>
-              </a:pPr>
-              <a:t>9</a:t>
-            </a:fld>
-            <a:r>
-              <a:rPr lang="ru-RU" sz="1800" b="1" dirty="0">
-                <a:solidFill>
-                  <a:prstClr val="black">
-                    <a:tint val="75000"/>
-                  </a:prstClr>
-                </a:solidFill>
-              </a:rPr>
-              <a:t>/16</a:t>
-            </a:r>
-            <a:endParaRPr lang="ru-RU" dirty="0"/>
-          </a:p>
-        </p:txBody>
-      </p:sp>
-      <p:sp>
-        <p:nvSpPr>
-          <p:cNvPr id="5" name="Прямоугольник 4">
-            <a:extLst>
-              <a:ext uri="{FF2B5EF4-FFF2-40B4-BE49-F238E27FC236}">
-                <a16:creationId xmlns:a16="http://schemas.microsoft.com/office/drawing/2014/main" id="{8FD8C1C4-5A36-4FC6-B9DA-76202230C227}"/>
-              </a:ext>
-            </a:extLst>
-          </p:cNvPr>
-          <p:cNvSpPr/>
-          <p:nvPr/>
-        </p:nvSpPr>
-        <p:spPr>
-          <a:xfrm>
-            <a:off x="0" y="0"/>
-            <a:ext cx="6942670" cy="1015663"/>
-          </a:xfrm>
-          <a:prstGeom prst="rect">
-            <a:avLst/>
-          </a:prstGeom>
-          <a:noFill/>
-          <a:ln>
-            <a:solidFill>
-              <a:schemeClr val="bg1"/>
-            </a:solidFill>
-          </a:ln>
-        </p:spPr>
-        <p:txBody>
-          <a:bodyPr wrap="none" lIns="91440" tIns="45720" rIns="91440" bIns="45720">
-            <a:spAutoFit/>
-          </a:bodyPr>
-          <a:lstStyle/>
-          <a:p>
-            <a:pPr algn="ctr"/>
-            <a:r>
-              <a:rPr lang="ru-RU" sz="6000" dirty="0">
-                <a:ln w="0"/>
-                <a:effectLst>
-                  <a:outerShdw blurRad="38100" dist="19050" dir="2700000" algn="tl" rotWithShape="0">
-                    <a:schemeClr val="dk1">
-                      <a:alpha val="40000"/>
-                    </a:schemeClr>
-                  </a:outerShdw>
-                </a:effectLst>
-              </a:rPr>
-              <a:t>Base64 кодирование</a:t>
-            </a:r>
-            <a:endParaRPr lang="ru-RU" sz="6000" b="1" cap="none" spc="0" dirty="0">
-              <a:ln w="22225">
-                <a:solidFill>
-                  <a:srgbClr val="E24036"/>
-                </a:solidFill>
-                <a:prstDash val="solid"/>
-              </a:ln>
-              <a:solidFill>
-                <a:srgbClr val="FBE7E4"/>
-              </a:solidFill>
-              <a:effectLst/>
-            </a:endParaRPr>
-          </a:p>
-        </p:txBody>
-      </p:sp>
-      <p:pic>
-        <p:nvPicPr>
-          <p:cNvPr id="3074" name="Picture 2" descr="Knowledge is to share...: Base64 Encoding and Decoding in C">
-            <a:extLst>
-              <a:ext uri="{FF2B5EF4-FFF2-40B4-BE49-F238E27FC236}">
-                <a16:creationId xmlns:a16="http://schemas.microsoft.com/office/drawing/2014/main" id="{5609BF9A-560B-42F0-BC99-3F8614A6C27E}"/>
-              </a:ext>
-            </a:extLst>
-          </p:cNvPr>
-          <p:cNvPicPr>
-            <a:picLocks noChangeAspect="1" noChangeArrowheads="1"/>
-          </p:cNvPicPr>
-          <p:nvPr/>
-        </p:nvPicPr>
-        <p:blipFill>
-          <a:blip r:embed="rId2">
-            <a:extLst>
-              <a:ext uri="{28A0092B-C50C-407E-A947-70E740481C1C}">
-                <a14:useLocalDpi xmlns:a14="http://schemas.microsoft.com/office/drawing/2010/main" val="0"/>
-              </a:ext>
-            </a:extLst>
-          </a:blip>
-          <a:srcRect/>
-          <a:stretch>
-            <a:fillRect/>
-          </a:stretch>
-        </p:blipFill>
-        <p:spPr bwMode="auto">
-          <a:xfrm>
-            <a:off x="3980953" y="2258839"/>
-            <a:ext cx="4457700" cy="2543175"/>
-          </a:xfrm>
-          <a:prstGeom prst="rect">
-            <a:avLst/>
-          </a:prstGeom>
-          <a:noFill/>
-          <a:extLst>
-            <a:ext uri="{909E8E84-426E-40DD-AFC4-6F175D3DCCD1}">
-              <a14:hiddenFill xmlns:a14="http://schemas.microsoft.com/office/drawing/2010/main">
-                <a:solidFill>
-                  <a:srgbClr val="FFFFFF"/>
-                </a:solidFill>
-              </a14:hiddenFill>
-            </a:ext>
-          </a:extLst>
-        </p:spPr>
-      </p:pic>
-      <p:pic>
-        <p:nvPicPr>
-          <p:cNvPr id="3076" name="Picture 4" descr="Иконка «Файл» — скачай бесплатно PNG и векторе">
-            <a:extLst>
-              <a:ext uri="{FF2B5EF4-FFF2-40B4-BE49-F238E27FC236}">
-                <a16:creationId xmlns:a16="http://schemas.microsoft.com/office/drawing/2014/main" id="{93EBED1F-69F6-4F09-9041-5D994FB531E9}"/>
-              </a:ext>
-            </a:extLst>
-          </p:cNvPr>
-          <p:cNvPicPr>
-            <a:picLocks noChangeAspect="1" noChangeArrowheads="1"/>
-          </p:cNvPicPr>
-          <p:nvPr/>
-        </p:nvPicPr>
-        <p:blipFill>
-          <a:blip r:embed="rId3">
-            <a:extLst>
-              <a:ext uri="{28A0092B-C50C-407E-A947-70E740481C1C}">
-                <a14:useLocalDpi xmlns:a14="http://schemas.microsoft.com/office/drawing/2010/main" val="0"/>
-              </a:ext>
-            </a:extLst>
-          </a:blip>
-          <a:srcRect/>
-          <a:stretch>
-            <a:fillRect/>
-          </a:stretch>
-        </p:blipFill>
-        <p:spPr bwMode="auto">
-          <a:xfrm>
-            <a:off x="427839" y="2446019"/>
-            <a:ext cx="2168813" cy="2168813"/>
-          </a:xfrm>
-          <a:prstGeom prst="rect">
-            <a:avLst/>
-          </a:prstGeom>
-          <a:noFill/>
-          <a:extLst>
-            <a:ext uri="{909E8E84-426E-40DD-AFC4-6F175D3DCCD1}">
-              <a14:hiddenFill xmlns:a14="http://schemas.microsoft.com/office/drawing/2010/main">
-                <a:solidFill>
-                  <a:srgbClr val="FFFFFF"/>
-                </a:solidFill>
-              </a14:hiddenFill>
-            </a:ext>
-          </a:extLst>
-        </p:spPr>
-      </p:pic>
-      <p:pic>
-        <p:nvPicPr>
-          <p:cNvPr id="8" name="Picture 4" descr="Иконка «Файл» — скачай бесплатно PNG и векторе">
-            <a:extLst>
-              <a:ext uri="{FF2B5EF4-FFF2-40B4-BE49-F238E27FC236}">
-                <a16:creationId xmlns:a16="http://schemas.microsoft.com/office/drawing/2014/main" id="{68656741-BFD0-4D63-B70B-E9E7D9C84A4D}"/>
-              </a:ext>
-            </a:extLst>
-          </p:cNvPr>
-          <p:cNvPicPr>
-            <a:picLocks noChangeAspect="1" noChangeArrowheads="1"/>
-          </p:cNvPicPr>
-          <p:nvPr/>
-        </p:nvPicPr>
-        <p:blipFill>
-          <a:blip r:embed="rId3">
-            <a:extLst>
-              <a:ext uri="{28A0092B-C50C-407E-A947-70E740481C1C}">
-                <a14:useLocalDpi xmlns:a14="http://schemas.microsoft.com/office/drawing/2010/main" val="0"/>
-              </a:ext>
-            </a:extLst>
-          </a:blip>
-          <a:srcRect/>
-          <a:stretch>
-            <a:fillRect/>
-          </a:stretch>
-        </p:blipFill>
-        <p:spPr bwMode="auto">
-          <a:xfrm>
-            <a:off x="9822954" y="2446019"/>
-            <a:ext cx="2168813" cy="2168813"/>
-          </a:xfrm>
-          <a:prstGeom prst="rect">
-            <a:avLst/>
-          </a:prstGeom>
-          <a:noFill/>
-          <a:extLst>
-            <a:ext uri="{909E8E84-426E-40DD-AFC4-6F175D3DCCD1}">
-              <a14:hiddenFill xmlns:a14="http://schemas.microsoft.com/office/drawing/2010/main">
-                <a:solidFill>
-                  <a:srgbClr val="FFFFFF"/>
-                </a:solidFill>
-              </a14:hiddenFill>
-            </a:ext>
-          </a:extLst>
-        </p:spPr>
-      </p:pic>
-      <p:cxnSp>
-        <p:nvCxnSpPr>
-          <p:cNvPr id="7" name="Прямая со стрелкой 6">
-            <a:extLst>
-              <a:ext uri="{FF2B5EF4-FFF2-40B4-BE49-F238E27FC236}">
-                <a16:creationId xmlns:a16="http://schemas.microsoft.com/office/drawing/2014/main" id="{A061E01C-5663-43F3-9DE2-63C84A83D607}"/>
-              </a:ext>
-            </a:extLst>
-          </p:cNvPr>
-          <p:cNvCxnSpPr>
-            <a:cxnSpLocks/>
-            <a:stCxn id="3076" idx="3"/>
-          </p:cNvCxnSpPr>
-          <p:nvPr/>
-        </p:nvCxnSpPr>
-        <p:spPr>
-          <a:xfrm flipV="1">
-            <a:off x="2596652" y="3530425"/>
-            <a:ext cx="1302522" cy="1"/>
-          </a:xfrm>
-          <a:prstGeom prst="straightConnector1">
-            <a:avLst/>
-          </a:prstGeom>
-          <a:ln>
-            <a:tailEnd type="triangle"/>
-          </a:ln>
-        </p:spPr>
-        <p:style>
-          <a:lnRef idx="3">
-            <a:schemeClr val="dk1"/>
-          </a:lnRef>
-          <a:fillRef idx="0">
-            <a:schemeClr val="dk1"/>
-          </a:fillRef>
-          <a:effectRef idx="2">
-            <a:schemeClr val="dk1"/>
-          </a:effectRef>
-          <a:fontRef idx="minor">
-            <a:schemeClr val="tx1"/>
-          </a:fontRef>
-        </p:style>
-      </p:cxnSp>
-      <p:cxnSp>
-        <p:nvCxnSpPr>
-          <p:cNvPr id="12" name="Прямая со стрелкой 11">
-            <a:extLst>
-              <a:ext uri="{FF2B5EF4-FFF2-40B4-BE49-F238E27FC236}">
-                <a16:creationId xmlns:a16="http://schemas.microsoft.com/office/drawing/2014/main" id="{DC630360-E946-4A8F-8840-CB9E517AA07B}"/>
-              </a:ext>
-            </a:extLst>
-          </p:cNvPr>
-          <p:cNvCxnSpPr>
-            <a:cxnSpLocks/>
-          </p:cNvCxnSpPr>
-          <p:nvPr/>
-        </p:nvCxnSpPr>
-        <p:spPr>
-          <a:xfrm flipV="1">
-            <a:off x="8520432" y="3530424"/>
-            <a:ext cx="1302522" cy="1"/>
-          </a:xfrm>
-          <a:prstGeom prst="straightConnector1">
-            <a:avLst/>
-          </a:prstGeom>
-          <a:ln>
-            <a:tailEnd type="triangle"/>
-          </a:ln>
-        </p:spPr>
-        <p:style>
-          <a:lnRef idx="3">
-            <a:schemeClr val="dk1"/>
-          </a:lnRef>
-          <a:fillRef idx="0">
-            <a:schemeClr val="dk1"/>
-          </a:fillRef>
-          <a:effectRef idx="2">
-            <a:schemeClr val="dk1"/>
-          </a:effectRef>
-          <a:fontRef idx="minor">
-            <a:schemeClr val="tx1"/>
-          </a:fontRef>
-        </p:style>
-      </p:cxnSp>
-      <p:sp>
-        <p:nvSpPr>
-          <p:cNvPr id="10" name="TextBox 9">
-            <a:extLst>
-              <a:ext uri="{FF2B5EF4-FFF2-40B4-BE49-F238E27FC236}">
-                <a16:creationId xmlns:a16="http://schemas.microsoft.com/office/drawing/2014/main" id="{54E25042-7644-4044-A017-43ABA2F3EB5C}"/>
-              </a:ext>
-            </a:extLst>
-          </p:cNvPr>
-          <p:cNvSpPr txBox="1"/>
-          <p:nvPr/>
-        </p:nvSpPr>
-        <p:spPr>
-          <a:xfrm>
-            <a:off x="984056" y="3051496"/>
-            <a:ext cx="920445" cy="1077218"/>
-          </a:xfrm>
-          <a:prstGeom prst="rect">
-            <a:avLst/>
-          </a:prstGeom>
-          <a:noFill/>
-        </p:spPr>
-        <p:txBody>
-          <a:bodyPr wrap="none" rtlCol="0">
-            <a:spAutoFit/>
-          </a:bodyPr>
-          <a:lstStyle/>
-          <a:p>
-            <a:r>
-              <a:rPr lang="en-US" sz="3200" dirty="0"/>
-              <a:t>JPG</a:t>
-            </a:r>
-          </a:p>
-          <a:p>
-            <a:r>
-              <a:rPr lang="en-US" sz="3200" dirty="0"/>
-              <a:t>PNG</a:t>
-            </a:r>
-            <a:endParaRPr lang="ru-RU" sz="3200" dirty="0"/>
-          </a:p>
-        </p:txBody>
-      </p:sp>
-      <p:sp>
-        <p:nvSpPr>
-          <p:cNvPr id="15" name="TextBox 14">
-            <a:extLst>
-              <a:ext uri="{FF2B5EF4-FFF2-40B4-BE49-F238E27FC236}">
-                <a16:creationId xmlns:a16="http://schemas.microsoft.com/office/drawing/2014/main" id="{1B10C423-8D05-43D9-9179-43975959C276}"/>
-              </a:ext>
-            </a:extLst>
-          </p:cNvPr>
-          <p:cNvSpPr txBox="1"/>
-          <p:nvPr/>
-        </p:nvSpPr>
-        <p:spPr>
-          <a:xfrm>
-            <a:off x="10330118" y="2991816"/>
-            <a:ext cx="1154483" cy="1077218"/>
-          </a:xfrm>
-          <a:prstGeom prst="rect">
-            <a:avLst/>
-          </a:prstGeom>
-          <a:noFill/>
-        </p:spPr>
-        <p:txBody>
-          <a:bodyPr wrap="none" rtlCol="0">
-            <a:spAutoFit/>
-          </a:bodyPr>
-          <a:lstStyle/>
-          <a:p>
-            <a:r>
-              <a:rPr lang="en-US" sz="3200" dirty="0"/>
-              <a:t>ASCII</a:t>
-            </a:r>
-          </a:p>
-          <a:p>
-            <a:r>
-              <a:rPr lang="en-US" sz="3200" dirty="0"/>
-              <a:t> </a:t>
-            </a:r>
-            <a:r>
-              <a:rPr lang="ru-RU" sz="3200" dirty="0"/>
-              <a:t>текст</a:t>
-            </a:r>
-          </a:p>
-        </p:txBody>
-      </p:sp>
-    </p:spTree>
-    <p:extLst>
-      <p:ext uri="{BB962C8B-B14F-4D97-AF65-F5344CB8AC3E}">
-        <p14:creationId xmlns:p14="http://schemas.microsoft.com/office/powerpoint/2010/main" val="3868839168"/>
       </p:ext>
     </p:extLst>
   </p:cSld>
